--- a/slides/Online/2020/03a - ObjectsMethods.pptx
+++ b/slides/Online/2020/03a - ObjectsMethods.pptx
@@ -5,17 +5,19 @@
     <p:sldMasterId id="2147483648" r:id="rId1"/>
   </p:sldMasterIdLst>
   <p:notesMasterIdLst>
-    <p:notesMasterId r:id="rId7"/>
+    <p:notesMasterId r:id="rId9"/>
   </p:notesMasterIdLst>
   <p:handoutMasterIdLst>
-    <p:handoutMasterId r:id="rId8"/>
+    <p:handoutMasterId r:id="rId10"/>
   </p:handoutMasterIdLst>
   <p:sldIdLst>
     <p:sldId id="256" r:id="rId2"/>
     <p:sldId id="257" r:id="rId3"/>
     <p:sldId id="258" r:id="rId4"/>
     <p:sldId id="259" r:id="rId5"/>
-    <p:sldId id="260" r:id="rId6"/>
+    <p:sldId id="261" r:id="rId6"/>
+    <p:sldId id="262" r:id="rId7"/>
+    <p:sldId id="263" r:id="rId8"/>
   </p:sldIdLst>
   <p:sldSz cx="13817600" cy="7772400"/>
   <p:notesSz cx="6858000" cy="9144000"/>
@@ -218,7 +220,7 @@
           <a:p>
             <a:fld id="{4D7E51A5-B478-1E40-8CBB-0DAA8831E99D}" type="datetimeFigureOut">
               <a:rPr lang="en-US" smtClean="0"/>
-              <a:t>3/9/20</a:t>
+              <a:t>1/18/2022</a:t>
             </a:fld>
             <a:endParaRPr lang="en-US"/>
           </a:p>
@@ -383,7 +385,7 @@
           <a:p>
             <a:fld id="{D0ED587F-861E-6740-9643-E3DDAE89B8D6}" type="datetimeFigureOut">
               <a:rPr lang="en-US" smtClean="0"/>
-              <a:t>3/9/20</a:t>
+              <a:t>1/18/2022</a:t>
             </a:fld>
             <a:endParaRPr lang="en-US"/>
           </a:p>
@@ -7139,7 +7141,7 @@
         </p:blipFill>
         <p:spPr bwMode="auto">
           <a:xfrm>
-            <a:off x="10508058" y="5143662"/>
+            <a:off x="10508058" y="326595"/>
             <a:ext cx="3128919" cy="2085946"/>
           </a:xfrm>
           <a:prstGeom prst="rect">
@@ -7251,7 +7253,7 @@
         <p:spPr>
           <a:xfrm>
             <a:off x="628072" y="1800240"/>
-            <a:ext cx="12561453" cy="5315256"/>
+            <a:ext cx="12561453" cy="4661020"/>
           </a:xfrm>
         </p:spPr>
         <p:txBody>
@@ -7283,40 +7285,6 @@
             <a:r>
               <a:rPr lang="en-US" dirty="0"/>
               <a:t>Objects contain information in a logical order </a:t>
-            </a:r>
-          </a:p>
-          <a:p>
-            <a:pPr fontAlgn="base"/>
-            <a:r>
-              <a:rPr lang="en-US" dirty="0"/>
-              <a:t>Example: Strings are objects</a:t>
-            </a:r>
-          </a:p>
-          <a:p>
-            <a:pPr lvl="1"/>
-            <a:r>
-              <a:rPr lang="en-US" dirty="0">
-                <a:latin typeface="Consolas" panose="020B0609020204030204" pitchFamily="49" charset="0"/>
-                <a:cs typeface="Consolas" panose="020B0609020204030204" pitchFamily="49" charset="0"/>
-              </a:rPr>
-              <a:t>String companion = “Clara”; // note, Strings are so common, they have this shortcut</a:t>
-            </a:r>
-          </a:p>
-          <a:p>
-            <a:pPr lvl="1"/>
-            <a:r>
-              <a:rPr lang="en-US" dirty="0" err="1">
-                <a:latin typeface="Consolas" panose="020B0609020204030204" pitchFamily="49" charset="0"/>
-                <a:cs typeface="Consolas" panose="020B0609020204030204" pitchFamily="49" charset="0"/>
-              </a:rPr>
-              <a:t>companion.length</a:t>
-            </a:r>
-            <a:r>
-              <a:rPr lang="en-US" dirty="0">
-                <a:latin typeface="Consolas" panose="020B0609020204030204" pitchFamily="49" charset="0"/>
-                <a:cs typeface="Consolas" panose="020B0609020204030204" pitchFamily="49" charset="0"/>
-              </a:rPr>
-              <a:t>(); // returns 5</a:t>
             </a:r>
           </a:p>
           <a:p>
@@ -7687,410 +7655,6 @@
       </p:sp>
       <p:sp>
         <p:nvSpPr>
-          <p:cNvPr id="3" name="Text Placeholder 2">
-            <a:extLst>
-              <a:ext uri="{FF2B5EF4-FFF2-40B4-BE49-F238E27FC236}">
-                <a16:creationId xmlns:a16="http://schemas.microsoft.com/office/drawing/2014/main" id="{1E295E26-7BED-1D4B-AD98-D06F159EE783}"/>
-              </a:ext>
-            </a:extLst>
-          </p:cNvPr>
-          <p:cNvSpPr>
-            <a:spLocks noGrp="1"/>
-          </p:cNvSpPr>
-          <p:nvPr>
-            <p:ph type="body" sz="quarter" idx="10"/>
-          </p:nvPr>
-        </p:nvSpPr>
-        <p:spPr>
-          <a:xfrm>
-            <a:off x="628075" y="1528062"/>
-            <a:ext cx="5942058" cy="6244338"/>
-          </a:xfrm>
-        </p:spPr>
-        <p:txBody>
-          <a:bodyPr/>
-          <a:lstStyle/>
-          <a:p>
-            <a:pPr marL="0" indent="0">
-              <a:buNone/>
-            </a:pPr>
-            <a:r>
-              <a:rPr lang="en-US" sz="1200" dirty="0">
-                <a:latin typeface="Consolas" panose="020B0609020204030204" pitchFamily="49" charset="0"/>
-                <a:cs typeface="Consolas" panose="020B0609020204030204" pitchFamily="49" charset="0"/>
-              </a:rPr>
-              <a:t>public static void main(String[] </a:t>
-            </a:r>
-            <a:r>
-              <a:rPr lang="en-US" sz="1200" dirty="0" err="1">
-                <a:latin typeface="Consolas" panose="020B0609020204030204" pitchFamily="49" charset="0"/>
-                <a:cs typeface="Consolas" panose="020B0609020204030204" pitchFamily="49" charset="0"/>
-              </a:rPr>
-              <a:t>args</a:t>
-            </a:r>
-            <a:r>
-              <a:rPr lang="en-US" sz="1200" dirty="0">
-                <a:latin typeface="Consolas" panose="020B0609020204030204" pitchFamily="49" charset="0"/>
-                <a:cs typeface="Consolas" panose="020B0609020204030204" pitchFamily="49" charset="0"/>
-              </a:rPr>
-              <a:t>) {</a:t>
-            </a:r>
-          </a:p>
-          <a:p>
-            <a:pPr marL="0" indent="0">
-              <a:buNone/>
-            </a:pPr>
-            <a:r>
-              <a:rPr lang="en-US" sz="1200" dirty="0">
-                <a:latin typeface="Consolas" panose="020B0609020204030204" pitchFamily="49" charset="0"/>
-                <a:cs typeface="Consolas" panose="020B0609020204030204" pitchFamily="49" charset="0"/>
-              </a:rPr>
-              <a:t>    int length = 10;</a:t>
-            </a:r>
-          </a:p>
-          <a:p>
-            <a:pPr marL="0" indent="0">
-              <a:buNone/>
-            </a:pPr>
-            <a:r>
-              <a:rPr lang="en-US" sz="1200" dirty="0">
-                <a:latin typeface="Consolas" panose="020B0609020204030204" pitchFamily="49" charset="0"/>
-                <a:cs typeface="Consolas" panose="020B0609020204030204" pitchFamily="49" charset="0"/>
-              </a:rPr>
-              <a:t>    int width = 100;</a:t>
-            </a:r>
-          </a:p>
-          <a:p>
-            <a:pPr marL="0" indent="0">
-              <a:buNone/>
-            </a:pPr>
-            <a:r>
-              <a:rPr lang="en-US" sz="1200" dirty="0">
-                <a:latin typeface="Consolas" panose="020B0609020204030204" pitchFamily="49" charset="0"/>
-                <a:cs typeface="Consolas" panose="020B0609020204030204" pitchFamily="49" charset="0"/>
-              </a:rPr>
-              <a:t>    Rectangle </a:t>
-            </a:r>
-            <a:r>
-              <a:rPr lang="en-US" sz="1200" dirty="0" err="1">
-                <a:latin typeface="Consolas" panose="020B0609020204030204" pitchFamily="49" charset="0"/>
-                <a:cs typeface="Consolas" panose="020B0609020204030204" pitchFamily="49" charset="0"/>
-              </a:rPr>
-              <a:t>smallBuildingOnCampus</a:t>
-            </a:r>
-            <a:r>
-              <a:rPr lang="en-US" sz="1200" dirty="0">
-                <a:latin typeface="Consolas" panose="020B0609020204030204" pitchFamily="49" charset="0"/>
-                <a:cs typeface="Consolas" panose="020B0609020204030204" pitchFamily="49" charset="0"/>
-              </a:rPr>
-              <a:t> = new Rectangle();</a:t>
-            </a:r>
-          </a:p>
-          <a:p>
-            <a:pPr marL="0" indent="0">
-              <a:buNone/>
-            </a:pPr>
-            <a:r>
-              <a:rPr lang="en-US" sz="1200" dirty="0">
-                <a:latin typeface="Consolas" panose="020B0609020204030204" pitchFamily="49" charset="0"/>
-                <a:cs typeface="Consolas" panose="020B0609020204030204" pitchFamily="49" charset="0"/>
-              </a:rPr>
-              <a:t>    </a:t>
-            </a:r>
-            <a:r>
-              <a:rPr lang="en-US" sz="1200" dirty="0" err="1">
-                <a:latin typeface="Consolas" panose="020B0609020204030204" pitchFamily="49" charset="0"/>
-                <a:cs typeface="Consolas" panose="020B0609020204030204" pitchFamily="49" charset="0"/>
-              </a:rPr>
-              <a:t>smallBuildingOnCampus.setLength</a:t>
-            </a:r>
-            <a:r>
-              <a:rPr lang="en-US" sz="1200" dirty="0">
-                <a:latin typeface="Consolas" panose="020B0609020204030204" pitchFamily="49" charset="0"/>
-                <a:cs typeface="Consolas" panose="020B0609020204030204" pitchFamily="49" charset="0"/>
-              </a:rPr>
-              <a:t>(length);</a:t>
-            </a:r>
-          </a:p>
-          <a:p>
-            <a:pPr marL="0" indent="0">
-              <a:buNone/>
-            </a:pPr>
-            <a:r>
-              <a:rPr lang="en-US" sz="1200" dirty="0">
-                <a:latin typeface="Consolas" panose="020B0609020204030204" pitchFamily="49" charset="0"/>
-                <a:cs typeface="Consolas" panose="020B0609020204030204" pitchFamily="49" charset="0"/>
-              </a:rPr>
-              <a:t>    </a:t>
-            </a:r>
-            <a:r>
-              <a:rPr lang="en-US" sz="1200" dirty="0" err="1">
-                <a:latin typeface="Consolas" panose="020B0609020204030204" pitchFamily="49" charset="0"/>
-                <a:cs typeface="Consolas" panose="020B0609020204030204" pitchFamily="49" charset="0"/>
-              </a:rPr>
-              <a:t>smallBuildingOnCampus.setWidth</a:t>
-            </a:r>
-            <a:r>
-              <a:rPr lang="en-US" sz="1200" dirty="0">
-                <a:latin typeface="Consolas" panose="020B0609020204030204" pitchFamily="49" charset="0"/>
-                <a:cs typeface="Consolas" panose="020B0609020204030204" pitchFamily="49" charset="0"/>
-              </a:rPr>
-              <a:t>(width);</a:t>
-            </a:r>
-          </a:p>
-          <a:p>
-            <a:pPr marL="0" indent="0">
-              <a:buNone/>
-            </a:pPr>
-            <a:r>
-              <a:rPr lang="en-US" sz="1200" dirty="0">
-                <a:latin typeface="Consolas" panose="020B0609020204030204" pitchFamily="49" charset="0"/>
-                <a:cs typeface="Consolas" panose="020B0609020204030204" pitchFamily="49" charset="0"/>
-              </a:rPr>
-              <a:t>    </a:t>
-            </a:r>
-            <a:r>
-              <a:rPr lang="en-US" sz="1200" dirty="0" err="1">
-                <a:latin typeface="Consolas" panose="020B0609020204030204" pitchFamily="49" charset="0"/>
-                <a:cs typeface="Consolas" panose="020B0609020204030204" pitchFamily="49" charset="0"/>
-              </a:rPr>
-              <a:t>System.out.println</a:t>
-            </a:r>
-            <a:r>
-              <a:rPr lang="en-US" sz="1200" dirty="0">
-                <a:latin typeface="Consolas" panose="020B0609020204030204" pitchFamily="49" charset="0"/>
-                <a:cs typeface="Consolas" panose="020B0609020204030204" pitchFamily="49" charset="0"/>
-              </a:rPr>
-              <a:t>(</a:t>
-            </a:r>
-            <a:r>
-              <a:rPr lang="en-US" sz="1200" dirty="0" err="1">
-                <a:latin typeface="Consolas" panose="020B0609020204030204" pitchFamily="49" charset="0"/>
-                <a:cs typeface="Consolas" panose="020B0609020204030204" pitchFamily="49" charset="0"/>
-              </a:rPr>
-              <a:t>smallBuildingOnCampus.getArea</a:t>
-            </a:r>
-            <a:r>
-              <a:rPr lang="en-US" sz="1200" dirty="0">
-                <a:latin typeface="Consolas" panose="020B0609020204030204" pitchFamily="49" charset="0"/>
-                <a:cs typeface="Consolas" panose="020B0609020204030204" pitchFamily="49" charset="0"/>
-              </a:rPr>
-              <a:t>());</a:t>
-            </a:r>
-          </a:p>
-          <a:p>
-            <a:pPr marL="0" indent="0">
-              <a:buNone/>
-            </a:pPr>
-            <a:r>
-              <a:rPr lang="en-US" sz="1200" dirty="0">
-                <a:latin typeface="Consolas" panose="020B0609020204030204" pitchFamily="49" charset="0"/>
-                <a:cs typeface="Consolas" panose="020B0609020204030204" pitchFamily="49" charset="0"/>
-              </a:rPr>
-              <a:t>}</a:t>
-            </a:r>
-          </a:p>
-          <a:p>
-            <a:pPr marL="0" indent="0">
-              <a:buNone/>
-            </a:pPr>
-            <a:r>
-              <a:rPr lang="en-US" sz="1200" dirty="0">
-                <a:latin typeface="Consolas" panose="020B0609020204030204" pitchFamily="49" charset="0"/>
-                <a:cs typeface="Consolas" panose="020B0609020204030204" pitchFamily="49" charset="0"/>
-              </a:rPr>
-              <a:t>public class Rectangle {</a:t>
-            </a:r>
-          </a:p>
-          <a:p>
-            <a:pPr marL="0" indent="0">
-              <a:buNone/>
-            </a:pPr>
-            <a:r>
-              <a:rPr lang="en-US" sz="1200" dirty="0">
-                <a:latin typeface="Consolas" panose="020B0609020204030204" pitchFamily="49" charset="0"/>
-                <a:cs typeface="Consolas" panose="020B0609020204030204" pitchFamily="49" charset="0"/>
-              </a:rPr>
-              <a:t>    int width = 0; </a:t>
-            </a:r>
-          </a:p>
-          <a:p>
-            <a:pPr marL="0" indent="0">
-              <a:buNone/>
-            </a:pPr>
-            <a:r>
-              <a:rPr lang="en-US" sz="1200" dirty="0">
-                <a:latin typeface="Consolas" panose="020B0609020204030204" pitchFamily="49" charset="0"/>
-                <a:cs typeface="Consolas" panose="020B0609020204030204" pitchFamily="49" charset="0"/>
-              </a:rPr>
-              <a:t>    int length = 0;</a:t>
-            </a:r>
-          </a:p>
-          <a:p>
-            <a:pPr marL="0" indent="0">
-              <a:buNone/>
-            </a:pPr>
-            <a:r>
-              <a:rPr lang="en-US" sz="1200" dirty="0">
-                <a:latin typeface="Consolas" panose="020B0609020204030204" pitchFamily="49" charset="0"/>
-                <a:cs typeface="Consolas" panose="020B0609020204030204" pitchFamily="49" charset="0"/>
-              </a:rPr>
-              <a:t>    public </a:t>
-            </a:r>
-            <a:r>
-              <a:rPr lang="en-US" sz="1200" dirty="0" err="1">
-                <a:latin typeface="Consolas" panose="020B0609020204030204" pitchFamily="49" charset="0"/>
-                <a:cs typeface="Consolas" panose="020B0609020204030204" pitchFamily="49" charset="0"/>
-              </a:rPr>
-              <a:t>setLength</a:t>
-            </a:r>
-            <a:r>
-              <a:rPr lang="en-US" sz="1200" dirty="0">
-                <a:latin typeface="Consolas" panose="020B0609020204030204" pitchFamily="49" charset="0"/>
-                <a:cs typeface="Consolas" panose="020B0609020204030204" pitchFamily="49" charset="0"/>
-              </a:rPr>
-              <a:t>(int </a:t>
-            </a:r>
-            <a:r>
-              <a:rPr lang="en-US" sz="1200" dirty="0" err="1">
-                <a:latin typeface="Consolas" panose="020B0609020204030204" pitchFamily="49" charset="0"/>
-                <a:cs typeface="Consolas" panose="020B0609020204030204" pitchFamily="49" charset="0"/>
-              </a:rPr>
-              <a:t>val</a:t>
-            </a:r>
-            <a:r>
-              <a:rPr lang="en-US" sz="1200" dirty="0">
-                <a:latin typeface="Consolas" panose="020B0609020204030204" pitchFamily="49" charset="0"/>
-                <a:cs typeface="Consolas" panose="020B0609020204030204" pitchFamily="49" charset="0"/>
-              </a:rPr>
-              <a:t>) { length = </a:t>
-            </a:r>
-            <a:r>
-              <a:rPr lang="en-US" sz="1200" dirty="0" err="1">
-                <a:latin typeface="Consolas" panose="020B0609020204030204" pitchFamily="49" charset="0"/>
-                <a:cs typeface="Consolas" panose="020B0609020204030204" pitchFamily="49" charset="0"/>
-              </a:rPr>
-              <a:t>val</a:t>
-            </a:r>
-            <a:r>
-              <a:rPr lang="en-US" sz="1200" dirty="0">
-                <a:latin typeface="Consolas" panose="020B0609020204030204" pitchFamily="49" charset="0"/>
-                <a:cs typeface="Consolas" panose="020B0609020204030204" pitchFamily="49" charset="0"/>
-              </a:rPr>
-              <a:t>; }</a:t>
-            </a:r>
-          </a:p>
-          <a:p>
-            <a:pPr marL="0" indent="0">
-              <a:buNone/>
-            </a:pPr>
-            <a:r>
-              <a:rPr lang="en-US" sz="1200" dirty="0">
-                <a:latin typeface="Consolas" panose="020B0609020204030204" pitchFamily="49" charset="0"/>
-                <a:cs typeface="Consolas" panose="020B0609020204030204" pitchFamily="49" charset="0"/>
-              </a:rPr>
-              <a:t>    public </a:t>
-            </a:r>
-            <a:r>
-              <a:rPr lang="en-US" sz="1200" dirty="0" err="1">
-                <a:latin typeface="Consolas" panose="020B0609020204030204" pitchFamily="49" charset="0"/>
-                <a:cs typeface="Consolas" panose="020B0609020204030204" pitchFamily="49" charset="0"/>
-              </a:rPr>
-              <a:t>setWidth</a:t>
-            </a:r>
-            <a:r>
-              <a:rPr lang="en-US" sz="1200" dirty="0">
-                <a:latin typeface="Consolas" panose="020B0609020204030204" pitchFamily="49" charset="0"/>
-                <a:cs typeface="Consolas" panose="020B0609020204030204" pitchFamily="49" charset="0"/>
-              </a:rPr>
-              <a:t>(int </a:t>
-            </a:r>
-            <a:r>
-              <a:rPr lang="en-US" sz="1200" dirty="0" err="1">
-                <a:latin typeface="Consolas" panose="020B0609020204030204" pitchFamily="49" charset="0"/>
-                <a:cs typeface="Consolas" panose="020B0609020204030204" pitchFamily="49" charset="0"/>
-              </a:rPr>
-              <a:t>val</a:t>
-            </a:r>
-            <a:r>
-              <a:rPr lang="en-US" sz="1200" dirty="0">
-                <a:latin typeface="Consolas" panose="020B0609020204030204" pitchFamily="49" charset="0"/>
-                <a:cs typeface="Consolas" panose="020B0609020204030204" pitchFamily="49" charset="0"/>
-              </a:rPr>
-              <a:t>) { width = </a:t>
-            </a:r>
-            <a:r>
-              <a:rPr lang="en-US" sz="1200" dirty="0" err="1">
-                <a:latin typeface="Consolas" panose="020B0609020204030204" pitchFamily="49" charset="0"/>
-                <a:cs typeface="Consolas" panose="020B0609020204030204" pitchFamily="49" charset="0"/>
-              </a:rPr>
-              <a:t>val</a:t>
-            </a:r>
-            <a:r>
-              <a:rPr lang="en-US" sz="1200" dirty="0">
-                <a:latin typeface="Consolas" panose="020B0609020204030204" pitchFamily="49" charset="0"/>
-                <a:cs typeface="Consolas" panose="020B0609020204030204" pitchFamily="49" charset="0"/>
-              </a:rPr>
-              <a:t>; }</a:t>
-            </a:r>
-          </a:p>
-          <a:p>
-            <a:pPr marL="0" indent="0">
-              <a:buNone/>
-            </a:pPr>
-            <a:r>
-              <a:rPr lang="en-US" sz="1200" dirty="0">
-                <a:latin typeface="Consolas" panose="020B0609020204030204" pitchFamily="49" charset="0"/>
-                <a:cs typeface="Consolas" panose="020B0609020204030204" pitchFamily="49" charset="0"/>
-              </a:rPr>
-              <a:t>    public </a:t>
-            </a:r>
-            <a:r>
-              <a:rPr lang="en-US" sz="1200" dirty="0" err="1">
-                <a:latin typeface="Consolas" panose="020B0609020204030204" pitchFamily="49" charset="0"/>
-                <a:cs typeface="Consolas" panose="020B0609020204030204" pitchFamily="49" charset="0"/>
-              </a:rPr>
-              <a:t>getArea</a:t>
-            </a:r>
-            <a:r>
-              <a:rPr lang="en-US" sz="1200" dirty="0">
-                <a:latin typeface="Consolas" panose="020B0609020204030204" pitchFamily="49" charset="0"/>
-                <a:cs typeface="Consolas" panose="020B0609020204030204" pitchFamily="49" charset="0"/>
-              </a:rPr>
-              <a:t>() { return width * height; }</a:t>
-            </a:r>
-          </a:p>
-          <a:p>
-            <a:pPr marL="0" indent="0">
-              <a:buNone/>
-            </a:pPr>
-            <a:r>
-              <a:rPr lang="en-US" sz="1200" dirty="0">
-                <a:latin typeface="Consolas" panose="020B0609020204030204" pitchFamily="49" charset="0"/>
-                <a:cs typeface="Consolas" panose="020B0609020204030204" pitchFamily="49" charset="0"/>
-              </a:rPr>
-              <a:t>}</a:t>
-            </a:r>
-          </a:p>
-          <a:p>
-            <a:pPr marL="0" indent="0">
-              <a:buNone/>
-            </a:pPr>
-            <a:br>
-              <a:rPr lang="en-US" sz="1200" dirty="0">
-                <a:latin typeface="Consolas" panose="020B0609020204030204" pitchFamily="49" charset="0"/>
-                <a:cs typeface="Consolas" panose="020B0609020204030204" pitchFamily="49" charset="0"/>
-              </a:rPr>
-            </a:br>
-            <a:endParaRPr lang="en-US" sz="1200" dirty="0">
-              <a:latin typeface="Consolas" panose="020B0609020204030204" pitchFamily="49" charset="0"/>
-              <a:cs typeface="Consolas" panose="020B0609020204030204" pitchFamily="49" charset="0"/>
-            </a:endParaRPr>
-          </a:p>
-        </p:txBody>
-      </p:sp>
-      <p:sp>
-        <p:nvSpPr>
           <p:cNvPr id="5" name="Rectangle 4">
             <a:extLst>
               <a:ext uri="{FF2B5EF4-FFF2-40B4-BE49-F238E27FC236}">
@@ -8103,7 +7667,7 @@
         </p:nvSpPr>
         <p:spPr>
           <a:xfrm>
-            <a:off x="12455747" y="974739"/>
+            <a:off x="12771146" y="344875"/>
             <a:ext cx="733778" cy="451555"/>
           </a:xfrm>
           <a:prstGeom prst="rect">
@@ -8158,7 +7722,7 @@
         </p:nvSpPr>
         <p:spPr>
           <a:xfrm>
-            <a:off x="12455747" y="1435325"/>
+            <a:off x="12771146" y="805461"/>
             <a:ext cx="733778" cy="451555"/>
           </a:xfrm>
           <a:prstGeom prst="rect">
@@ -8213,7 +7777,7 @@
         </p:nvSpPr>
         <p:spPr>
           <a:xfrm>
-            <a:off x="12455747" y="1899580"/>
+            <a:off x="12771146" y="1269716"/>
             <a:ext cx="733778" cy="451555"/>
           </a:xfrm>
           <a:prstGeom prst="rect">
@@ -8268,7 +7832,7 @@
         </p:nvSpPr>
         <p:spPr>
           <a:xfrm>
-            <a:off x="12455747" y="2359998"/>
+            <a:off x="12771146" y="1730134"/>
             <a:ext cx="733778" cy="451555"/>
           </a:xfrm>
           <a:prstGeom prst="rect">
@@ -8323,7 +7887,7 @@
         </p:nvSpPr>
         <p:spPr>
           <a:xfrm>
-            <a:off x="9423400" y="3723694"/>
+            <a:off x="9738802" y="3084799"/>
             <a:ext cx="3766122" cy="2761487"/>
           </a:xfrm>
           <a:prstGeom prst="rect">
@@ -8381,7 +7945,7 @@
         </p:nvSpPr>
         <p:spPr>
           <a:xfrm>
-            <a:off x="12455747" y="2811553"/>
+            <a:off x="12771146" y="2181689"/>
             <a:ext cx="733778" cy="451555"/>
           </a:xfrm>
           <a:prstGeom prst="rect">
@@ -8424,10 +7988,10 @@
       </p:sp>
       <p:sp>
         <p:nvSpPr>
-          <p:cNvPr id="10" name="Rectangle 9">
+          <p:cNvPr id="11" name="Rectangle 10">
             <a:extLst>
               <a:ext uri="{FF2B5EF4-FFF2-40B4-BE49-F238E27FC236}">
-                <a16:creationId xmlns:a16="http://schemas.microsoft.com/office/drawing/2014/main" id="{D638E60E-27A0-CC4E-881A-D1831BE8E0A3}"/>
+                <a16:creationId xmlns:a16="http://schemas.microsoft.com/office/drawing/2014/main" id="{9CAC0A74-195A-654A-ACD9-A7A61CA1C955}"/>
               </a:ext>
             </a:extLst>
           </p:cNvPr>
@@ -8436,7 +8000,7 @@
         </p:nvSpPr>
         <p:spPr>
           <a:xfrm>
-            <a:off x="12455747" y="3272139"/>
+            <a:off x="12771146" y="3106530"/>
             <a:ext cx="733778" cy="451555"/>
           </a:xfrm>
           <a:prstGeom prst="rect">
@@ -8479,10 +8043,10 @@
       </p:sp>
       <p:sp>
         <p:nvSpPr>
-          <p:cNvPr id="11" name="Rectangle 10">
+          <p:cNvPr id="12" name="Rectangle 11">
             <a:extLst>
               <a:ext uri="{FF2B5EF4-FFF2-40B4-BE49-F238E27FC236}">
-                <a16:creationId xmlns:a16="http://schemas.microsoft.com/office/drawing/2014/main" id="{9CAC0A74-195A-654A-ACD9-A7A61CA1C955}"/>
+                <a16:creationId xmlns:a16="http://schemas.microsoft.com/office/drawing/2014/main" id="{136AE82F-67F8-DF41-B3DF-080B1FA31A10}"/>
               </a:ext>
             </a:extLst>
           </p:cNvPr>
@@ -8491,7 +8055,7 @@
         </p:nvSpPr>
         <p:spPr>
           <a:xfrm>
-            <a:off x="12455747" y="3736394"/>
+            <a:off x="12771146" y="3566948"/>
             <a:ext cx="733778" cy="451555"/>
           </a:xfrm>
           <a:prstGeom prst="rect">
@@ -8534,10 +8098,10 @@
       </p:sp>
       <p:sp>
         <p:nvSpPr>
-          <p:cNvPr id="12" name="Rectangle 11">
+          <p:cNvPr id="13" name="Rectangle 12">
             <a:extLst>
               <a:ext uri="{FF2B5EF4-FFF2-40B4-BE49-F238E27FC236}">
-                <a16:creationId xmlns:a16="http://schemas.microsoft.com/office/drawing/2014/main" id="{136AE82F-67F8-DF41-B3DF-080B1FA31A10}"/>
+                <a16:creationId xmlns:a16="http://schemas.microsoft.com/office/drawing/2014/main" id="{187470BC-1711-0F4D-8984-D92CAD33D07D}"/>
               </a:ext>
             </a:extLst>
           </p:cNvPr>
@@ -8546,7 +8110,7 @@
         </p:nvSpPr>
         <p:spPr>
           <a:xfrm>
-            <a:off x="12455747" y="4196812"/>
+            <a:off x="12771146" y="4018503"/>
             <a:ext cx="733778" cy="451555"/>
           </a:xfrm>
           <a:prstGeom prst="rect">
@@ -8589,10 +8153,10 @@
       </p:sp>
       <p:sp>
         <p:nvSpPr>
-          <p:cNvPr id="13" name="Rectangle 12">
+          <p:cNvPr id="14" name="Rectangle 13">
             <a:extLst>
               <a:ext uri="{FF2B5EF4-FFF2-40B4-BE49-F238E27FC236}">
-                <a16:creationId xmlns:a16="http://schemas.microsoft.com/office/drawing/2014/main" id="{187470BC-1711-0F4D-8984-D92CAD33D07D}"/>
+                <a16:creationId xmlns:a16="http://schemas.microsoft.com/office/drawing/2014/main" id="{19E9946A-B250-2848-8B64-8AFA3F9826CF}"/>
               </a:ext>
             </a:extLst>
           </p:cNvPr>
@@ -8601,7 +8165,7 @@
         </p:nvSpPr>
         <p:spPr>
           <a:xfrm>
-            <a:off x="12455747" y="4648367"/>
+            <a:off x="12771146" y="4479089"/>
             <a:ext cx="733778" cy="451555"/>
           </a:xfrm>
           <a:prstGeom prst="rect">
@@ -8644,10 +8208,10 @@
       </p:sp>
       <p:sp>
         <p:nvSpPr>
-          <p:cNvPr id="14" name="Rectangle 13">
+          <p:cNvPr id="15" name="Rectangle 14">
             <a:extLst>
               <a:ext uri="{FF2B5EF4-FFF2-40B4-BE49-F238E27FC236}">
-                <a16:creationId xmlns:a16="http://schemas.microsoft.com/office/drawing/2014/main" id="{19E9946A-B250-2848-8B64-8AFA3F9826CF}"/>
+                <a16:creationId xmlns:a16="http://schemas.microsoft.com/office/drawing/2014/main" id="{08954B84-99E6-644F-89FB-F563E0D5AEC1}"/>
               </a:ext>
             </a:extLst>
           </p:cNvPr>
@@ -8656,7 +8220,7 @@
         </p:nvSpPr>
         <p:spPr>
           <a:xfrm>
-            <a:off x="12455747" y="5108953"/>
+            <a:off x="12771146" y="4943344"/>
             <a:ext cx="733778" cy="451555"/>
           </a:xfrm>
           <a:prstGeom prst="rect">
@@ -8699,10 +8263,10 @@
       </p:sp>
       <p:sp>
         <p:nvSpPr>
-          <p:cNvPr id="15" name="Rectangle 14">
+          <p:cNvPr id="16" name="Rectangle 15">
             <a:extLst>
               <a:ext uri="{FF2B5EF4-FFF2-40B4-BE49-F238E27FC236}">
-                <a16:creationId xmlns:a16="http://schemas.microsoft.com/office/drawing/2014/main" id="{08954B84-99E6-644F-89FB-F563E0D5AEC1}"/>
+                <a16:creationId xmlns:a16="http://schemas.microsoft.com/office/drawing/2014/main" id="{C6249036-16FA-5141-AB31-A6B76901AAAF}"/>
               </a:ext>
             </a:extLst>
           </p:cNvPr>
@@ -8711,7 +8275,7 @@
         </p:nvSpPr>
         <p:spPr>
           <a:xfrm>
-            <a:off x="12455747" y="5573208"/>
+            <a:off x="12771146" y="5403762"/>
             <a:ext cx="733778" cy="451555"/>
           </a:xfrm>
           <a:prstGeom prst="rect">
@@ -8754,61 +8318,6 @@
       </p:sp>
       <p:sp>
         <p:nvSpPr>
-          <p:cNvPr id="16" name="Rectangle 15">
-            <a:extLst>
-              <a:ext uri="{FF2B5EF4-FFF2-40B4-BE49-F238E27FC236}">
-                <a16:creationId xmlns:a16="http://schemas.microsoft.com/office/drawing/2014/main" id="{C6249036-16FA-5141-AB31-A6B76901AAAF}"/>
-              </a:ext>
-            </a:extLst>
-          </p:cNvPr>
-          <p:cNvSpPr/>
-          <p:nvPr/>
-        </p:nvSpPr>
-        <p:spPr>
-          <a:xfrm>
-            <a:off x="12455747" y="6033626"/>
-            <a:ext cx="733778" cy="451555"/>
-          </a:xfrm>
-          <a:prstGeom prst="rect">
-            <a:avLst/>
-          </a:prstGeom>
-          <a:noFill/>
-          <a:ln>
-            <a:solidFill>
-              <a:srgbClr val="092529"/>
-            </a:solidFill>
-          </a:ln>
-          <a:effectLst/>
-        </p:spPr>
-        <p:style>
-          <a:lnRef idx="1">
-            <a:schemeClr val="accent1"/>
-          </a:lnRef>
-          <a:fillRef idx="3">
-            <a:schemeClr val="accent1"/>
-          </a:fillRef>
-          <a:effectRef idx="2">
-            <a:schemeClr val="accent1"/>
-          </a:effectRef>
-          <a:fontRef idx="minor">
-            <a:schemeClr val="lt1"/>
-          </a:fontRef>
-        </p:style>
-        <p:txBody>
-          <a:bodyPr lIns="274320" tIns="182880" rIns="274320" bIns="182880" rtlCol="0" anchor="ctr"/>
-          <a:lstStyle/>
-          <a:p>
-            <a:pPr algn="ctr"/>
-            <a:endParaRPr lang="en-US" dirty="0">
-              <a:latin typeface="Proxima Nova" charset="0"/>
-              <a:ea typeface="Proxima Nova" charset="0"/>
-              <a:cs typeface="Proxima Nova" charset="0"/>
-            </a:endParaRPr>
-          </a:p>
-        </p:txBody>
-      </p:sp>
-      <p:sp>
-        <p:nvSpPr>
           <p:cNvPr id="17" name="TextBox 16">
             <a:extLst>
               <a:ext uri="{FF2B5EF4-FFF2-40B4-BE49-F238E27FC236}">
@@ -8821,7 +8330,7 @@
         </p:nvSpPr>
         <p:spPr>
           <a:xfrm>
-            <a:off x="12455744" y="1009002"/>
+            <a:off x="12771143" y="379138"/>
             <a:ext cx="733778" cy="400110"/>
           </a:xfrm>
           <a:prstGeom prst="rect">
@@ -8868,7 +8377,7 @@
         </p:nvSpPr>
         <p:spPr>
           <a:xfrm>
-            <a:off x="12455744" y="1468048"/>
+            <a:off x="12771143" y="838184"/>
             <a:ext cx="733778" cy="400110"/>
           </a:xfrm>
           <a:prstGeom prst="rect">
@@ -8915,7 +8424,7 @@
         </p:nvSpPr>
         <p:spPr>
           <a:xfrm>
-            <a:off x="10401300" y="1148842"/>
+            <a:off x="10716699" y="518978"/>
             <a:ext cx="965200" cy="400110"/>
           </a:xfrm>
           <a:prstGeom prst="rect">
@@ -8953,7 +8462,7 @@
         </p:nvCxnSpPr>
         <p:spPr>
           <a:xfrm flipV="1">
-            <a:off x="11366500" y="1209057"/>
+            <a:off x="11681899" y="579193"/>
             <a:ext cx="1089244" cy="139840"/>
           </a:xfrm>
           <a:prstGeom prst="straightConnector1">
@@ -8995,7 +8504,7 @@
         </p:nvSpPr>
         <p:spPr>
           <a:xfrm>
-            <a:off x="10401299" y="1633411"/>
+            <a:off x="10716698" y="1003547"/>
             <a:ext cx="965200" cy="400110"/>
           </a:xfrm>
           <a:prstGeom prst="rect">
@@ -9032,7 +8541,7 @@
         </p:nvCxnSpPr>
         <p:spPr>
           <a:xfrm flipV="1">
-            <a:off x="11366499" y="1693626"/>
+            <a:off x="11681898" y="1063762"/>
             <a:ext cx="1089244" cy="139840"/>
           </a:xfrm>
           <a:prstGeom prst="straightConnector1">
@@ -9074,7 +8583,7 @@
         </p:nvSpPr>
         <p:spPr>
           <a:xfrm>
-            <a:off x="5327204" y="4934620"/>
+            <a:off x="9005815" y="1544519"/>
             <a:ext cx="2996333" cy="400110"/>
           </a:xfrm>
           <a:prstGeom prst="rect">
@@ -9105,13 +8614,17 @@
               </a:ext>
             </a:extLst>
           </p:cNvPr>
-          <p:cNvCxnSpPr/>
+          <p:cNvCxnSpPr>
+            <a:cxnSpLocks/>
+            <a:stCxn id="28" idx="3"/>
+            <a:endCxn id="41" idx="1"/>
+          </p:cNvCxnSpPr>
           <p:nvPr/>
         </p:nvCxnSpPr>
         <p:spPr>
           <a:xfrm flipV="1">
-            <a:off x="8252004" y="5039033"/>
-            <a:ext cx="1089244" cy="139840"/>
+            <a:off x="12002148" y="1505383"/>
+            <a:ext cx="759779" cy="239191"/>
           </a:xfrm>
           <a:prstGeom prst="straightConnector1">
             <a:avLst/>
@@ -9152,7 +8665,7 @@
         </p:nvSpPr>
         <p:spPr>
           <a:xfrm>
-            <a:off x="11621860" y="4208324"/>
+            <a:off x="11937259" y="3578460"/>
             <a:ext cx="784189" cy="400110"/>
           </a:xfrm>
           <a:prstGeom prst="rect">
@@ -9191,7 +8704,7 @@
         </p:nvSpPr>
         <p:spPr>
           <a:xfrm>
-            <a:off x="11572168" y="3723694"/>
+            <a:off x="11887567" y="3093830"/>
             <a:ext cx="883575" cy="400110"/>
           </a:xfrm>
           <a:prstGeom prst="rect">
@@ -9230,7 +8743,7 @@
         </p:nvSpPr>
         <p:spPr>
           <a:xfrm>
-            <a:off x="12658965" y="3762116"/>
+            <a:off x="12974364" y="3132252"/>
             <a:ext cx="327334" cy="400110"/>
           </a:xfrm>
           <a:prstGeom prst="rect">
@@ -9269,7 +8782,7 @@
         </p:nvSpPr>
         <p:spPr>
           <a:xfrm>
-            <a:off x="12635492" y="4252689"/>
+            <a:off x="12950891" y="3622825"/>
             <a:ext cx="327334" cy="400110"/>
           </a:xfrm>
           <a:prstGeom prst="rect">
@@ -9308,7 +8821,7 @@
         </p:nvSpPr>
         <p:spPr>
           <a:xfrm>
-            <a:off x="9602480" y="5173098"/>
+            <a:off x="9917879" y="4543234"/>
             <a:ext cx="2844048" cy="400110"/>
           </a:xfrm>
           <a:prstGeom prst="rect">
@@ -9347,7 +8860,7 @@
         </p:nvSpPr>
         <p:spPr>
           <a:xfrm>
-            <a:off x="12516299" y="3770979"/>
+            <a:off x="12831698" y="3141115"/>
             <a:ext cx="470000" cy="400110"/>
           </a:xfrm>
           <a:prstGeom prst="rect">
@@ -9386,7 +8899,7 @@
         </p:nvSpPr>
         <p:spPr>
           <a:xfrm>
-            <a:off x="12492825" y="4257120"/>
+            <a:off x="12808224" y="3627256"/>
             <a:ext cx="612668" cy="400110"/>
           </a:xfrm>
           <a:prstGeom prst="rect">
@@ -9407,6 +8920,811 @@
                 </a:solidFill>
               </a:rPr>
               <a:t>100</a:t>
+            </a:r>
+          </a:p>
+        </p:txBody>
+      </p:sp>
+      <p:sp>
+        <p:nvSpPr>
+          <p:cNvPr id="38" name="TextBox 37">
+            <a:extLst>
+              <a:ext uri="{FF2B5EF4-FFF2-40B4-BE49-F238E27FC236}">
+                <a16:creationId xmlns:a16="http://schemas.microsoft.com/office/drawing/2014/main" id="{C2F6BCDE-14FC-4906-9269-59AA7F0068BD}"/>
+              </a:ext>
+            </a:extLst>
+          </p:cNvPr>
+          <p:cNvSpPr txBox="1"/>
+          <p:nvPr/>
+        </p:nvSpPr>
+        <p:spPr>
+          <a:xfrm>
+            <a:off x="167055" y="2530919"/>
+            <a:ext cx="9136504" cy="2554545"/>
+          </a:xfrm>
+          <a:prstGeom prst="rect">
+            <a:avLst/>
+          </a:prstGeom>
+          <a:noFill/>
+        </p:spPr>
+        <p:txBody>
+          <a:bodyPr wrap="square">
+            <a:spAutoFit/>
+          </a:bodyPr>
+          <a:lstStyle/>
+          <a:p>
+            <a:r>
+              <a:rPr lang="en-US" b="1" dirty="0">
+                <a:solidFill>
+                  <a:srgbClr val="073642"/>
+                </a:solidFill>
+                <a:effectLst/>
+                <a:latin typeface="Consolas" panose="020B0609020204030204" pitchFamily="49" charset="0"/>
+              </a:rPr>
+              <a:t>public</a:t>
+            </a:r>
+            <a:r>
+              <a:rPr lang="en-US" b="0" dirty="0">
+                <a:solidFill>
+                  <a:srgbClr val="333333"/>
+                </a:solidFill>
+                <a:effectLst/>
+                <a:latin typeface="Consolas" panose="020B0609020204030204" pitchFamily="49" charset="0"/>
+              </a:rPr>
+              <a:t> </a:t>
+            </a:r>
+            <a:r>
+              <a:rPr lang="en-US" b="1" dirty="0">
+                <a:solidFill>
+                  <a:srgbClr val="073642"/>
+                </a:solidFill>
+                <a:effectLst/>
+                <a:latin typeface="Consolas" panose="020B0609020204030204" pitchFamily="49" charset="0"/>
+              </a:rPr>
+              <a:t>static</a:t>
+            </a:r>
+            <a:r>
+              <a:rPr lang="en-US" b="0" dirty="0">
+                <a:solidFill>
+                  <a:srgbClr val="333333"/>
+                </a:solidFill>
+                <a:effectLst/>
+                <a:latin typeface="Consolas" panose="020B0609020204030204" pitchFamily="49" charset="0"/>
+              </a:rPr>
+              <a:t> </a:t>
+            </a:r>
+            <a:r>
+              <a:rPr lang="en-US" b="1" dirty="0">
+                <a:solidFill>
+                  <a:srgbClr val="073642"/>
+                </a:solidFill>
+                <a:effectLst/>
+                <a:latin typeface="Consolas" panose="020B0609020204030204" pitchFamily="49" charset="0"/>
+              </a:rPr>
+              <a:t>void</a:t>
+            </a:r>
+            <a:r>
+              <a:rPr lang="en-US" b="0" dirty="0">
+                <a:solidFill>
+                  <a:srgbClr val="333333"/>
+                </a:solidFill>
+                <a:effectLst/>
+                <a:latin typeface="Consolas" panose="020B0609020204030204" pitchFamily="49" charset="0"/>
+              </a:rPr>
+              <a:t> </a:t>
+            </a:r>
+            <a:r>
+              <a:rPr lang="en-US" b="0" dirty="0">
+                <a:solidFill>
+                  <a:srgbClr val="268BD2"/>
+                </a:solidFill>
+                <a:effectLst/>
+                <a:latin typeface="Consolas" panose="020B0609020204030204" pitchFamily="49" charset="0"/>
+              </a:rPr>
+              <a:t>main</a:t>
+            </a:r>
+            <a:r>
+              <a:rPr lang="en-US" b="0" dirty="0">
+                <a:solidFill>
+                  <a:srgbClr val="333333"/>
+                </a:solidFill>
+                <a:effectLst/>
+                <a:latin typeface="Consolas" panose="020B0609020204030204" pitchFamily="49" charset="0"/>
+              </a:rPr>
+              <a:t>(</a:t>
+            </a:r>
+            <a:r>
+              <a:rPr lang="en-US" b="1" dirty="0">
+                <a:solidFill>
+                  <a:srgbClr val="268BD2"/>
+                </a:solidFill>
+                <a:effectLst/>
+                <a:latin typeface="Consolas" panose="020B0609020204030204" pitchFamily="49" charset="0"/>
+              </a:rPr>
+              <a:t>String</a:t>
+            </a:r>
+            <a:r>
+              <a:rPr lang="en-US" b="0" dirty="0">
+                <a:solidFill>
+                  <a:srgbClr val="333333"/>
+                </a:solidFill>
+                <a:effectLst/>
+                <a:latin typeface="Consolas" panose="020B0609020204030204" pitchFamily="49" charset="0"/>
+              </a:rPr>
+              <a:t>[] </a:t>
+            </a:r>
+            <a:r>
+              <a:rPr lang="en-US" b="0" dirty="0" err="1">
+                <a:solidFill>
+                  <a:srgbClr val="333333"/>
+                </a:solidFill>
+                <a:effectLst/>
+                <a:latin typeface="Consolas" panose="020B0609020204030204" pitchFamily="49" charset="0"/>
+              </a:rPr>
+              <a:t>args</a:t>
+            </a:r>
+            <a:r>
+              <a:rPr lang="en-US" b="0" dirty="0">
+                <a:solidFill>
+                  <a:srgbClr val="333333"/>
+                </a:solidFill>
+                <a:effectLst/>
+                <a:latin typeface="Consolas" panose="020B0609020204030204" pitchFamily="49" charset="0"/>
+              </a:rPr>
+              <a:t>) {</a:t>
+            </a:r>
+          </a:p>
+          <a:p>
+            <a:r>
+              <a:rPr lang="en-US" b="0" dirty="0">
+                <a:solidFill>
+                  <a:srgbClr val="333333"/>
+                </a:solidFill>
+                <a:effectLst/>
+                <a:latin typeface="Consolas" panose="020B0609020204030204" pitchFamily="49" charset="0"/>
+              </a:rPr>
+              <a:t>  </a:t>
+            </a:r>
+            <a:r>
+              <a:rPr lang="en-US" b="1" dirty="0">
+                <a:solidFill>
+                  <a:srgbClr val="073642"/>
+                </a:solidFill>
+                <a:effectLst/>
+                <a:latin typeface="Consolas" panose="020B0609020204030204" pitchFamily="49" charset="0"/>
+              </a:rPr>
+              <a:t>int</a:t>
+            </a:r>
+            <a:r>
+              <a:rPr lang="en-US" b="0" dirty="0">
+                <a:solidFill>
+                  <a:srgbClr val="333333"/>
+                </a:solidFill>
+                <a:effectLst/>
+                <a:latin typeface="Consolas" panose="020B0609020204030204" pitchFamily="49" charset="0"/>
+              </a:rPr>
+              <a:t> </a:t>
+            </a:r>
+            <a:r>
+              <a:rPr lang="en-US" b="0" dirty="0">
+                <a:solidFill>
+                  <a:srgbClr val="268BD2"/>
+                </a:solidFill>
+                <a:effectLst/>
+                <a:latin typeface="Consolas" panose="020B0609020204030204" pitchFamily="49" charset="0"/>
+              </a:rPr>
+              <a:t>length</a:t>
+            </a:r>
+            <a:r>
+              <a:rPr lang="en-US" b="0" dirty="0">
+                <a:solidFill>
+                  <a:srgbClr val="333333"/>
+                </a:solidFill>
+                <a:effectLst/>
+                <a:latin typeface="Consolas" panose="020B0609020204030204" pitchFamily="49" charset="0"/>
+              </a:rPr>
+              <a:t> </a:t>
+            </a:r>
+            <a:r>
+              <a:rPr lang="en-US" b="0" dirty="0">
+                <a:solidFill>
+                  <a:srgbClr val="859900"/>
+                </a:solidFill>
+                <a:effectLst/>
+                <a:latin typeface="Consolas" panose="020B0609020204030204" pitchFamily="49" charset="0"/>
+              </a:rPr>
+              <a:t>=</a:t>
+            </a:r>
+            <a:r>
+              <a:rPr lang="en-US" b="0" dirty="0">
+                <a:solidFill>
+                  <a:srgbClr val="333333"/>
+                </a:solidFill>
+                <a:effectLst/>
+                <a:latin typeface="Consolas" panose="020B0609020204030204" pitchFamily="49" charset="0"/>
+              </a:rPr>
+              <a:t> </a:t>
+            </a:r>
+            <a:r>
+              <a:rPr lang="en-US" b="0" dirty="0">
+                <a:solidFill>
+                  <a:srgbClr val="D33682"/>
+                </a:solidFill>
+                <a:effectLst/>
+                <a:latin typeface="Consolas" panose="020B0609020204030204" pitchFamily="49" charset="0"/>
+              </a:rPr>
+              <a:t>10</a:t>
+            </a:r>
+            <a:r>
+              <a:rPr lang="en-US" b="0" dirty="0">
+                <a:solidFill>
+                  <a:srgbClr val="333333"/>
+                </a:solidFill>
+                <a:effectLst/>
+                <a:latin typeface="Consolas" panose="020B0609020204030204" pitchFamily="49" charset="0"/>
+              </a:rPr>
+              <a:t>;</a:t>
+            </a:r>
+          </a:p>
+          <a:p>
+            <a:r>
+              <a:rPr lang="en-US" b="0" dirty="0">
+                <a:solidFill>
+                  <a:srgbClr val="333333"/>
+                </a:solidFill>
+                <a:effectLst/>
+                <a:latin typeface="Consolas" panose="020B0609020204030204" pitchFamily="49" charset="0"/>
+              </a:rPr>
+              <a:t>  </a:t>
+            </a:r>
+            <a:r>
+              <a:rPr lang="en-US" b="1" dirty="0">
+                <a:solidFill>
+                  <a:srgbClr val="073642"/>
+                </a:solidFill>
+                <a:effectLst/>
+                <a:latin typeface="Consolas" panose="020B0609020204030204" pitchFamily="49" charset="0"/>
+              </a:rPr>
+              <a:t>int</a:t>
+            </a:r>
+            <a:r>
+              <a:rPr lang="en-US" b="0" dirty="0">
+                <a:solidFill>
+                  <a:srgbClr val="333333"/>
+                </a:solidFill>
+                <a:effectLst/>
+                <a:latin typeface="Consolas" panose="020B0609020204030204" pitchFamily="49" charset="0"/>
+              </a:rPr>
+              <a:t> </a:t>
+            </a:r>
+            <a:r>
+              <a:rPr lang="en-US" b="0" dirty="0">
+                <a:solidFill>
+                  <a:srgbClr val="268BD2"/>
+                </a:solidFill>
+                <a:effectLst/>
+                <a:latin typeface="Consolas" panose="020B0609020204030204" pitchFamily="49" charset="0"/>
+              </a:rPr>
+              <a:t>width</a:t>
+            </a:r>
+            <a:r>
+              <a:rPr lang="en-US" b="0" dirty="0">
+                <a:solidFill>
+                  <a:srgbClr val="333333"/>
+                </a:solidFill>
+                <a:effectLst/>
+                <a:latin typeface="Consolas" panose="020B0609020204030204" pitchFamily="49" charset="0"/>
+              </a:rPr>
+              <a:t> </a:t>
+            </a:r>
+            <a:r>
+              <a:rPr lang="en-US" b="0" dirty="0">
+                <a:solidFill>
+                  <a:srgbClr val="859900"/>
+                </a:solidFill>
+                <a:effectLst/>
+                <a:latin typeface="Consolas" panose="020B0609020204030204" pitchFamily="49" charset="0"/>
+              </a:rPr>
+              <a:t>=</a:t>
+            </a:r>
+            <a:r>
+              <a:rPr lang="en-US" b="0" dirty="0">
+                <a:solidFill>
+                  <a:srgbClr val="333333"/>
+                </a:solidFill>
+                <a:effectLst/>
+                <a:latin typeface="Consolas" panose="020B0609020204030204" pitchFamily="49" charset="0"/>
+              </a:rPr>
+              <a:t> </a:t>
+            </a:r>
+            <a:r>
+              <a:rPr lang="en-US" b="0" dirty="0">
+                <a:solidFill>
+                  <a:srgbClr val="D33682"/>
+                </a:solidFill>
+                <a:effectLst/>
+                <a:latin typeface="Consolas" panose="020B0609020204030204" pitchFamily="49" charset="0"/>
+              </a:rPr>
+              <a:t>100</a:t>
+            </a:r>
+            <a:r>
+              <a:rPr lang="en-US" b="0" dirty="0">
+                <a:solidFill>
+                  <a:srgbClr val="333333"/>
+                </a:solidFill>
+                <a:effectLst/>
+                <a:latin typeface="Consolas" panose="020B0609020204030204" pitchFamily="49" charset="0"/>
+              </a:rPr>
+              <a:t>;</a:t>
+            </a:r>
+          </a:p>
+          <a:p>
+            <a:r>
+              <a:rPr lang="en-US" b="0" dirty="0">
+                <a:solidFill>
+                  <a:srgbClr val="333333"/>
+                </a:solidFill>
+                <a:effectLst/>
+                <a:latin typeface="Consolas" panose="020B0609020204030204" pitchFamily="49" charset="0"/>
+              </a:rPr>
+              <a:t>  </a:t>
+            </a:r>
+            <a:r>
+              <a:rPr lang="en-US" b="1" dirty="0">
+                <a:solidFill>
+                  <a:srgbClr val="268BD2"/>
+                </a:solidFill>
+                <a:effectLst/>
+                <a:latin typeface="Consolas" panose="020B0609020204030204" pitchFamily="49" charset="0"/>
+              </a:rPr>
+              <a:t>Rectangle</a:t>
+            </a:r>
+            <a:r>
+              <a:rPr lang="en-US" b="0" dirty="0">
+                <a:solidFill>
+                  <a:srgbClr val="333333"/>
+                </a:solidFill>
+                <a:effectLst/>
+                <a:latin typeface="Consolas" panose="020B0609020204030204" pitchFamily="49" charset="0"/>
+              </a:rPr>
+              <a:t> </a:t>
+            </a:r>
+            <a:r>
+              <a:rPr lang="en-US" b="0" dirty="0" err="1">
+                <a:solidFill>
+                  <a:srgbClr val="268BD2"/>
+                </a:solidFill>
+                <a:effectLst/>
+                <a:latin typeface="Consolas" panose="020B0609020204030204" pitchFamily="49" charset="0"/>
+              </a:rPr>
+              <a:t>smallBuildingOnCampus</a:t>
+            </a:r>
+            <a:r>
+              <a:rPr lang="en-US" b="0" dirty="0">
+                <a:solidFill>
+                  <a:srgbClr val="333333"/>
+                </a:solidFill>
+                <a:effectLst/>
+                <a:latin typeface="Consolas" panose="020B0609020204030204" pitchFamily="49" charset="0"/>
+              </a:rPr>
+              <a:t> </a:t>
+            </a:r>
+            <a:r>
+              <a:rPr lang="en-US" b="0" dirty="0">
+                <a:solidFill>
+                  <a:srgbClr val="859900"/>
+                </a:solidFill>
+                <a:effectLst/>
+                <a:latin typeface="Consolas" panose="020B0609020204030204" pitchFamily="49" charset="0"/>
+              </a:rPr>
+              <a:t>=</a:t>
+            </a:r>
+            <a:r>
+              <a:rPr lang="en-US" b="0" dirty="0">
+                <a:solidFill>
+                  <a:srgbClr val="333333"/>
+                </a:solidFill>
+                <a:effectLst/>
+                <a:latin typeface="Consolas" panose="020B0609020204030204" pitchFamily="49" charset="0"/>
+              </a:rPr>
+              <a:t> </a:t>
+            </a:r>
+            <a:r>
+              <a:rPr lang="en-US" b="0" dirty="0">
+                <a:solidFill>
+                  <a:srgbClr val="859900"/>
+                </a:solidFill>
+                <a:effectLst/>
+                <a:latin typeface="Consolas" panose="020B0609020204030204" pitchFamily="49" charset="0"/>
+              </a:rPr>
+              <a:t>new</a:t>
+            </a:r>
+            <a:r>
+              <a:rPr lang="en-US" b="0" dirty="0">
+                <a:solidFill>
+                  <a:srgbClr val="333333"/>
+                </a:solidFill>
+                <a:effectLst/>
+                <a:latin typeface="Consolas" panose="020B0609020204030204" pitchFamily="49" charset="0"/>
+              </a:rPr>
+              <a:t> </a:t>
+            </a:r>
+            <a:r>
+              <a:rPr lang="en-US" b="0" dirty="0">
+                <a:solidFill>
+                  <a:srgbClr val="268BD2"/>
+                </a:solidFill>
+                <a:effectLst/>
+                <a:latin typeface="Consolas" panose="020B0609020204030204" pitchFamily="49" charset="0"/>
+              </a:rPr>
+              <a:t>Rectangle</a:t>
+            </a:r>
+            <a:r>
+              <a:rPr lang="en-US" b="0" dirty="0">
+                <a:solidFill>
+                  <a:srgbClr val="333333"/>
+                </a:solidFill>
+                <a:effectLst/>
+                <a:latin typeface="Consolas" panose="020B0609020204030204" pitchFamily="49" charset="0"/>
+              </a:rPr>
+              <a:t>();</a:t>
+            </a:r>
+          </a:p>
+          <a:p>
+            <a:r>
+              <a:rPr lang="en-US" b="0" dirty="0">
+                <a:solidFill>
+                  <a:srgbClr val="333333"/>
+                </a:solidFill>
+                <a:effectLst/>
+                <a:latin typeface="Consolas" panose="020B0609020204030204" pitchFamily="49" charset="0"/>
+              </a:rPr>
+              <a:t>  </a:t>
+            </a:r>
+            <a:r>
+              <a:rPr lang="en-US" b="0" dirty="0" err="1">
+                <a:solidFill>
+                  <a:srgbClr val="268BD2"/>
+                </a:solidFill>
+                <a:effectLst/>
+                <a:latin typeface="Consolas" panose="020B0609020204030204" pitchFamily="49" charset="0"/>
+              </a:rPr>
+              <a:t>smallBuildingOnCampus</a:t>
+            </a:r>
+            <a:r>
+              <a:rPr lang="en-US" b="0" dirty="0" err="1">
+                <a:solidFill>
+                  <a:srgbClr val="333333"/>
+                </a:solidFill>
+                <a:effectLst/>
+                <a:latin typeface="Consolas" panose="020B0609020204030204" pitchFamily="49" charset="0"/>
+              </a:rPr>
+              <a:t>.</a:t>
+            </a:r>
+            <a:r>
+              <a:rPr lang="en-US" b="0" dirty="0" err="1">
+                <a:solidFill>
+                  <a:srgbClr val="268BD2"/>
+                </a:solidFill>
+                <a:effectLst/>
+                <a:latin typeface="Consolas" panose="020B0609020204030204" pitchFamily="49" charset="0"/>
+              </a:rPr>
+              <a:t>setLength</a:t>
+            </a:r>
+            <a:r>
+              <a:rPr lang="en-US" b="0" dirty="0">
+                <a:solidFill>
+                  <a:srgbClr val="333333"/>
+                </a:solidFill>
+                <a:effectLst/>
+                <a:latin typeface="Consolas" panose="020B0609020204030204" pitchFamily="49" charset="0"/>
+              </a:rPr>
+              <a:t>(</a:t>
+            </a:r>
+            <a:r>
+              <a:rPr lang="en-US" b="0" dirty="0">
+                <a:solidFill>
+                  <a:srgbClr val="268BD2"/>
+                </a:solidFill>
+                <a:effectLst/>
+                <a:latin typeface="Consolas" panose="020B0609020204030204" pitchFamily="49" charset="0"/>
+              </a:rPr>
+              <a:t>length</a:t>
+            </a:r>
+            <a:r>
+              <a:rPr lang="en-US" b="0" dirty="0">
+                <a:solidFill>
+                  <a:srgbClr val="333333"/>
+                </a:solidFill>
+                <a:effectLst/>
+                <a:latin typeface="Consolas" panose="020B0609020204030204" pitchFamily="49" charset="0"/>
+              </a:rPr>
+              <a:t>);</a:t>
+            </a:r>
+          </a:p>
+          <a:p>
+            <a:r>
+              <a:rPr lang="en-US" b="0" dirty="0">
+                <a:solidFill>
+                  <a:srgbClr val="333333"/>
+                </a:solidFill>
+                <a:effectLst/>
+                <a:latin typeface="Consolas" panose="020B0609020204030204" pitchFamily="49" charset="0"/>
+              </a:rPr>
+              <a:t>  </a:t>
+            </a:r>
+            <a:r>
+              <a:rPr lang="en-US" b="0" dirty="0" err="1">
+                <a:solidFill>
+                  <a:srgbClr val="268BD2"/>
+                </a:solidFill>
+                <a:effectLst/>
+                <a:latin typeface="Consolas" panose="020B0609020204030204" pitchFamily="49" charset="0"/>
+              </a:rPr>
+              <a:t>smallBuildingOnCampus</a:t>
+            </a:r>
+            <a:r>
+              <a:rPr lang="en-US" b="0" dirty="0" err="1">
+                <a:solidFill>
+                  <a:srgbClr val="333333"/>
+                </a:solidFill>
+                <a:effectLst/>
+                <a:latin typeface="Consolas" panose="020B0609020204030204" pitchFamily="49" charset="0"/>
+              </a:rPr>
+              <a:t>.</a:t>
+            </a:r>
+            <a:r>
+              <a:rPr lang="en-US" b="0" dirty="0" err="1">
+                <a:solidFill>
+                  <a:srgbClr val="268BD2"/>
+                </a:solidFill>
+                <a:effectLst/>
+                <a:latin typeface="Consolas" panose="020B0609020204030204" pitchFamily="49" charset="0"/>
+              </a:rPr>
+              <a:t>setWidth</a:t>
+            </a:r>
+            <a:r>
+              <a:rPr lang="en-US" b="0" dirty="0">
+                <a:solidFill>
+                  <a:srgbClr val="333333"/>
+                </a:solidFill>
+                <a:effectLst/>
+                <a:latin typeface="Consolas" panose="020B0609020204030204" pitchFamily="49" charset="0"/>
+              </a:rPr>
+              <a:t>(</a:t>
+            </a:r>
+            <a:r>
+              <a:rPr lang="en-US" b="0" dirty="0">
+                <a:solidFill>
+                  <a:srgbClr val="268BD2"/>
+                </a:solidFill>
+                <a:effectLst/>
+                <a:latin typeface="Consolas" panose="020B0609020204030204" pitchFamily="49" charset="0"/>
+              </a:rPr>
+              <a:t>width</a:t>
+            </a:r>
+            <a:r>
+              <a:rPr lang="en-US" b="0" dirty="0">
+                <a:solidFill>
+                  <a:srgbClr val="333333"/>
+                </a:solidFill>
+                <a:effectLst/>
+                <a:latin typeface="Consolas" panose="020B0609020204030204" pitchFamily="49" charset="0"/>
+              </a:rPr>
+              <a:t>);</a:t>
+            </a:r>
+          </a:p>
+          <a:p>
+            <a:r>
+              <a:rPr lang="en-US" b="0" dirty="0">
+                <a:solidFill>
+                  <a:srgbClr val="333333"/>
+                </a:solidFill>
+                <a:effectLst/>
+                <a:latin typeface="Consolas" panose="020B0609020204030204" pitchFamily="49" charset="0"/>
+              </a:rPr>
+              <a:t>  </a:t>
+            </a:r>
+            <a:r>
+              <a:rPr lang="en-US" b="0" dirty="0" err="1">
+                <a:solidFill>
+                  <a:srgbClr val="268BD2"/>
+                </a:solidFill>
+                <a:effectLst/>
+                <a:latin typeface="Consolas" panose="020B0609020204030204" pitchFamily="49" charset="0"/>
+              </a:rPr>
+              <a:t>System</a:t>
+            </a:r>
+            <a:r>
+              <a:rPr lang="en-US" b="0" dirty="0" err="1">
+                <a:solidFill>
+                  <a:srgbClr val="333333"/>
+                </a:solidFill>
+                <a:effectLst/>
+                <a:latin typeface="Consolas" panose="020B0609020204030204" pitchFamily="49" charset="0"/>
+              </a:rPr>
+              <a:t>.</a:t>
+            </a:r>
+            <a:r>
+              <a:rPr lang="en-US" b="0" dirty="0" err="1">
+                <a:solidFill>
+                  <a:srgbClr val="268BD2"/>
+                </a:solidFill>
+                <a:effectLst/>
+                <a:latin typeface="Consolas" panose="020B0609020204030204" pitchFamily="49" charset="0"/>
+              </a:rPr>
+              <a:t>out</a:t>
+            </a:r>
+            <a:r>
+              <a:rPr lang="en-US" b="0" dirty="0" err="1">
+                <a:solidFill>
+                  <a:srgbClr val="333333"/>
+                </a:solidFill>
+                <a:effectLst/>
+                <a:latin typeface="Consolas" panose="020B0609020204030204" pitchFamily="49" charset="0"/>
+              </a:rPr>
+              <a:t>.</a:t>
+            </a:r>
+            <a:r>
+              <a:rPr lang="en-US" b="0" dirty="0" err="1">
+                <a:solidFill>
+                  <a:srgbClr val="268BD2"/>
+                </a:solidFill>
+                <a:effectLst/>
+                <a:latin typeface="Consolas" panose="020B0609020204030204" pitchFamily="49" charset="0"/>
+              </a:rPr>
+              <a:t>println</a:t>
+            </a:r>
+            <a:r>
+              <a:rPr lang="en-US" b="0" dirty="0">
+                <a:solidFill>
+                  <a:srgbClr val="333333"/>
+                </a:solidFill>
+                <a:effectLst/>
+                <a:latin typeface="Consolas" panose="020B0609020204030204" pitchFamily="49" charset="0"/>
+              </a:rPr>
+              <a:t>(</a:t>
+            </a:r>
+            <a:r>
+              <a:rPr lang="en-US" b="0" dirty="0" err="1">
+                <a:solidFill>
+                  <a:srgbClr val="268BD2"/>
+                </a:solidFill>
+                <a:effectLst/>
+                <a:latin typeface="Consolas" panose="020B0609020204030204" pitchFamily="49" charset="0"/>
+              </a:rPr>
+              <a:t>smallBuildingOnCampus</a:t>
+            </a:r>
+            <a:r>
+              <a:rPr lang="en-US" b="0" dirty="0" err="1">
+                <a:solidFill>
+                  <a:srgbClr val="333333"/>
+                </a:solidFill>
+                <a:effectLst/>
+                <a:latin typeface="Consolas" panose="020B0609020204030204" pitchFamily="49" charset="0"/>
+              </a:rPr>
+              <a:t>.</a:t>
+            </a:r>
+            <a:r>
+              <a:rPr lang="en-US" b="0" dirty="0" err="1">
+                <a:solidFill>
+                  <a:srgbClr val="268BD2"/>
+                </a:solidFill>
+                <a:effectLst/>
+                <a:latin typeface="Consolas" panose="020B0609020204030204" pitchFamily="49" charset="0"/>
+              </a:rPr>
+              <a:t>getArea</a:t>
+            </a:r>
+            <a:r>
+              <a:rPr lang="en-US" b="0" dirty="0">
+                <a:solidFill>
+                  <a:srgbClr val="333333"/>
+                </a:solidFill>
+                <a:effectLst/>
+                <a:latin typeface="Consolas" panose="020B0609020204030204" pitchFamily="49" charset="0"/>
+              </a:rPr>
+              <a:t>());</a:t>
+            </a:r>
+          </a:p>
+          <a:p>
+            <a:r>
+              <a:rPr lang="en-US" b="0" dirty="0">
+                <a:solidFill>
+                  <a:srgbClr val="333333"/>
+                </a:solidFill>
+                <a:effectLst/>
+                <a:latin typeface="Consolas" panose="020B0609020204030204" pitchFamily="49" charset="0"/>
+              </a:rPr>
+              <a:t>}</a:t>
+            </a:r>
+          </a:p>
+        </p:txBody>
+      </p:sp>
+      <p:sp>
+        <p:nvSpPr>
+          <p:cNvPr id="41" name="TextBox 40">
+            <a:extLst>
+              <a:ext uri="{FF2B5EF4-FFF2-40B4-BE49-F238E27FC236}">
+                <a16:creationId xmlns:a16="http://schemas.microsoft.com/office/drawing/2014/main" id="{E69709B8-3BFA-42FA-AE5F-A00E9D72CAE4}"/>
+              </a:ext>
+            </a:extLst>
+          </p:cNvPr>
+          <p:cNvSpPr txBox="1"/>
+          <p:nvPr/>
+        </p:nvSpPr>
+        <p:spPr>
+          <a:xfrm>
+            <a:off x="12761927" y="1305328"/>
+            <a:ext cx="733778" cy="400110"/>
+          </a:xfrm>
+          <a:prstGeom prst="rect">
+            <a:avLst/>
+          </a:prstGeom>
+          <a:solidFill>
+            <a:schemeClr val="bg2"/>
+          </a:solidFill>
+          <a:ln>
+            <a:solidFill>
+              <a:srgbClr val="092529"/>
+            </a:solidFill>
+          </a:ln>
+        </p:spPr>
+        <p:txBody>
+          <a:bodyPr wrap="square" rtlCol="0">
+            <a:spAutoFit/>
+          </a:bodyPr>
+          <a:lstStyle/>
+          <a:p>
+            <a:pPr algn="ctr"/>
+            <a:r>
+              <a:rPr lang="en-US" dirty="0">
+                <a:solidFill>
+                  <a:srgbClr val="092529"/>
+                </a:solidFill>
+              </a:rPr>
+              <a:t>x2</a:t>
+            </a:r>
+          </a:p>
+        </p:txBody>
+      </p:sp>
+      <p:sp>
+        <p:nvSpPr>
+          <p:cNvPr id="44" name="TextBox 43">
+            <a:extLst>
+              <a:ext uri="{FF2B5EF4-FFF2-40B4-BE49-F238E27FC236}">
+                <a16:creationId xmlns:a16="http://schemas.microsoft.com/office/drawing/2014/main" id="{A944F8D4-2AF1-49D3-9612-D59D9D9FCD81}"/>
+              </a:ext>
+            </a:extLst>
+          </p:cNvPr>
+          <p:cNvSpPr txBox="1"/>
+          <p:nvPr/>
+        </p:nvSpPr>
+        <p:spPr>
+          <a:xfrm>
+            <a:off x="12776207" y="2779176"/>
+            <a:ext cx="733778" cy="400110"/>
+          </a:xfrm>
+          <a:prstGeom prst="rect">
+            <a:avLst/>
+          </a:prstGeom>
+          <a:noFill/>
+          <a:ln>
+            <a:noFill/>
+          </a:ln>
+        </p:spPr>
+        <p:txBody>
+          <a:bodyPr wrap="square" rtlCol="0">
+            <a:spAutoFit/>
+          </a:bodyPr>
+          <a:lstStyle/>
+          <a:p>
+            <a:pPr algn="ctr"/>
+            <a:r>
+              <a:rPr lang="en-US" dirty="0">
+                <a:solidFill>
+                  <a:srgbClr val="092529"/>
+                </a:solidFill>
+              </a:rPr>
+              <a:t>x2</a:t>
             </a:r>
           </a:p>
         </p:txBody>
@@ -9692,7 +10010,7 @@
                                           </p:stCondLst>
                                         </p:cTn>
                                         <p:tgtEl>
-                                          <p:spTgt spid="27"/>
+                                          <p:spTgt spid="41"/>
                                         </p:tgtEl>
                                         <p:attrNameLst>
                                           <p:attrName>style.visibility</p:attrName>
@@ -9706,7 +10024,7 @@
                                 </p:cTn>
                               </p:par>
                               <p:par>
-                                <p:cTn id="25" presetID="1" presetClass="entr" presetSubtype="0" fill="hold" nodeType="withEffect">
+                                <p:cTn id="25" presetID="1" presetClass="entr" presetSubtype="0" fill="hold" grpId="0" nodeType="withEffect">
                                   <p:stCondLst>
                                     <p:cond delay="0"/>
                                   </p:stCondLst>
@@ -9719,7 +10037,7 @@
                                           </p:stCondLst>
                                         </p:cTn>
                                         <p:tgtEl>
-                                          <p:spTgt spid="29"/>
+                                          <p:spTgt spid="44"/>
                                         </p:tgtEl>
                                         <p:attrNameLst>
                                           <p:attrName>style.visibility</p:attrName>
@@ -9746,7 +10064,7 @@
                                           </p:stCondLst>
                                         </p:cTn>
                                         <p:tgtEl>
-                                          <p:spTgt spid="34"/>
+                                          <p:spTgt spid="27"/>
                                         </p:tgtEl>
                                         <p:attrNameLst>
                                           <p:attrName>style.visibility</p:attrName>
@@ -9760,7 +10078,7 @@
                                 </p:cTn>
                               </p:par>
                               <p:par>
-                                <p:cTn id="29" presetID="1" presetClass="entr" presetSubtype="0" fill="hold" grpId="0" nodeType="withEffect">
+                                <p:cTn id="29" presetID="1" presetClass="entr" presetSubtype="0" fill="hold" nodeType="withEffect">
                                   <p:stCondLst>
                                     <p:cond delay="0"/>
                                   </p:stCondLst>
@@ -9773,7 +10091,7 @@
                                           </p:stCondLst>
                                         </p:cTn>
                                         <p:tgtEl>
-                                          <p:spTgt spid="30"/>
+                                          <p:spTgt spid="29"/>
                                         </p:tgtEl>
                                         <p:attrNameLst>
                                           <p:attrName>style.visibility</p:attrName>
@@ -9800,7 +10118,7 @@
                                           </p:stCondLst>
                                         </p:cTn>
                                         <p:tgtEl>
-                                          <p:spTgt spid="31"/>
+                                          <p:spTgt spid="34"/>
                                         </p:tgtEl>
                                         <p:attrNameLst>
                                           <p:attrName>style.visibility</p:attrName>
@@ -9827,7 +10145,7 @@
                                           </p:stCondLst>
                                         </p:cTn>
                                         <p:tgtEl>
-                                          <p:spTgt spid="32"/>
+                                          <p:spTgt spid="30"/>
                                         </p:tgtEl>
                                         <p:attrNameLst>
                                           <p:attrName>style.visibility</p:attrName>
@@ -9854,6 +10172,60 @@
                                           </p:stCondLst>
                                         </p:cTn>
                                         <p:tgtEl>
+                                          <p:spTgt spid="31"/>
+                                        </p:tgtEl>
+                                        <p:attrNameLst>
+                                          <p:attrName>style.visibility</p:attrName>
+                                        </p:attrNameLst>
+                                      </p:cBhvr>
+                                      <p:to>
+                                        <p:strVal val="visible"/>
+                                      </p:to>
+                                    </p:set>
+                                  </p:childTnLst>
+                                </p:cTn>
+                              </p:par>
+                              <p:par>
+                                <p:cTn id="37" presetID="1" presetClass="entr" presetSubtype="0" fill="hold" grpId="0" nodeType="withEffect">
+                                  <p:stCondLst>
+                                    <p:cond delay="0"/>
+                                  </p:stCondLst>
+                                  <p:childTnLst>
+                                    <p:set>
+                                      <p:cBhvr>
+                                        <p:cTn id="38" dur="1" fill="hold">
+                                          <p:stCondLst>
+                                            <p:cond delay="0"/>
+                                          </p:stCondLst>
+                                        </p:cTn>
+                                        <p:tgtEl>
+                                          <p:spTgt spid="32"/>
+                                        </p:tgtEl>
+                                        <p:attrNameLst>
+                                          <p:attrName>style.visibility</p:attrName>
+                                        </p:attrNameLst>
+                                      </p:cBhvr>
+                                      <p:to>
+                                        <p:strVal val="visible"/>
+                                      </p:to>
+                                    </p:set>
+                                  </p:childTnLst>
+                                </p:cTn>
+                              </p:par>
+                              <p:par>
+                                <p:cTn id="39" presetID="1" presetClass="entr" presetSubtype="0" fill="hold" grpId="0" nodeType="withEffect">
+                                  <p:stCondLst>
+                                    <p:cond delay="0"/>
+                                  </p:stCondLst>
+                                  <p:childTnLst>
+                                    <p:set>
+                                      <p:cBhvr>
+                                        <p:cTn id="40" dur="1" fill="hold">
+                                          <p:stCondLst>
+                                            <p:cond delay="0"/>
+                                          </p:stCondLst>
+                                        </p:cTn>
+                                        <p:tgtEl>
                                           <p:spTgt spid="33"/>
                                         </p:tgtEl>
                                         <p:attrNameLst>
@@ -9874,26 +10246,26 @@
                     </p:cTn>
                   </p:par>
                   <p:par>
-                    <p:cTn id="37" fill="hold">
+                    <p:cTn id="41" fill="hold">
                       <p:stCondLst>
                         <p:cond delay="indefinite"/>
                       </p:stCondLst>
                       <p:childTnLst>
                         <p:par>
-                          <p:cTn id="38" fill="hold">
+                          <p:cTn id="42" fill="hold">
                             <p:stCondLst>
                               <p:cond delay="0"/>
                             </p:stCondLst>
                             <p:childTnLst>
                               <p:par>
-                                <p:cTn id="39" presetID="1" presetClass="exit" presetSubtype="0" fill="hold" grpId="1" nodeType="clickEffect">
+                                <p:cTn id="43" presetID="1" presetClass="exit" presetSubtype="0" fill="hold" grpId="1" nodeType="clickEffect">
                                   <p:stCondLst>
                                     <p:cond delay="0"/>
                                   </p:stCondLst>
                                   <p:childTnLst>
                                     <p:set>
                                       <p:cBhvr>
-                                        <p:cTn id="40" dur="1" fill="hold">
+                                        <p:cTn id="44" dur="1" fill="hold">
                                           <p:stCondLst>
                                             <p:cond delay="0"/>
                                           </p:stCondLst>
@@ -9913,14 +10285,14 @@
                                 </p:cTn>
                               </p:par>
                               <p:par>
-                                <p:cTn id="41" presetID="1" presetClass="exit" presetSubtype="0" fill="hold" grpId="1" nodeType="withEffect">
+                                <p:cTn id="45" presetID="1" presetClass="exit" presetSubtype="0" fill="hold" grpId="1" nodeType="withEffect">
                                   <p:stCondLst>
                                     <p:cond delay="0"/>
                                   </p:stCondLst>
                                   <p:childTnLst>
                                     <p:set>
                                       <p:cBhvr>
-                                        <p:cTn id="42" dur="1" fill="hold">
+                                        <p:cTn id="46" dur="1" fill="hold">
                                           <p:stCondLst>
                                             <p:cond delay="0"/>
                                           </p:stCondLst>
@@ -9940,14 +10312,14 @@
                                 </p:cTn>
                               </p:par>
                               <p:par>
-                                <p:cTn id="43" presetID="1" presetClass="entr" presetSubtype="0" fill="hold" grpId="0" nodeType="withEffect">
+                                <p:cTn id="47" presetID="1" presetClass="entr" presetSubtype="0" fill="hold" grpId="0" nodeType="withEffect">
                                   <p:stCondLst>
                                     <p:cond delay="0"/>
                                   </p:stCondLst>
                                   <p:childTnLst>
                                     <p:set>
                                       <p:cBhvr>
-                                        <p:cTn id="44" dur="1" fill="hold">
+                                        <p:cTn id="48" dur="1" fill="hold">
                                           <p:stCondLst>
                                             <p:cond delay="0"/>
                                           </p:stCondLst>
@@ -9967,14 +10339,14 @@
                                 </p:cTn>
                               </p:par>
                               <p:par>
-                                <p:cTn id="45" presetID="1" presetClass="entr" presetSubtype="0" fill="hold" grpId="0" nodeType="withEffect">
+                                <p:cTn id="49" presetID="1" presetClass="entr" presetSubtype="0" fill="hold" grpId="0" nodeType="withEffect">
                                   <p:stCondLst>
                                     <p:cond delay="0"/>
                                   </p:stCondLst>
                                   <p:childTnLst>
                                     <p:set>
                                       <p:cBhvr>
-                                        <p:cTn id="46" dur="1" fill="hold">
+                                        <p:cTn id="50" dur="1" fill="hold">
                                           <p:stCondLst>
                                             <p:cond delay="0"/>
                                           </p:stCondLst>
@@ -10036,6 +10408,8 @@
       <p:bldP spid="34" grpId="0"/>
       <p:bldP spid="35" grpId="0"/>
       <p:bldP spid="36" grpId="0"/>
+      <p:bldP spid="41" grpId="0" animBg="1"/>
+      <p:bldP spid="44" grpId="0" animBg="1"/>
     </p:bldLst>
   </p:timing>
 </p:sld>
@@ -10063,7 +10437,7 @@
           <p:cNvPr id="2" name="Title 1">
             <a:extLst>
               <a:ext uri="{FF2B5EF4-FFF2-40B4-BE49-F238E27FC236}">
-                <a16:creationId xmlns:a16="http://schemas.microsoft.com/office/drawing/2014/main" id="{32AE6E0B-A6B6-4145-8605-A52FC20DCC48}"/>
+                <a16:creationId xmlns:a16="http://schemas.microsoft.com/office/drawing/2014/main" id="{9B6434A2-5311-4D5D-96D6-4E353BECEF2E}"/>
               </a:ext>
             </a:extLst>
           </p:cNvPr>
@@ -10076,7 +10450,7 @@
         </p:nvSpPr>
         <p:spPr>
           <a:xfrm>
-            <a:off x="628075" y="905259"/>
+            <a:off x="628075" y="530505"/>
             <a:ext cx="12561453" cy="1015663"/>
           </a:xfrm>
         </p:spPr>
@@ -10086,7 +10460,7 @@
           <a:p>
             <a:r>
               <a:rPr lang="en-US" dirty="0"/>
-              <a:t>Summary</a:t>
+              <a:t>Rectangle?</a:t>
             </a:r>
           </a:p>
         </p:txBody>
@@ -10096,7 +10470,7 @@
           <p:cNvPr id="3" name="Text Placeholder 2">
             <a:extLst>
               <a:ext uri="{FF2B5EF4-FFF2-40B4-BE49-F238E27FC236}">
-                <a16:creationId xmlns:a16="http://schemas.microsoft.com/office/drawing/2014/main" id="{E313E4F8-9535-C54D-BF32-34337945E245}"/>
+                <a16:creationId xmlns:a16="http://schemas.microsoft.com/office/drawing/2014/main" id="{4E01B2DD-9E2F-4A9D-AE4D-7F76B947944D}"/>
               </a:ext>
             </a:extLst>
           </p:cNvPr>
@@ -10109,75 +10483,899 @@
         </p:nvSpPr>
         <p:spPr>
           <a:xfrm>
-            <a:off x="628075" y="2487883"/>
-            <a:ext cx="12561453" cy="3578480"/>
+            <a:off x="7764905" y="1348630"/>
+            <a:ext cx="5424623" cy="2685094"/>
           </a:xfrm>
         </p:spPr>
         <p:txBody>
           <a:bodyPr/>
           <a:lstStyle/>
           <a:p>
-            <a:pPr fontAlgn="base"/>
-            <a:r>
-              <a:rPr lang="en-US"/>
-              <a:t>Objects are </a:t>
-            </a:r>
+            <a:r>
+              <a:rPr lang="en-US" b="1" dirty="0"/>
+              <a:t>this – </a:t>
+            </a:r>
+            <a:r>
+              <a:rPr lang="en-US" dirty="0"/>
+              <a:t>keyword</a:t>
+            </a:r>
+          </a:p>
+          <a:p>
+            <a:pPr lvl="1"/>
+            <a:r>
+              <a:rPr lang="en-US" dirty="0"/>
+              <a:t>Means “this object/instance”</a:t>
+            </a:r>
+          </a:p>
+          <a:p>
+            <a:r>
+              <a:rPr lang="en-US" dirty="0"/>
+              <a:t>Helps keep track of which variable</a:t>
+            </a:r>
+          </a:p>
+          <a:p>
+            <a:r>
+              <a:rPr lang="en-US" dirty="0"/>
+              <a:t>Common practice</a:t>
+            </a:r>
+          </a:p>
+          <a:p>
+            <a:pPr lvl="1"/>
+            <a:r>
+              <a:rPr lang="en-US" dirty="0"/>
+              <a:t>But not required</a:t>
+            </a:r>
+          </a:p>
+          <a:p>
+            <a:pPr marL="0" indent="0">
+              <a:buNone/>
+            </a:pPr>
             <a:endParaRPr lang="en-US" dirty="0"/>
           </a:p>
-          <a:p>
-            <a:pPr lvl="1" fontAlgn="base"/>
-            <a:r>
-              <a:rPr lang="en-US" dirty="0"/>
-              <a:t>Building blocks for code</a:t>
-            </a:r>
-          </a:p>
-          <a:p>
-            <a:pPr lvl="1" fontAlgn="base"/>
-            <a:r>
-              <a:rPr lang="en-US" dirty="0"/>
-              <a:t>Recipes of information</a:t>
-            </a:r>
-          </a:p>
-          <a:p>
-            <a:pPr lvl="1" fontAlgn="base"/>
-            <a:r>
-              <a:rPr lang="en-US" dirty="0"/>
-              <a:t>Containers for multiple primitives</a:t>
-            </a:r>
-          </a:p>
-          <a:p>
-            <a:pPr lvl="1" fontAlgn="base"/>
-            <a:r>
-              <a:rPr lang="en-US" dirty="0"/>
-              <a:t>Have actions/functionality  - provided by methods</a:t>
-            </a:r>
-          </a:p>
-          <a:p>
-            <a:pPr fontAlgn="base"/>
-            <a:r>
-              <a:rPr lang="en-US" dirty="0"/>
-              <a:t>For now…</a:t>
-            </a:r>
-          </a:p>
-          <a:p>
-            <a:pPr lvl="1" fontAlgn="base"/>
-            <a:r>
-              <a:rPr lang="en-US" dirty="0"/>
-              <a:t>You will use objects</a:t>
-            </a:r>
-          </a:p>
-          <a:p>
-            <a:pPr lvl="1" fontAlgn="base"/>
-            <a:r>
-              <a:rPr lang="en-US" dirty="0"/>
-              <a:t>You will write methods</a:t>
-            </a:r>
-          </a:p>
-          <a:p>
-            <a:pPr lvl="1" fontAlgn="base"/>
-            <a:r>
-              <a:rPr lang="en-US" dirty="0"/>
-              <a:t>You will eventually write your own objects</a:t>
+        </p:txBody>
+      </p:sp>
+      <p:sp>
+        <p:nvSpPr>
+          <p:cNvPr id="5" name="TextBox 4">
+            <a:extLst>
+              <a:ext uri="{FF2B5EF4-FFF2-40B4-BE49-F238E27FC236}">
+                <a16:creationId xmlns:a16="http://schemas.microsoft.com/office/drawing/2014/main" id="{A6E8A5B6-E068-488F-90FF-8825CA4202CC}"/>
+              </a:ext>
+            </a:extLst>
+          </p:cNvPr>
+          <p:cNvSpPr txBox="1"/>
+          <p:nvPr/>
+        </p:nvSpPr>
+        <p:spPr>
+          <a:xfrm>
+            <a:off x="142407" y="1518819"/>
+            <a:ext cx="6910464" cy="5016758"/>
+          </a:xfrm>
+          <a:prstGeom prst="rect">
+            <a:avLst/>
+          </a:prstGeom>
+          <a:noFill/>
+        </p:spPr>
+        <p:txBody>
+          <a:bodyPr wrap="square">
+            <a:spAutoFit/>
+          </a:bodyPr>
+          <a:lstStyle/>
+          <a:p>
+            <a:r>
+              <a:rPr lang="en-US" b="1" dirty="0">
+                <a:solidFill>
+                  <a:srgbClr val="073642"/>
+                </a:solidFill>
+                <a:effectLst/>
+                <a:latin typeface="Consolas" panose="020B0609020204030204" pitchFamily="49" charset="0"/>
+              </a:rPr>
+              <a:t>public</a:t>
+            </a:r>
+            <a:r>
+              <a:rPr lang="en-US" b="0" dirty="0">
+                <a:solidFill>
+                  <a:srgbClr val="333333"/>
+                </a:solidFill>
+                <a:effectLst/>
+                <a:latin typeface="Consolas" panose="020B0609020204030204" pitchFamily="49" charset="0"/>
+              </a:rPr>
+              <a:t> </a:t>
+            </a:r>
+            <a:r>
+              <a:rPr lang="en-US" b="1" dirty="0">
+                <a:solidFill>
+                  <a:srgbClr val="073642"/>
+                </a:solidFill>
+                <a:effectLst/>
+                <a:latin typeface="Consolas" panose="020B0609020204030204" pitchFamily="49" charset="0"/>
+              </a:rPr>
+              <a:t>class</a:t>
+            </a:r>
+            <a:r>
+              <a:rPr lang="en-US" b="0" dirty="0">
+                <a:solidFill>
+                  <a:srgbClr val="333333"/>
+                </a:solidFill>
+                <a:effectLst/>
+                <a:latin typeface="Consolas" panose="020B0609020204030204" pitchFamily="49" charset="0"/>
+              </a:rPr>
+              <a:t> </a:t>
+            </a:r>
+            <a:r>
+              <a:rPr lang="en-US" b="0" dirty="0">
+                <a:solidFill>
+                  <a:srgbClr val="268BD2"/>
+                </a:solidFill>
+                <a:effectLst/>
+                <a:latin typeface="Consolas" panose="020B0609020204030204" pitchFamily="49" charset="0"/>
+              </a:rPr>
+              <a:t>Rectangle</a:t>
+            </a:r>
+            <a:r>
+              <a:rPr lang="en-US" b="0" dirty="0">
+                <a:solidFill>
+                  <a:srgbClr val="333333"/>
+                </a:solidFill>
+                <a:effectLst/>
+                <a:latin typeface="Consolas" panose="020B0609020204030204" pitchFamily="49" charset="0"/>
+              </a:rPr>
+              <a:t> {</a:t>
+            </a:r>
+          </a:p>
+          <a:p>
+            <a:r>
+              <a:rPr lang="en-US" b="0" dirty="0">
+                <a:solidFill>
+                  <a:srgbClr val="333333"/>
+                </a:solidFill>
+                <a:effectLst/>
+                <a:latin typeface="Consolas" panose="020B0609020204030204" pitchFamily="49" charset="0"/>
+              </a:rPr>
+              <a:t>    </a:t>
+            </a:r>
+            <a:r>
+              <a:rPr lang="en-US" b="1" dirty="0">
+                <a:solidFill>
+                  <a:srgbClr val="073642"/>
+                </a:solidFill>
+                <a:effectLst/>
+                <a:latin typeface="Consolas" panose="020B0609020204030204" pitchFamily="49" charset="0"/>
+              </a:rPr>
+              <a:t>int</a:t>
+            </a:r>
+            <a:r>
+              <a:rPr lang="en-US" b="0" dirty="0">
+                <a:solidFill>
+                  <a:srgbClr val="333333"/>
+                </a:solidFill>
+                <a:effectLst/>
+                <a:latin typeface="Consolas" panose="020B0609020204030204" pitchFamily="49" charset="0"/>
+              </a:rPr>
+              <a:t> </a:t>
+            </a:r>
+            <a:r>
+              <a:rPr lang="en-US" b="0" dirty="0">
+                <a:solidFill>
+                  <a:srgbClr val="268BD2"/>
+                </a:solidFill>
+                <a:effectLst/>
+                <a:latin typeface="Consolas" panose="020B0609020204030204" pitchFamily="49" charset="0"/>
+              </a:rPr>
+              <a:t>width</a:t>
+            </a:r>
+            <a:r>
+              <a:rPr lang="en-US" b="0" dirty="0">
+                <a:solidFill>
+                  <a:srgbClr val="333333"/>
+                </a:solidFill>
+                <a:effectLst/>
+                <a:latin typeface="Consolas" panose="020B0609020204030204" pitchFamily="49" charset="0"/>
+              </a:rPr>
+              <a:t> </a:t>
+            </a:r>
+            <a:r>
+              <a:rPr lang="en-US" b="0" dirty="0">
+                <a:solidFill>
+                  <a:srgbClr val="859900"/>
+                </a:solidFill>
+                <a:effectLst/>
+                <a:latin typeface="Consolas" panose="020B0609020204030204" pitchFamily="49" charset="0"/>
+              </a:rPr>
+              <a:t>=</a:t>
+            </a:r>
+            <a:r>
+              <a:rPr lang="en-US" b="0" dirty="0">
+                <a:solidFill>
+                  <a:srgbClr val="333333"/>
+                </a:solidFill>
+                <a:effectLst/>
+                <a:latin typeface="Consolas" panose="020B0609020204030204" pitchFamily="49" charset="0"/>
+              </a:rPr>
+              <a:t> </a:t>
+            </a:r>
+            <a:r>
+              <a:rPr lang="en-US" b="0" dirty="0">
+                <a:solidFill>
+                  <a:srgbClr val="D33682"/>
+                </a:solidFill>
+                <a:effectLst/>
+                <a:latin typeface="Consolas" panose="020B0609020204030204" pitchFamily="49" charset="0"/>
+              </a:rPr>
+              <a:t>0</a:t>
+            </a:r>
+            <a:r>
+              <a:rPr lang="en-US" b="0" dirty="0">
+                <a:solidFill>
+                  <a:srgbClr val="333333"/>
+                </a:solidFill>
+                <a:effectLst/>
+                <a:latin typeface="Consolas" panose="020B0609020204030204" pitchFamily="49" charset="0"/>
+              </a:rPr>
+              <a:t>;  </a:t>
+            </a:r>
+            <a:r>
+              <a:rPr lang="en-US" b="0" i="1" dirty="0">
+                <a:solidFill>
+                  <a:srgbClr val="93A1A1"/>
+                </a:solidFill>
+                <a:effectLst/>
+                <a:latin typeface="Consolas" panose="020B0609020204030204" pitchFamily="49" charset="0"/>
+              </a:rPr>
+              <a:t>// instance variables</a:t>
+            </a:r>
+            <a:endParaRPr lang="en-US" b="0" dirty="0">
+              <a:solidFill>
+                <a:srgbClr val="333333"/>
+              </a:solidFill>
+              <a:effectLst/>
+              <a:latin typeface="Consolas" panose="020B0609020204030204" pitchFamily="49" charset="0"/>
+            </a:endParaRPr>
+          </a:p>
+          <a:p>
+            <a:r>
+              <a:rPr lang="en-US" b="0" dirty="0">
+                <a:solidFill>
+                  <a:srgbClr val="333333"/>
+                </a:solidFill>
+                <a:effectLst/>
+                <a:latin typeface="Consolas" panose="020B0609020204030204" pitchFamily="49" charset="0"/>
+              </a:rPr>
+              <a:t>    </a:t>
+            </a:r>
+            <a:r>
+              <a:rPr lang="en-US" b="1" dirty="0">
+                <a:solidFill>
+                  <a:srgbClr val="073642"/>
+                </a:solidFill>
+                <a:effectLst/>
+                <a:latin typeface="Consolas" panose="020B0609020204030204" pitchFamily="49" charset="0"/>
+              </a:rPr>
+              <a:t>int</a:t>
+            </a:r>
+            <a:r>
+              <a:rPr lang="en-US" b="0" dirty="0">
+                <a:solidFill>
+                  <a:srgbClr val="333333"/>
+                </a:solidFill>
+                <a:effectLst/>
+                <a:latin typeface="Consolas" panose="020B0609020204030204" pitchFamily="49" charset="0"/>
+              </a:rPr>
+              <a:t> </a:t>
+            </a:r>
+            <a:r>
+              <a:rPr lang="en-US" b="0" dirty="0">
+                <a:solidFill>
+                  <a:srgbClr val="268BD2"/>
+                </a:solidFill>
+                <a:effectLst/>
+                <a:latin typeface="Consolas" panose="020B0609020204030204" pitchFamily="49" charset="0"/>
+              </a:rPr>
+              <a:t>length</a:t>
+            </a:r>
+            <a:r>
+              <a:rPr lang="en-US" b="0" dirty="0">
+                <a:solidFill>
+                  <a:srgbClr val="333333"/>
+                </a:solidFill>
+                <a:effectLst/>
+                <a:latin typeface="Consolas" panose="020B0609020204030204" pitchFamily="49" charset="0"/>
+              </a:rPr>
+              <a:t> </a:t>
+            </a:r>
+            <a:r>
+              <a:rPr lang="en-US" b="0" dirty="0">
+                <a:solidFill>
+                  <a:srgbClr val="859900"/>
+                </a:solidFill>
+                <a:effectLst/>
+                <a:latin typeface="Consolas" panose="020B0609020204030204" pitchFamily="49" charset="0"/>
+              </a:rPr>
+              <a:t>=</a:t>
+            </a:r>
+            <a:r>
+              <a:rPr lang="en-US" b="0" dirty="0">
+                <a:solidFill>
+                  <a:srgbClr val="333333"/>
+                </a:solidFill>
+                <a:effectLst/>
+                <a:latin typeface="Consolas" panose="020B0609020204030204" pitchFamily="49" charset="0"/>
+              </a:rPr>
+              <a:t> </a:t>
+            </a:r>
+            <a:r>
+              <a:rPr lang="en-US" b="0" dirty="0">
+                <a:solidFill>
+                  <a:srgbClr val="D33682"/>
+                </a:solidFill>
+                <a:effectLst/>
+                <a:latin typeface="Consolas" panose="020B0609020204030204" pitchFamily="49" charset="0"/>
+              </a:rPr>
+              <a:t>0</a:t>
+            </a:r>
+            <a:r>
+              <a:rPr lang="en-US" b="0" dirty="0">
+                <a:solidFill>
+                  <a:srgbClr val="333333"/>
+                </a:solidFill>
+                <a:effectLst/>
+                <a:latin typeface="Consolas" panose="020B0609020204030204" pitchFamily="49" charset="0"/>
+              </a:rPr>
+              <a:t>;</a:t>
+            </a:r>
+          </a:p>
+          <a:p>
+            <a:br>
+              <a:rPr lang="en-US" b="0" dirty="0">
+                <a:solidFill>
+                  <a:srgbClr val="333333"/>
+                </a:solidFill>
+                <a:effectLst/>
+                <a:latin typeface="Consolas" panose="020B0609020204030204" pitchFamily="49" charset="0"/>
+              </a:rPr>
+            </a:br>
+            <a:r>
+              <a:rPr lang="en-US" b="0" dirty="0">
+                <a:solidFill>
+                  <a:srgbClr val="333333"/>
+                </a:solidFill>
+                <a:effectLst/>
+                <a:latin typeface="Consolas" panose="020B0609020204030204" pitchFamily="49" charset="0"/>
+              </a:rPr>
+              <a:t>    </a:t>
+            </a:r>
+            <a:r>
+              <a:rPr lang="en-US" b="1" dirty="0">
+                <a:solidFill>
+                  <a:srgbClr val="073642"/>
+                </a:solidFill>
+                <a:effectLst/>
+                <a:latin typeface="Consolas" panose="020B0609020204030204" pitchFamily="49" charset="0"/>
+              </a:rPr>
+              <a:t>public</a:t>
+            </a:r>
+            <a:r>
+              <a:rPr lang="en-US" b="0" dirty="0">
+                <a:solidFill>
+                  <a:srgbClr val="333333"/>
+                </a:solidFill>
+                <a:effectLst/>
+                <a:latin typeface="Consolas" panose="020B0609020204030204" pitchFamily="49" charset="0"/>
+              </a:rPr>
+              <a:t> </a:t>
+            </a:r>
+            <a:r>
+              <a:rPr lang="en-US" b="1" dirty="0">
+                <a:solidFill>
+                  <a:srgbClr val="073642"/>
+                </a:solidFill>
+                <a:effectLst/>
+                <a:latin typeface="Consolas" panose="020B0609020204030204" pitchFamily="49" charset="0"/>
+              </a:rPr>
+              <a:t>void</a:t>
+            </a:r>
+            <a:r>
+              <a:rPr lang="en-US" b="0" dirty="0">
+                <a:solidFill>
+                  <a:srgbClr val="333333"/>
+                </a:solidFill>
+                <a:effectLst/>
+                <a:latin typeface="Consolas" panose="020B0609020204030204" pitchFamily="49" charset="0"/>
+              </a:rPr>
+              <a:t> </a:t>
+            </a:r>
+            <a:r>
+              <a:rPr lang="en-US" b="0" dirty="0" err="1">
+                <a:solidFill>
+                  <a:srgbClr val="268BD2"/>
+                </a:solidFill>
+                <a:effectLst/>
+                <a:latin typeface="Consolas" panose="020B0609020204030204" pitchFamily="49" charset="0"/>
+              </a:rPr>
+              <a:t>setLength</a:t>
+            </a:r>
+            <a:r>
+              <a:rPr lang="en-US" b="0" dirty="0">
+                <a:solidFill>
+                  <a:srgbClr val="333333"/>
+                </a:solidFill>
+                <a:effectLst/>
+                <a:latin typeface="Consolas" panose="020B0609020204030204" pitchFamily="49" charset="0"/>
+              </a:rPr>
+              <a:t>(</a:t>
+            </a:r>
+            <a:r>
+              <a:rPr lang="en-US" b="1" dirty="0">
+                <a:solidFill>
+                  <a:srgbClr val="073642"/>
+                </a:solidFill>
+                <a:effectLst/>
+                <a:latin typeface="Consolas" panose="020B0609020204030204" pitchFamily="49" charset="0"/>
+              </a:rPr>
+              <a:t>int</a:t>
+            </a:r>
+            <a:r>
+              <a:rPr lang="en-US" b="0" dirty="0">
+                <a:solidFill>
+                  <a:srgbClr val="333333"/>
+                </a:solidFill>
+                <a:effectLst/>
+                <a:latin typeface="Consolas" panose="020B0609020204030204" pitchFamily="49" charset="0"/>
+              </a:rPr>
+              <a:t> length) { </a:t>
+            </a:r>
+          </a:p>
+          <a:p>
+            <a:r>
+              <a:rPr lang="en-US" b="0" dirty="0">
+                <a:solidFill>
+                  <a:srgbClr val="333333"/>
+                </a:solidFill>
+                <a:effectLst/>
+                <a:latin typeface="Consolas" panose="020B0609020204030204" pitchFamily="49" charset="0"/>
+              </a:rPr>
+              <a:t>        </a:t>
+            </a:r>
+            <a:r>
+              <a:rPr lang="en-US" b="0" dirty="0" err="1">
+                <a:solidFill>
+                  <a:srgbClr val="268BD2"/>
+                </a:solidFill>
+                <a:effectLst/>
+                <a:latin typeface="Consolas" panose="020B0609020204030204" pitchFamily="49" charset="0"/>
+              </a:rPr>
+              <a:t>this</a:t>
+            </a:r>
+            <a:r>
+              <a:rPr lang="en-US" b="0" dirty="0" err="1">
+                <a:solidFill>
+                  <a:srgbClr val="333333"/>
+                </a:solidFill>
+                <a:effectLst/>
+                <a:latin typeface="Consolas" panose="020B0609020204030204" pitchFamily="49" charset="0"/>
+              </a:rPr>
+              <a:t>.</a:t>
+            </a:r>
+            <a:r>
+              <a:rPr lang="en-US" b="0" dirty="0" err="1">
+                <a:solidFill>
+                  <a:srgbClr val="268BD2"/>
+                </a:solidFill>
+                <a:effectLst/>
+                <a:latin typeface="Consolas" panose="020B0609020204030204" pitchFamily="49" charset="0"/>
+              </a:rPr>
+              <a:t>length</a:t>
+            </a:r>
+            <a:r>
+              <a:rPr lang="en-US" b="0" dirty="0">
+                <a:solidFill>
+                  <a:srgbClr val="333333"/>
+                </a:solidFill>
+                <a:effectLst/>
+                <a:latin typeface="Consolas" panose="020B0609020204030204" pitchFamily="49" charset="0"/>
+              </a:rPr>
+              <a:t> </a:t>
+            </a:r>
+            <a:r>
+              <a:rPr lang="en-US" b="0" dirty="0">
+                <a:solidFill>
+                  <a:srgbClr val="859900"/>
+                </a:solidFill>
+                <a:effectLst/>
+                <a:latin typeface="Consolas" panose="020B0609020204030204" pitchFamily="49" charset="0"/>
+              </a:rPr>
+              <a:t>=</a:t>
+            </a:r>
+            <a:r>
+              <a:rPr lang="en-US" b="0" dirty="0">
+                <a:solidFill>
+                  <a:srgbClr val="333333"/>
+                </a:solidFill>
+                <a:effectLst/>
+                <a:latin typeface="Consolas" panose="020B0609020204030204" pitchFamily="49" charset="0"/>
+              </a:rPr>
+              <a:t> length; </a:t>
+            </a:r>
+          </a:p>
+          <a:p>
+            <a:r>
+              <a:rPr lang="en-US" b="0" dirty="0">
+                <a:solidFill>
+                  <a:srgbClr val="333333"/>
+                </a:solidFill>
+                <a:effectLst/>
+                <a:latin typeface="Consolas" panose="020B0609020204030204" pitchFamily="49" charset="0"/>
+              </a:rPr>
+              <a:t>    }</a:t>
+            </a:r>
+          </a:p>
+          <a:p>
+            <a:br>
+              <a:rPr lang="en-US" b="0" dirty="0">
+                <a:solidFill>
+                  <a:srgbClr val="333333"/>
+                </a:solidFill>
+                <a:effectLst/>
+                <a:latin typeface="Consolas" panose="020B0609020204030204" pitchFamily="49" charset="0"/>
+              </a:rPr>
+            </a:br>
+            <a:r>
+              <a:rPr lang="en-US" b="0" dirty="0">
+                <a:solidFill>
+                  <a:srgbClr val="333333"/>
+                </a:solidFill>
+                <a:effectLst/>
+                <a:latin typeface="Consolas" panose="020B0609020204030204" pitchFamily="49" charset="0"/>
+              </a:rPr>
+              <a:t>    </a:t>
+            </a:r>
+            <a:r>
+              <a:rPr lang="en-US" b="1" dirty="0">
+                <a:solidFill>
+                  <a:srgbClr val="073642"/>
+                </a:solidFill>
+                <a:effectLst/>
+                <a:latin typeface="Consolas" panose="020B0609020204030204" pitchFamily="49" charset="0"/>
+              </a:rPr>
+              <a:t>public</a:t>
+            </a:r>
+            <a:r>
+              <a:rPr lang="en-US" b="0" dirty="0">
+                <a:solidFill>
+                  <a:srgbClr val="333333"/>
+                </a:solidFill>
+                <a:effectLst/>
+                <a:latin typeface="Consolas" panose="020B0609020204030204" pitchFamily="49" charset="0"/>
+              </a:rPr>
+              <a:t> </a:t>
+            </a:r>
+            <a:r>
+              <a:rPr lang="en-US" b="1" dirty="0">
+                <a:solidFill>
+                  <a:srgbClr val="073642"/>
+                </a:solidFill>
+                <a:effectLst/>
+                <a:latin typeface="Consolas" panose="020B0609020204030204" pitchFamily="49" charset="0"/>
+              </a:rPr>
+              <a:t>void</a:t>
+            </a:r>
+            <a:r>
+              <a:rPr lang="en-US" b="0" dirty="0">
+                <a:solidFill>
+                  <a:srgbClr val="333333"/>
+                </a:solidFill>
+                <a:effectLst/>
+                <a:latin typeface="Consolas" panose="020B0609020204030204" pitchFamily="49" charset="0"/>
+              </a:rPr>
+              <a:t> </a:t>
+            </a:r>
+            <a:r>
+              <a:rPr lang="en-US" b="0" dirty="0" err="1">
+                <a:solidFill>
+                  <a:srgbClr val="268BD2"/>
+                </a:solidFill>
+                <a:effectLst/>
+                <a:latin typeface="Consolas" panose="020B0609020204030204" pitchFamily="49" charset="0"/>
+              </a:rPr>
+              <a:t>setWidth</a:t>
+            </a:r>
+            <a:r>
+              <a:rPr lang="en-US" b="0" dirty="0">
+                <a:solidFill>
+                  <a:srgbClr val="333333"/>
+                </a:solidFill>
+                <a:effectLst/>
+                <a:latin typeface="Consolas" panose="020B0609020204030204" pitchFamily="49" charset="0"/>
+              </a:rPr>
+              <a:t>(</a:t>
+            </a:r>
+            <a:r>
+              <a:rPr lang="en-US" b="1" dirty="0">
+                <a:solidFill>
+                  <a:srgbClr val="073642"/>
+                </a:solidFill>
+                <a:effectLst/>
+                <a:latin typeface="Consolas" panose="020B0609020204030204" pitchFamily="49" charset="0"/>
+              </a:rPr>
+              <a:t>int</a:t>
+            </a:r>
+            <a:r>
+              <a:rPr lang="en-US" b="0" dirty="0">
+                <a:solidFill>
+                  <a:srgbClr val="333333"/>
+                </a:solidFill>
+                <a:effectLst/>
+                <a:latin typeface="Consolas" panose="020B0609020204030204" pitchFamily="49" charset="0"/>
+              </a:rPr>
+              <a:t> w) { </a:t>
+            </a:r>
+          </a:p>
+          <a:p>
+            <a:r>
+              <a:rPr lang="en-US" b="0" dirty="0">
+                <a:solidFill>
+                  <a:srgbClr val="333333"/>
+                </a:solidFill>
+                <a:effectLst/>
+                <a:latin typeface="Consolas" panose="020B0609020204030204" pitchFamily="49" charset="0"/>
+              </a:rPr>
+              <a:t>        </a:t>
+            </a:r>
+            <a:r>
+              <a:rPr lang="en-US" b="0" dirty="0">
+                <a:solidFill>
+                  <a:srgbClr val="268BD2"/>
+                </a:solidFill>
+                <a:effectLst/>
+                <a:latin typeface="Consolas" panose="020B0609020204030204" pitchFamily="49" charset="0"/>
+              </a:rPr>
+              <a:t>width</a:t>
+            </a:r>
+            <a:r>
+              <a:rPr lang="en-US" b="0" dirty="0">
+                <a:solidFill>
+                  <a:srgbClr val="333333"/>
+                </a:solidFill>
+                <a:effectLst/>
+                <a:latin typeface="Consolas" panose="020B0609020204030204" pitchFamily="49" charset="0"/>
+              </a:rPr>
+              <a:t> </a:t>
+            </a:r>
+            <a:r>
+              <a:rPr lang="en-US" b="0" dirty="0">
+                <a:solidFill>
+                  <a:srgbClr val="859900"/>
+                </a:solidFill>
+                <a:effectLst/>
+                <a:latin typeface="Consolas" panose="020B0609020204030204" pitchFamily="49" charset="0"/>
+              </a:rPr>
+              <a:t>=</a:t>
+            </a:r>
+            <a:r>
+              <a:rPr lang="en-US" b="0" dirty="0">
+                <a:solidFill>
+                  <a:srgbClr val="333333"/>
+                </a:solidFill>
+                <a:effectLst/>
+                <a:latin typeface="Consolas" panose="020B0609020204030204" pitchFamily="49" charset="0"/>
+              </a:rPr>
+              <a:t> w; </a:t>
+            </a:r>
+          </a:p>
+          <a:p>
+            <a:r>
+              <a:rPr lang="en-US" b="0" dirty="0">
+                <a:solidFill>
+                  <a:srgbClr val="333333"/>
+                </a:solidFill>
+                <a:effectLst/>
+                <a:latin typeface="Consolas" panose="020B0609020204030204" pitchFamily="49" charset="0"/>
+              </a:rPr>
+              <a:t>    }</a:t>
+            </a:r>
+          </a:p>
+          <a:p>
+            <a:br>
+              <a:rPr lang="en-US" b="0" dirty="0">
+                <a:solidFill>
+                  <a:srgbClr val="333333"/>
+                </a:solidFill>
+                <a:effectLst/>
+                <a:latin typeface="Consolas" panose="020B0609020204030204" pitchFamily="49" charset="0"/>
+              </a:rPr>
+            </a:br>
+            <a:r>
+              <a:rPr lang="en-US" b="0" dirty="0">
+                <a:solidFill>
+                  <a:srgbClr val="333333"/>
+                </a:solidFill>
+                <a:effectLst/>
+                <a:latin typeface="Consolas" panose="020B0609020204030204" pitchFamily="49" charset="0"/>
+              </a:rPr>
+              <a:t>    </a:t>
+            </a:r>
+            <a:r>
+              <a:rPr lang="en-US" b="1" dirty="0">
+                <a:solidFill>
+                  <a:srgbClr val="073642"/>
+                </a:solidFill>
+                <a:effectLst/>
+                <a:latin typeface="Consolas" panose="020B0609020204030204" pitchFamily="49" charset="0"/>
+              </a:rPr>
+              <a:t>public</a:t>
+            </a:r>
+            <a:r>
+              <a:rPr lang="en-US" b="0" dirty="0">
+                <a:solidFill>
+                  <a:srgbClr val="333333"/>
+                </a:solidFill>
+                <a:effectLst/>
+                <a:latin typeface="Consolas" panose="020B0609020204030204" pitchFamily="49" charset="0"/>
+              </a:rPr>
+              <a:t> </a:t>
+            </a:r>
+            <a:r>
+              <a:rPr lang="en-US" b="1" dirty="0">
+                <a:solidFill>
+                  <a:srgbClr val="073642"/>
+                </a:solidFill>
+                <a:effectLst/>
+                <a:latin typeface="Consolas" panose="020B0609020204030204" pitchFamily="49" charset="0"/>
+              </a:rPr>
+              <a:t>int</a:t>
+            </a:r>
+            <a:r>
+              <a:rPr lang="en-US" b="0" dirty="0">
+                <a:solidFill>
+                  <a:srgbClr val="333333"/>
+                </a:solidFill>
+                <a:effectLst/>
+                <a:latin typeface="Consolas" panose="020B0609020204030204" pitchFamily="49" charset="0"/>
+              </a:rPr>
+              <a:t> </a:t>
+            </a:r>
+            <a:r>
+              <a:rPr lang="en-US" b="0" dirty="0" err="1">
+                <a:solidFill>
+                  <a:srgbClr val="268BD2"/>
+                </a:solidFill>
+                <a:effectLst/>
+                <a:latin typeface="Consolas" panose="020B0609020204030204" pitchFamily="49" charset="0"/>
+              </a:rPr>
+              <a:t>getArea</a:t>
+            </a:r>
+            <a:r>
+              <a:rPr lang="en-US" b="0" dirty="0">
+                <a:solidFill>
+                  <a:srgbClr val="333333"/>
+                </a:solidFill>
+                <a:effectLst/>
+                <a:latin typeface="Consolas" panose="020B0609020204030204" pitchFamily="49" charset="0"/>
+              </a:rPr>
+              <a:t>() { </a:t>
+            </a:r>
+          </a:p>
+          <a:p>
+            <a:r>
+              <a:rPr lang="en-US" b="0" dirty="0">
+                <a:solidFill>
+                  <a:srgbClr val="333333"/>
+                </a:solidFill>
+                <a:effectLst/>
+                <a:latin typeface="Consolas" panose="020B0609020204030204" pitchFamily="49" charset="0"/>
+              </a:rPr>
+              <a:t>        </a:t>
+            </a:r>
+            <a:r>
+              <a:rPr lang="en-US" b="0" dirty="0">
+                <a:solidFill>
+                  <a:srgbClr val="859900"/>
+                </a:solidFill>
+                <a:effectLst/>
+                <a:latin typeface="Consolas" panose="020B0609020204030204" pitchFamily="49" charset="0"/>
+              </a:rPr>
+              <a:t>return</a:t>
+            </a:r>
+            <a:r>
+              <a:rPr lang="en-US" b="0" dirty="0">
+                <a:solidFill>
+                  <a:srgbClr val="333333"/>
+                </a:solidFill>
+                <a:effectLst/>
+                <a:latin typeface="Consolas" panose="020B0609020204030204" pitchFamily="49" charset="0"/>
+              </a:rPr>
+              <a:t> </a:t>
+            </a:r>
+            <a:r>
+              <a:rPr lang="en-US" b="0" dirty="0">
+                <a:solidFill>
+                  <a:srgbClr val="268BD2"/>
+                </a:solidFill>
+                <a:effectLst/>
+                <a:latin typeface="Consolas" panose="020B0609020204030204" pitchFamily="49" charset="0"/>
+              </a:rPr>
+              <a:t>width</a:t>
+            </a:r>
+            <a:r>
+              <a:rPr lang="en-US" b="0" dirty="0">
+                <a:solidFill>
+                  <a:srgbClr val="333333"/>
+                </a:solidFill>
+                <a:effectLst/>
+                <a:latin typeface="Consolas" panose="020B0609020204030204" pitchFamily="49" charset="0"/>
+              </a:rPr>
+              <a:t> </a:t>
+            </a:r>
+            <a:r>
+              <a:rPr lang="en-US" b="0" dirty="0">
+                <a:solidFill>
+                  <a:srgbClr val="859900"/>
+                </a:solidFill>
+                <a:effectLst/>
+                <a:latin typeface="Consolas" panose="020B0609020204030204" pitchFamily="49" charset="0"/>
+              </a:rPr>
+              <a:t>*</a:t>
+            </a:r>
+            <a:r>
+              <a:rPr lang="en-US" b="0" dirty="0">
+                <a:solidFill>
+                  <a:srgbClr val="333333"/>
+                </a:solidFill>
+                <a:effectLst/>
+                <a:latin typeface="Consolas" panose="020B0609020204030204" pitchFamily="49" charset="0"/>
+              </a:rPr>
+              <a:t> </a:t>
+            </a:r>
+            <a:r>
+              <a:rPr lang="en-US" b="0" dirty="0">
+                <a:solidFill>
+                  <a:srgbClr val="268BD2"/>
+                </a:solidFill>
+                <a:effectLst/>
+                <a:latin typeface="Consolas" panose="020B0609020204030204" pitchFamily="49" charset="0"/>
+              </a:rPr>
+              <a:t>length</a:t>
+            </a:r>
+            <a:r>
+              <a:rPr lang="en-US" b="0" dirty="0">
+                <a:solidFill>
+                  <a:srgbClr val="333333"/>
+                </a:solidFill>
+                <a:effectLst/>
+                <a:latin typeface="Consolas" panose="020B0609020204030204" pitchFamily="49" charset="0"/>
+              </a:rPr>
+              <a:t>; </a:t>
+            </a:r>
+          </a:p>
+          <a:p>
+            <a:r>
+              <a:rPr lang="en-US" b="0" dirty="0">
+                <a:solidFill>
+                  <a:srgbClr val="333333"/>
+                </a:solidFill>
+                <a:effectLst/>
+                <a:latin typeface="Consolas" panose="020B0609020204030204" pitchFamily="49" charset="0"/>
+              </a:rPr>
+              <a:t>    }</a:t>
+            </a:r>
+            <a:br>
+              <a:rPr lang="en-US" b="0" dirty="0">
+                <a:solidFill>
+                  <a:srgbClr val="333333"/>
+                </a:solidFill>
+                <a:effectLst/>
+                <a:latin typeface="Consolas" panose="020B0609020204030204" pitchFamily="49" charset="0"/>
+              </a:rPr>
+            </a:br>
+            <a:r>
+              <a:rPr lang="en-US" b="0" dirty="0">
+                <a:solidFill>
+                  <a:srgbClr val="333333"/>
+                </a:solidFill>
+                <a:effectLst/>
+                <a:latin typeface="Consolas" panose="020B0609020204030204" pitchFamily="49" charset="0"/>
+              </a:rPr>
+              <a:t>}</a:t>
             </a:r>
           </a:p>
         </p:txBody>
@@ -10185,7 +11383,7 @@
     </p:spTree>
     <p:extLst>
       <p:ext uri="{BB962C8B-B14F-4D97-AF65-F5344CB8AC3E}">
-        <p14:creationId xmlns:p14="http://schemas.microsoft.com/office/powerpoint/2010/main" val="4006146540"/>
+        <p14:creationId xmlns:p14="http://schemas.microsoft.com/office/powerpoint/2010/main" val="3185395107"/>
       </p:ext>
     </p:extLst>
   </p:cSld>
@@ -10204,6 +11402,2159 @@
       </p:transition>
     </mc:Fallback>
   </mc:AlternateContent>
+</p:sld>
+</file>
+
+<file path=ppt/slides/slide6.xml><?xml version="1.0" encoding="utf-8"?>
+<p:sld xmlns:a="http://schemas.openxmlformats.org/drawingml/2006/main" xmlns:r="http://schemas.openxmlformats.org/officeDocument/2006/relationships" xmlns:p="http://schemas.openxmlformats.org/presentationml/2006/main">
+  <p:cSld>
+    <p:spTree>
+      <p:nvGrpSpPr>
+        <p:cNvPr id="1" name=""/>
+        <p:cNvGrpSpPr/>
+        <p:nvPr/>
+      </p:nvGrpSpPr>
+      <p:grpSpPr>
+        <a:xfrm>
+          <a:off x="0" y="0"/>
+          <a:ext cx="0" cy="0"/>
+          <a:chOff x="0" y="0"/>
+          <a:chExt cx="0" cy="0"/>
+        </a:xfrm>
+      </p:grpSpPr>
+      <p:sp>
+        <p:nvSpPr>
+          <p:cNvPr id="2" name="Title 1">
+            <a:extLst>
+              <a:ext uri="{FF2B5EF4-FFF2-40B4-BE49-F238E27FC236}">
+                <a16:creationId xmlns:a16="http://schemas.microsoft.com/office/drawing/2014/main" id="{0E5317D0-8437-42FD-8E0A-4BE6D023B1A9}"/>
+              </a:ext>
+            </a:extLst>
+          </p:cNvPr>
+          <p:cNvSpPr>
+            <a:spLocks noGrp="1"/>
+          </p:cNvSpPr>
+          <p:nvPr>
+            <p:ph type="title"/>
+          </p:nvPr>
+        </p:nvSpPr>
+        <p:spPr/>
+        <p:txBody>
+          <a:bodyPr/>
+          <a:lstStyle/>
+          <a:p>
+            <a:r>
+              <a:rPr lang="en-US" dirty="0"/>
+              <a:t>Instance Methods</a:t>
+            </a:r>
+          </a:p>
+        </p:txBody>
+      </p:sp>
+      <p:sp>
+        <p:nvSpPr>
+          <p:cNvPr id="3" name="Text Placeholder 2">
+            <a:extLst>
+              <a:ext uri="{FF2B5EF4-FFF2-40B4-BE49-F238E27FC236}">
+                <a16:creationId xmlns:a16="http://schemas.microsoft.com/office/drawing/2014/main" id="{14237AF4-3B21-4B2F-B753-133D4422F560}"/>
+              </a:ext>
+            </a:extLst>
+          </p:cNvPr>
+          <p:cNvSpPr>
+            <a:spLocks noGrp="1"/>
+          </p:cNvSpPr>
+          <p:nvPr>
+            <p:ph type="body" sz="quarter" idx="10"/>
+          </p:nvPr>
+        </p:nvSpPr>
+        <p:spPr>
+          <a:xfrm>
+            <a:off x="7450112" y="1980398"/>
+            <a:ext cx="5544544" cy="2461251"/>
+          </a:xfrm>
+        </p:spPr>
+        <p:txBody>
+          <a:bodyPr/>
+          <a:lstStyle/>
+          <a:p>
+            <a:r>
+              <a:rPr lang="en-US" dirty="0"/>
+              <a:t>static methods</a:t>
+            </a:r>
+          </a:p>
+          <a:p>
+            <a:pPr lvl="1"/>
+            <a:r>
+              <a:rPr lang="en-US" dirty="0"/>
+              <a:t>Shared / often Self contained (remember </a:t>
+            </a:r>
+            <a:r>
+              <a:rPr lang="en-US" b="1" dirty="0"/>
+              <a:t>S</a:t>
+            </a:r>
+            <a:r>
+              <a:rPr lang="en-US" dirty="0"/>
+              <a:t>)</a:t>
+            </a:r>
+          </a:p>
+          <a:p>
+            <a:r>
+              <a:rPr lang="en-US" dirty="0"/>
+              <a:t>instance methods</a:t>
+            </a:r>
+          </a:p>
+          <a:p>
+            <a:pPr lvl="1"/>
+            <a:r>
+              <a:rPr lang="en-US" dirty="0"/>
+              <a:t>Need to access instance variables</a:t>
+            </a:r>
+          </a:p>
+          <a:p>
+            <a:pPr lvl="1"/>
+            <a:r>
+              <a:rPr lang="en-US" dirty="0"/>
+              <a:t>Uses the data in the object</a:t>
+            </a:r>
+          </a:p>
+          <a:p>
+            <a:pPr lvl="2"/>
+            <a:r>
+              <a:rPr lang="en-US" dirty="0"/>
+              <a:t>Unique to that instance</a:t>
+            </a:r>
+          </a:p>
+        </p:txBody>
+      </p:sp>
+      <p:sp>
+        <p:nvSpPr>
+          <p:cNvPr id="5" name="TextBox 4">
+            <a:extLst>
+              <a:ext uri="{FF2B5EF4-FFF2-40B4-BE49-F238E27FC236}">
+                <a16:creationId xmlns:a16="http://schemas.microsoft.com/office/drawing/2014/main" id="{31DD1620-25D5-4DDC-B58F-925127A96CE3}"/>
+              </a:ext>
+            </a:extLst>
+          </p:cNvPr>
+          <p:cNvSpPr txBox="1"/>
+          <p:nvPr/>
+        </p:nvSpPr>
+        <p:spPr>
+          <a:xfrm>
+            <a:off x="142407" y="2147022"/>
+            <a:ext cx="6910464" cy="3785652"/>
+          </a:xfrm>
+          <a:prstGeom prst="rect">
+            <a:avLst/>
+          </a:prstGeom>
+          <a:noFill/>
+        </p:spPr>
+        <p:txBody>
+          <a:bodyPr wrap="square">
+            <a:spAutoFit/>
+          </a:bodyPr>
+          <a:lstStyle/>
+          <a:p>
+            <a:r>
+              <a:rPr lang="en-US" b="0" dirty="0">
+                <a:solidFill>
+                  <a:srgbClr val="333333"/>
+                </a:solidFill>
+                <a:effectLst/>
+                <a:latin typeface="Consolas" panose="020B0609020204030204" pitchFamily="49" charset="0"/>
+              </a:rPr>
+              <a:t>    </a:t>
+            </a:r>
+            <a:r>
+              <a:rPr lang="en-US" b="1" dirty="0">
+                <a:solidFill>
+                  <a:srgbClr val="073642"/>
+                </a:solidFill>
+                <a:effectLst/>
+                <a:latin typeface="Consolas" panose="020B0609020204030204" pitchFamily="49" charset="0"/>
+              </a:rPr>
+              <a:t>public</a:t>
+            </a:r>
+            <a:r>
+              <a:rPr lang="en-US" b="0" dirty="0">
+                <a:solidFill>
+                  <a:srgbClr val="333333"/>
+                </a:solidFill>
+                <a:effectLst/>
+                <a:latin typeface="Consolas" panose="020B0609020204030204" pitchFamily="49" charset="0"/>
+              </a:rPr>
+              <a:t> </a:t>
+            </a:r>
+            <a:r>
+              <a:rPr lang="en-US" b="1" dirty="0">
+                <a:solidFill>
+                  <a:srgbClr val="073642"/>
+                </a:solidFill>
+                <a:effectLst/>
+                <a:latin typeface="Consolas" panose="020B0609020204030204" pitchFamily="49" charset="0"/>
+              </a:rPr>
+              <a:t>void</a:t>
+            </a:r>
+            <a:r>
+              <a:rPr lang="en-US" b="0" dirty="0">
+                <a:solidFill>
+                  <a:srgbClr val="333333"/>
+                </a:solidFill>
+                <a:effectLst/>
+                <a:latin typeface="Consolas" panose="020B0609020204030204" pitchFamily="49" charset="0"/>
+              </a:rPr>
+              <a:t> </a:t>
+            </a:r>
+            <a:r>
+              <a:rPr lang="en-US" b="0" dirty="0" err="1">
+                <a:solidFill>
+                  <a:srgbClr val="268BD2"/>
+                </a:solidFill>
+                <a:effectLst/>
+                <a:latin typeface="Consolas" panose="020B0609020204030204" pitchFamily="49" charset="0"/>
+              </a:rPr>
+              <a:t>setLength</a:t>
+            </a:r>
+            <a:r>
+              <a:rPr lang="en-US" b="0" dirty="0">
+                <a:solidFill>
+                  <a:srgbClr val="333333"/>
+                </a:solidFill>
+                <a:effectLst/>
+                <a:latin typeface="Consolas" panose="020B0609020204030204" pitchFamily="49" charset="0"/>
+              </a:rPr>
+              <a:t>(</a:t>
+            </a:r>
+            <a:r>
+              <a:rPr lang="en-US" b="1" dirty="0">
+                <a:solidFill>
+                  <a:srgbClr val="073642"/>
+                </a:solidFill>
+                <a:effectLst/>
+                <a:latin typeface="Consolas" panose="020B0609020204030204" pitchFamily="49" charset="0"/>
+              </a:rPr>
+              <a:t>int</a:t>
+            </a:r>
+            <a:r>
+              <a:rPr lang="en-US" b="0" dirty="0">
+                <a:solidFill>
+                  <a:srgbClr val="333333"/>
+                </a:solidFill>
+                <a:effectLst/>
+                <a:latin typeface="Consolas" panose="020B0609020204030204" pitchFamily="49" charset="0"/>
+              </a:rPr>
+              <a:t> length) { </a:t>
+            </a:r>
+          </a:p>
+          <a:p>
+            <a:r>
+              <a:rPr lang="en-US" b="0" dirty="0">
+                <a:solidFill>
+                  <a:srgbClr val="333333"/>
+                </a:solidFill>
+                <a:effectLst/>
+                <a:latin typeface="Consolas" panose="020B0609020204030204" pitchFamily="49" charset="0"/>
+              </a:rPr>
+              <a:t>        </a:t>
+            </a:r>
+            <a:r>
+              <a:rPr lang="en-US" b="0" dirty="0" err="1">
+                <a:solidFill>
+                  <a:srgbClr val="268BD2"/>
+                </a:solidFill>
+                <a:effectLst/>
+                <a:latin typeface="Consolas" panose="020B0609020204030204" pitchFamily="49" charset="0"/>
+              </a:rPr>
+              <a:t>this</a:t>
+            </a:r>
+            <a:r>
+              <a:rPr lang="en-US" b="0" dirty="0" err="1">
+                <a:solidFill>
+                  <a:srgbClr val="333333"/>
+                </a:solidFill>
+                <a:effectLst/>
+                <a:latin typeface="Consolas" panose="020B0609020204030204" pitchFamily="49" charset="0"/>
+              </a:rPr>
+              <a:t>.</a:t>
+            </a:r>
+            <a:r>
+              <a:rPr lang="en-US" b="0" dirty="0" err="1">
+                <a:solidFill>
+                  <a:srgbClr val="268BD2"/>
+                </a:solidFill>
+                <a:effectLst/>
+                <a:latin typeface="Consolas" panose="020B0609020204030204" pitchFamily="49" charset="0"/>
+              </a:rPr>
+              <a:t>length</a:t>
+            </a:r>
+            <a:r>
+              <a:rPr lang="en-US" b="0" dirty="0">
+                <a:solidFill>
+                  <a:srgbClr val="333333"/>
+                </a:solidFill>
+                <a:effectLst/>
+                <a:latin typeface="Consolas" panose="020B0609020204030204" pitchFamily="49" charset="0"/>
+              </a:rPr>
+              <a:t> </a:t>
+            </a:r>
+            <a:r>
+              <a:rPr lang="en-US" b="0" dirty="0">
+                <a:solidFill>
+                  <a:srgbClr val="859900"/>
+                </a:solidFill>
+                <a:effectLst/>
+                <a:latin typeface="Consolas" panose="020B0609020204030204" pitchFamily="49" charset="0"/>
+              </a:rPr>
+              <a:t>=</a:t>
+            </a:r>
+            <a:r>
+              <a:rPr lang="en-US" b="0" dirty="0">
+                <a:solidFill>
+                  <a:srgbClr val="333333"/>
+                </a:solidFill>
+                <a:effectLst/>
+                <a:latin typeface="Consolas" panose="020B0609020204030204" pitchFamily="49" charset="0"/>
+              </a:rPr>
+              <a:t> length; </a:t>
+            </a:r>
+          </a:p>
+          <a:p>
+            <a:r>
+              <a:rPr lang="en-US" b="0" dirty="0">
+                <a:solidFill>
+                  <a:srgbClr val="333333"/>
+                </a:solidFill>
+                <a:effectLst/>
+                <a:latin typeface="Consolas" panose="020B0609020204030204" pitchFamily="49" charset="0"/>
+              </a:rPr>
+              <a:t>    }</a:t>
+            </a:r>
+          </a:p>
+          <a:p>
+            <a:br>
+              <a:rPr lang="en-US" b="0" dirty="0">
+                <a:solidFill>
+                  <a:srgbClr val="333333"/>
+                </a:solidFill>
+                <a:effectLst/>
+                <a:latin typeface="Consolas" panose="020B0609020204030204" pitchFamily="49" charset="0"/>
+              </a:rPr>
+            </a:br>
+            <a:r>
+              <a:rPr lang="en-US" b="0" dirty="0">
+                <a:solidFill>
+                  <a:srgbClr val="333333"/>
+                </a:solidFill>
+                <a:effectLst/>
+                <a:latin typeface="Consolas" panose="020B0609020204030204" pitchFamily="49" charset="0"/>
+              </a:rPr>
+              <a:t>    </a:t>
+            </a:r>
+            <a:r>
+              <a:rPr lang="en-US" b="1" dirty="0">
+                <a:solidFill>
+                  <a:srgbClr val="073642"/>
+                </a:solidFill>
+                <a:effectLst/>
+                <a:latin typeface="Consolas" panose="020B0609020204030204" pitchFamily="49" charset="0"/>
+              </a:rPr>
+              <a:t>public</a:t>
+            </a:r>
+            <a:r>
+              <a:rPr lang="en-US" b="0" dirty="0">
+                <a:solidFill>
+                  <a:srgbClr val="333333"/>
+                </a:solidFill>
+                <a:effectLst/>
+                <a:latin typeface="Consolas" panose="020B0609020204030204" pitchFamily="49" charset="0"/>
+              </a:rPr>
+              <a:t> </a:t>
+            </a:r>
+            <a:r>
+              <a:rPr lang="en-US" b="1" dirty="0">
+                <a:solidFill>
+                  <a:srgbClr val="073642"/>
+                </a:solidFill>
+                <a:effectLst/>
+                <a:latin typeface="Consolas" panose="020B0609020204030204" pitchFamily="49" charset="0"/>
+              </a:rPr>
+              <a:t>void</a:t>
+            </a:r>
+            <a:r>
+              <a:rPr lang="en-US" b="0" dirty="0">
+                <a:solidFill>
+                  <a:srgbClr val="333333"/>
+                </a:solidFill>
+                <a:effectLst/>
+                <a:latin typeface="Consolas" panose="020B0609020204030204" pitchFamily="49" charset="0"/>
+              </a:rPr>
+              <a:t> </a:t>
+            </a:r>
+            <a:r>
+              <a:rPr lang="en-US" b="0" dirty="0" err="1">
+                <a:solidFill>
+                  <a:srgbClr val="268BD2"/>
+                </a:solidFill>
+                <a:effectLst/>
+                <a:latin typeface="Consolas" panose="020B0609020204030204" pitchFamily="49" charset="0"/>
+              </a:rPr>
+              <a:t>setWidth</a:t>
+            </a:r>
+            <a:r>
+              <a:rPr lang="en-US" b="0" dirty="0">
+                <a:solidFill>
+                  <a:srgbClr val="333333"/>
+                </a:solidFill>
+                <a:effectLst/>
+                <a:latin typeface="Consolas" panose="020B0609020204030204" pitchFamily="49" charset="0"/>
+              </a:rPr>
+              <a:t>(</a:t>
+            </a:r>
+            <a:r>
+              <a:rPr lang="en-US" b="1" dirty="0">
+                <a:solidFill>
+                  <a:srgbClr val="073642"/>
+                </a:solidFill>
+                <a:effectLst/>
+                <a:latin typeface="Consolas" panose="020B0609020204030204" pitchFamily="49" charset="0"/>
+              </a:rPr>
+              <a:t>int</a:t>
+            </a:r>
+            <a:r>
+              <a:rPr lang="en-US" b="0" dirty="0">
+                <a:solidFill>
+                  <a:srgbClr val="333333"/>
+                </a:solidFill>
+                <a:effectLst/>
+                <a:latin typeface="Consolas" panose="020B0609020204030204" pitchFamily="49" charset="0"/>
+              </a:rPr>
+              <a:t> w) { </a:t>
+            </a:r>
+          </a:p>
+          <a:p>
+            <a:r>
+              <a:rPr lang="en-US" b="0" dirty="0">
+                <a:solidFill>
+                  <a:srgbClr val="333333"/>
+                </a:solidFill>
+                <a:effectLst/>
+                <a:latin typeface="Consolas" panose="020B0609020204030204" pitchFamily="49" charset="0"/>
+              </a:rPr>
+              <a:t>        </a:t>
+            </a:r>
+            <a:r>
+              <a:rPr lang="en-US" b="0" dirty="0">
+                <a:solidFill>
+                  <a:srgbClr val="268BD2"/>
+                </a:solidFill>
+                <a:effectLst/>
+                <a:latin typeface="Consolas" panose="020B0609020204030204" pitchFamily="49" charset="0"/>
+              </a:rPr>
+              <a:t>width</a:t>
+            </a:r>
+            <a:r>
+              <a:rPr lang="en-US" b="0" dirty="0">
+                <a:solidFill>
+                  <a:srgbClr val="333333"/>
+                </a:solidFill>
+                <a:effectLst/>
+                <a:latin typeface="Consolas" panose="020B0609020204030204" pitchFamily="49" charset="0"/>
+              </a:rPr>
+              <a:t> </a:t>
+            </a:r>
+            <a:r>
+              <a:rPr lang="en-US" b="0" dirty="0">
+                <a:solidFill>
+                  <a:srgbClr val="859900"/>
+                </a:solidFill>
+                <a:effectLst/>
+                <a:latin typeface="Consolas" panose="020B0609020204030204" pitchFamily="49" charset="0"/>
+              </a:rPr>
+              <a:t>=</a:t>
+            </a:r>
+            <a:r>
+              <a:rPr lang="en-US" b="0" dirty="0">
+                <a:solidFill>
+                  <a:srgbClr val="333333"/>
+                </a:solidFill>
+                <a:effectLst/>
+                <a:latin typeface="Consolas" panose="020B0609020204030204" pitchFamily="49" charset="0"/>
+              </a:rPr>
+              <a:t> w; </a:t>
+            </a:r>
+          </a:p>
+          <a:p>
+            <a:r>
+              <a:rPr lang="en-US" b="0" dirty="0">
+                <a:solidFill>
+                  <a:srgbClr val="333333"/>
+                </a:solidFill>
+                <a:effectLst/>
+                <a:latin typeface="Consolas" panose="020B0609020204030204" pitchFamily="49" charset="0"/>
+              </a:rPr>
+              <a:t>    }</a:t>
+            </a:r>
+          </a:p>
+          <a:p>
+            <a:br>
+              <a:rPr lang="en-US" b="0" dirty="0">
+                <a:solidFill>
+                  <a:srgbClr val="333333"/>
+                </a:solidFill>
+                <a:effectLst/>
+                <a:latin typeface="Consolas" panose="020B0609020204030204" pitchFamily="49" charset="0"/>
+              </a:rPr>
+            </a:br>
+            <a:r>
+              <a:rPr lang="en-US" b="0" dirty="0">
+                <a:solidFill>
+                  <a:srgbClr val="333333"/>
+                </a:solidFill>
+                <a:effectLst/>
+                <a:latin typeface="Consolas" panose="020B0609020204030204" pitchFamily="49" charset="0"/>
+              </a:rPr>
+              <a:t>    </a:t>
+            </a:r>
+            <a:r>
+              <a:rPr lang="en-US" b="1" dirty="0">
+                <a:solidFill>
+                  <a:srgbClr val="073642"/>
+                </a:solidFill>
+                <a:effectLst/>
+                <a:latin typeface="Consolas" panose="020B0609020204030204" pitchFamily="49" charset="0"/>
+              </a:rPr>
+              <a:t>public</a:t>
+            </a:r>
+            <a:r>
+              <a:rPr lang="en-US" b="0" dirty="0">
+                <a:solidFill>
+                  <a:srgbClr val="333333"/>
+                </a:solidFill>
+                <a:effectLst/>
+                <a:latin typeface="Consolas" panose="020B0609020204030204" pitchFamily="49" charset="0"/>
+              </a:rPr>
+              <a:t> </a:t>
+            </a:r>
+            <a:r>
+              <a:rPr lang="en-US" b="1" dirty="0">
+                <a:solidFill>
+                  <a:srgbClr val="073642"/>
+                </a:solidFill>
+                <a:effectLst/>
+                <a:latin typeface="Consolas" panose="020B0609020204030204" pitchFamily="49" charset="0"/>
+              </a:rPr>
+              <a:t>int</a:t>
+            </a:r>
+            <a:r>
+              <a:rPr lang="en-US" b="0" dirty="0">
+                <a:solidFill>
+                  <a:srgbClr val="333333"/>
+                </a:solidFill>
+                <a:effectLst/>
+                <a:latin typeface="Consolas" panose="020B0609020204030204" pitchFamily="49" charset="0"/>
+              </a:rPr>
+              <a:t> </a:t>
+            </a:r>
+            <a:r>
+              <a:rPr lang="en-US" b="0" dirty="0" err="1">
+                <a:solidFill>
+                  <a:srgbClr val="268BD2"/>
+                </a:solidFill>
+                <a:effectLst/>
+                <a:latin typeface="Consolas" panose="020B0609020204030204" pitchFamily="49" charset="0"/>
+              </a:rPr>
+              <a:t>getArea</a:t>
+            </a:r>
+            <a:r>
+              <a:rPr lang="en-US" b="0" dirty="0">
+                <a:solidFill>
+                  <a:srgbClr val="333333"/>
+                </a:solidFill>
+                <a:effectLst/>
+                <a:latin typeface="Consolas" panose="020B0609020204030204" pitchFamily="49" charset="0"/>
+              </a:rPr>
+              <a:t>() { </a:t>
+            </a:r>
+          </a:p>
+          <a:p>
+            <a:r>
+              <a:rPr lang="en-US" b="0" dirty="0">
+                <a:solidFill>
+                  <a:srgbClr val="333333"/>
+                </a:solidFill>
+                <a:effectLst/>
+                <a:latin typeface="Consolas" panose="020B0609020204030204" pitchFamily="49" charset="0"/>
+              </a:rPr>
+              <a:t>        </a:t>
+            </a:r>
+            <a:r>
+              <a:rPr lang="en-US" b="0" dirty="0">
+                <a:solidFill>
+                  <a:srgbClr val="859900"/>
+                </a:solidFill>
+                <a:effectLst/>
+                <a:latin typeface="Consolas" panose="020B0609020204030204" pitchFamily="49" charset="0"/>
+              </a:rPr>
+              <a:t>return</a:t>
+            </a:r>
+            <a:r>
+              <a:rPr lang="en-US" b="0" dirty="0">
+                <a:solidFill>
+                  <a:srgbClr val="333333"/>
+                </a:solidFill>
+                <a:effectLst/>
+                <a:latin typeface="Consolas" panose="020B0609020204030204" pitchFamily="49" charset="0"/>
+              </a:rPr>
+              <a:t> </a:t>
+            </a:r>
+            <a:r>
+              <a:rPr lang="en-US" b="0" dirty="0">
+                <a:solidFill>
+                  <a:srgbClr val="268BD2"/>
+                </a:solidFill>
+                <a:effectLst/>
+                <a:latin typeface="Consolas" panose="020B0609020204030204" pitchFamily="49" charset="0"/>
+              </a:rPr>
+              <a:t>width</a:t>
+            </a:r>
+            <a:r>
+              <a:rPr lang="en-US" b="0" dirty="0">
+                <a:solidFill>
+                  <a:srgbClr val="333333"/>
+                </a:solidFill>
+                <a:effectLst/>
+                <a:latin typeface="Consolas" panose="020B0609020204030204" pitchFamily="49" charset="0"/>
+              </a:rPr>
+              <a:t> </a:t>
+            </a:r>
+            <a:r>
+              <a:rPr lang="en-US" b="0" dirty="0">
+                <a:solidFill>
+                  <a:srgbClr val="859900"/>
+                </a:solidFill>
+                <a:effectLst/>
+                <a:latin typeface="Consolas" panose="020B0609020204030204" pitchFamily="49" charset="0"/>
+              </a:rPr>
+              <a:t>*</a:t>
+            </a:r>
+            <a:r>
+              <a:rPr lang="en-US" b="0" dirty="0">
+                <a:solidFill>
+                  <a:srgbClr val="333333"/>
+                </a:solidFill>
+                <a:effectLst/>
+                <a:latin typeface="Consolas" panose="020B0609020204030204" pitchFamily="49" charset="0"/>
+              </a:rPr>
+              <a:t> </a:t>
+            </a:r>
+            <a:r>
+              <a:rPr lang="en-US" b="0" dirty="0">
+                <a:solidFill>
+                  <a:srgbClr val="268BD2"/>
+                </a:solidFill>
+                <a:effectLst/>
+                <a:latin typeface="Consolas" panose="020B0609020204030204" pitchFamily="49" charset="0"/>
+              </a:rPr>
+              <a:t>length</a:t>
+            </a:r>
+            <a:r>
+              <a:rPr lang="en-US" b="0" dirty="0">
+                <a:solidFill>
+                  <a:srgbClr val="333333"/>
+                </a:solidFill>
+                <a:effectLst/>
+                <a:latin typeface="Consolas" panose="020B0609020204030204" pitchFamily="49" charset="0"/>
+              </a:rPr>
+              <a:t>; </a:t>
+            </a:r>
+          </a:p>
+          <a:p>
+            <a:r>
+              <a:rPr lang="en-US" b="0" dirty="0">
+                <a:solidFill>
+                  <a:srgbClr val="333333"/>
+                </a:solidFill>
+                <a:effectLst/>
+                <a:latin typeface="Consolas" panose="020B0609020204030204" pitchFamily="49" charset="0"/>
+              </a:rPr>
+              <a:t>    }</a:t>
+            </a:r>
+            <a:br>
+              <a:rPr lang="en-US" b="0" dirty="0">
+                <a:solidFill>
+                  <a:srgbClr val="333333"/>
+                </a:solidFill>
+                <a:effectLst/>
+                <a:latin typeface="Consolas" panose="020B0609020204030204" pitchFamily="49" charset="0"/>
+              </a:rPr>
+            </a:br>
+            <a:endParaRPr lang="en-US" dirty="0"/>
+          </a:p>
+        </p:txBody>
+      </p:sp>
+    </p:spTree>
+    <p:extLst>
+      <p:ext uri="{BB962C8B-B14F-4D97-AF65-F5344CB8AC3E}">
+        <p14:creationId xmlns:p14="http://schemas.microsoft.com/office/powerpoint/2010/main" val="347644950"/>
+      </p:ext>
+    </p:extLst>
+  </p:cSld>
+  <p:clrMapOvr>
+    <a:masterClrMapping/>
+  </p:clrMapOvr>
+  <mc:AlternateContent xmlns:mc="http://schemas.openxmlformats.org/markup-compatibility/2006" xmlns:p14="http://schemas.microsoft.com/office/powerpoint/2010/main">
+    <mc:Choice Requires="p14">
+      <p:transition p14:dur="300">
+        <p:fade/>
+      </p:transition>
+    </mc:Choice>
+    <mc:Fallback xmlns="">
+      <p:transition>
+        <p:fade/>
+      </p:transition>
+    </mc:Fallback>
+  </mc:AlternateContent>
+</p:sld>
+</file>
+
+<file path=ppt/slides/slide7.xml><?xml version="1.0" encoding="utf-8"?>
+<p:sld xmlns:a="http://schemas.openxmlformats.org/drawingml/2006/main" xmlns:r="http://schemas.openxmlformats.org/officeDocument/2006/relationships" xmlns:p="http://schemas.openxmlformats.org/presentationml/2006/main">
+  <p:cSld>
+    <p:spTree>
+      <p:nvGrpSpPr>
+        <p:cNvPr id="1" name=""/>
+        <p:cNvGrpSpPr/>
+        <p:nvPr/>
+      </p:nvGrpSpPr>
+      <p:grpSpPr>
+        <a:xfrm>
+          <a:off x="0" y="0"/>
+          <a:ext cx="0" cy="0"/>
+          <a:chOff x="0" y="0"/>
+          <a:chExt cx="0" cy="0"/>
+        </a:xfrm>
+      </p:grpSpPr>
+      <p:sp>
+        <p:nvSpPr>
+          <p:cNvPr id="2" name="Title 1">
+            <a:extLst>
+              <a:ext uri="{FF2B5EF4-FFF2-40B4-BE49-F238E27FC236}">
+                <a16:creationId xmlns:a16="http://schemas.microsoft.com/office/drawing/2014/main" id="{C3EA45BF-873A-418F-BAD2-13FC54129DE1}"/>
+              </a:ext>
+            </a:extLst>
+          </p:cNvPr>
+          <p:cNvSpPr>
+            <a:spLocks noGrp="1"/>
+          </p:cNvSpPr>
+          <p:nvPr>
+            <p:ph type="title"/>
+          </p:nvPr>
+        </p:nvSpPr>
+        <p:spPr>
+          <a:xfrm>
+            <a:off x="628075" y="397427"/>
+            <a:ext cx="12561453" cy="1015663"/>
+          </a:xfrm>
+        </p:spPr>
+        <p:txBody>
+          <a:bodyPr/>
+          <a:lstStyle/>
+          <a:p>
+            <a:r>
+              <a:rPr lang="en-US" dirty="0"/>
+              <a:t>Use Tables!</a:t>
+            </a:r>
+          </a:p>
+        </p:txBody>
+      </p:sp>
+      <p:sp>
+        <p:nvSpPr>
+          <p:cNvPr id="3" name="Text Placeholder 2">
+            <a:extLst>
+              <a:ext uri="{FF2B5EF4-FFF2-40B4-BE49-F238E27FC236}">
+                <a16:creationId xmlns:a16="http://schemas.microsoft.com/office/drawing/2014/main" id="{6BF0DB38-916C-4770-94BA-EDC0427C796F}"/>
+              </a:ext>
+            </a:extLst>
+          </p:cNvPr>
+          <p:cNvSpPr>
+            <a:spLocks noGrp="1"/>
+          </p:cNvSpPr>
+          <p:nvPr>
+            <p:ph type="body" sz="quarter" idx="10"/>
+          </p:nvPr>
+        </p:nvSpPr>
+        <p:spPr>
+          <a:xfrm>
+            <a:off x="628076" y="1480107"/>
+            <a:ext cx="6042548" cy="1712520"/>
+          </a:xfrm>
+        </p:spPr>
+        <p:txBody>
+          <a:bodyPr/>
+          <a:lstStyle/>
+          <a:p>
+            <a:r>
+              <a:rPr lang="en-US" dirty="0"/>
+              <a:t>Every time you are:</a:t>
+            </a:r>
+          </a:p>
+          <a:p>
+            <a:pPr lvl="1"/>
+            <a:r>
+              <a:rPr lang="en-US" dirty="0"/>
+              <a:t>In a new method</a:t>
+            </a:r>
+          </a:p>
+          <a:p>
+            <a:pPr lvl="1"/>
+            <a:r>
+              <a:rPr lang="en-US" dirty="0"/>
+              <a:t>See a </a:t>
+            </a:r>
+            <a:r>
+              <a:rPr lang="en-US" b="1" dirty="0"/>
+              <a:t>new</a:t>
+            </a:r>
+            <a:r>
+              <a:rPr lang="en-US" dirty="0"/>
+              <a:t> keyword</a:t>
+            </a:r>
+          </a:p>
+          <a:p>
+            <a:r>
+              <a:rPr lang="en-US" u="sng" dirty="0"/>
+              <a:t>Draw a table</a:t>
+            </a:r>
+          </a:p>
+        </p:txBody>
+      </p:sp>
+      <p:sp>
+        <p:nvSpPr>
+          <p:cNvPr id="5" name="TextBox 4">
+            <a:extLst>
+              <a:ext uri="{FF2B5EF4-FFF2-40B4-BE49-F238E27FC236}">
+                <a16:creationId xmlns:a16="http://schemas.microsoft.com/office/drawing/2014/main" id="{2D06507C-F3CD-49BF-B7BA-7536DD916E30}"/>
+              </a:ext>
+            </a:extLst>
+          </p:cNvPr>
+          <p:cNvSpPr txBox="1"/>
+          <p:nvPr/>
+        </p:nvSpPr>
+        <p:spPr>
+          <a:xfrm>
+            <a:off x="628075" y="3359551"/>
+            <a:ext cx="5532125" cy="2862322"/>
+          </a:xfrm>
+          <a:prstGeom prst="rect">
+            <a:avLst/>
+          </a:prstGeom>
+          <a:noFill/>
+        </p:spPr>
+        <p:txBody>
+          <a:bodyPr wrap="square">
+            <a:spAutoFit/>
+          </a:bodyPr>
+          <a:lstStyle/>
+          <a:p>
+            <a:r>
+              <a:rPr lang="en-US" b="1" dirty="0">
+                <a:solidFill>
+                  <a:srgbClr val="073642"/>
+                </a:solidFill>
+                <a:effectLst/>
+                <a:latin typeface="Consolas" panose="020B0609020204030204" pitchFamily="49" charset="0"/>
+              </a:rPr>
+              <a:t>int</a:t>
+            </a:r>
+            <a:r>
+              <a:rPr lang="en-US" b="0" dirty="0">
+                <a:solidFill>
+                  <a:srgbClr val="333333"/>
+                </a:solidFill>
+                <a:effectLst/>
+                <a:latin typeface="Consolas" panose="020B0609020204030204" pitchFamily="49" charset="0"/>
+              </a:rPr>
+              <a:t> </a:t>
+            </a:r>
+            <a:r>
+              <a:rPr lang="en-US" b="0" dirty="0">
+                <a:solidFill>
+                  <a:srgbClr val="268BD2"/>
+                </a:solidFill>
+                <a:effectLst/>
+                <a:latin typeface="Consolas" panose="020B0609020204030204" pitchFamily="49" charset="0"/>
+              </a:rPr>
+              <a:t>small</a:t>
+            </a:r>
+            <a:r>
+              <a:rPr lang="en-US" b="0" dirty="0">
+                <a:solidFill>
+                  <a:srgbClr val="333333"/>
+                </a:solidFill>
+                <a:effectLst/>
+                <a:latin typeface="Consolas" panose="020B0609020204030204" pitchFamily="49" charset="0"/>
+              </a:rPr>
+              <a:t> </a:t>
+            </a:r>
+            <a:r>
+              <a:rPr lang="en-US" b="0" dirty="0">
+                <a:solidFill>
+                  <a:srgbClr val="859900"/>
+                </a:solidFill>
+                <a:effectLst/>
+                <a:latin typeface="Consolas" panose="020B0609020204030204" pitchFamily="49" charset="0"/>
+              </a:rPr>
+              <a:t>=</a:t>
+            </a:r>
+            <a:r>
+              <a:rPr lang="en-US" b="0" dirty="0">
+                <a:solidFill>
+                  <a:srgbClr val="333333"/>
+                </a:solidFill>
+                <a:effectLst/>
+                <a:latin typeface="Consolas" panose="020B0609020204030204" pitchFamily="49" charset="0"/>
+              </a:rPr>
+              <a:t> </a:t>
+            </a:r>
+            <a:r>
+              <a:rPr lang="en-US" b="0" dirty="0">
+                <a:solidFill>
+                  <a:srgbClr val="D33682"/>
+                </a:solidFill>
+                <a:effectLst/>
+                <a:latin typeface="Consolas" panose="020B0609020204030204" pitchFamily="49" charset="0"/>
+              </a:rPr>
+              <a:t>5</a:t>
+            </a:r>
+            <a:r>
+              <a:rPr lang="en-US" b="0" dirty="0">
+                <a:solidFill>
+                  <a:srgbClr val="333333"/>
+                </a:solidFill>
+                <a:effectLst/>
+                <a:latin typeface="Consolas" panose="020B0609020204030204" pitchFamily="49" charset="0"/>
+              </a:rPr>
+              <a:t>;</a:t>
+            </a:r>
+          </a:p>
+          <a:p>
+            <a:r>
+              <a:rPr lang="en-US" b="1" dirty="0">
+                <a:solidFill>
+                  <a:srgbClr val="268BD2"/>
+                </a:solidFill>
+                <a:effectLst/>
+                <a:latin typeface="Consolas" panose="020B0609020204030204" pitchFamily="49" charset="0"/>
+              </a:rPr>
+              <a:t>Rectangle</a:t>
+            </a:r>
+            <a:r>
+              <a:rPr lang="en-US" b="0" dirty="0">
+                <a:solidFill>
+                  <a:srgbClr val="333333"/>
+                </a:solidFill>
+                <a:effectLst/>
+                <a:latin typeface="Consolas" panose="020B0609020204030204" pitchFamily="49" charset="0"/>
+              </a:rPr>
+              <a:t> </a:t>
+            </a:r>
+            <a:r>
+              <a:rPr lang="en-US" b="0" dirty="0">
+                <a:solidFill>
+                  <a:srgbClr val="268BD2"/>
+                </a:solidFill>
+                <a:effectLst/>
+                <a:latin typeface="Consolas" panose="020B0609020204030204" pitchFamily="49" charset="0"/>
+              </a:rPr>
+              <a:t>one</a:t>
+            </a:r>
+            <a:r>
+              <a:rPr lang="en-US" b="0" dirty="0">
+                <a:solidFill>
+                  <a:srgbClr val="333333"/>
+                </a:solidFill>
+                <a:effectLst/>
+                <a:latin typeface="Consolas" panose="020B0609020204030204" pitchFamily="49" charset="0"/>
+              </a:rPr>
+              <a:t> </a:t>
+            </a:r>
+            <a:r>
+              <a:rPr lang="en-US" b="0" dirty="0">
+                <a:solidFill>
+                  <a:srgbClr val="859900"/>
+                </a:solidFill>
+                <a:effectLst/>
+                <a:latin typeface="Consolas" panose="020B0609020204030204" pitchFamily="49" charset="0"/>
+              </a:rPr>
+              <a:t>=</a:t>
+            </a:r>
+            <a:r>
+              <a:rPr lang="en-US" b="0" dirty="0">
+                <a:solidFill>
+                  <a:srgbClr val="333333"/>
+                </a:solidFill>
+                <a:effectLst/>
+                <a:latin typeface="Consolas" panose="020B0609020204030204" pitchFamily="49" charset="0"/>
+              </a:rPr>
+              <a:t> </a:t>
+            </a:r>
+            <a:r>
+              <a:rPr lang="en-US" b="0" dirty="0">
+                <a:solidFill>
+                  <a:srgbClr val="859900"/>
+                </a:solidFill>
+                <a:effectLst/>
+                <a:latin typeface="Consolas" panose="020B0609020204030204" pitchFamily="49" charset="0"/>
+              </a:rPr>
+              <a:t>new</a:t>
+            </a:r>
+            <a:r>
+              <a:rPr lang="en-US" b="0" dirty="0">
+                <a:solidFill>
+                  <a:srgbClr val="333333"/>
+                </a:solidFill>
+                <a:effectLst/>
+                <a:latin typeface="Consolas" panose="020B0609020204030204" pitchFamily="49" charset="0"/>
+              </a:rPr>
+              <a:t> </a:t>
+            </a:r>
+            <a:r>
+              <a:rPr lang="en-US" b="0" dirty="0">
+                <a:solidFill>
+                  <a:srgbClr val="268BD2"/>
+                </a:solidFill>
+                <a:effectLst/>
+                <a:latin typeface="Consolas" panose="020B0609020204030204" pitchFamily="49" charset="0"/>
+              </a:rPr>
+              <a:t>Rectangle</a:t>
+            </a:r>
+            <a:r>
+              <a:rPr lang="en-US" b="0" dirty="0">
+                <a:solidFill>
+                  <a:srgbClr val="333333"/>
+                </a:solidFill>
+                <a:effectLst/>
+                <a:latin typeface="Consolas" panose="020B0609020204030204" pitchFamily="49" charset="0"/>
+              </a:rPr>
+              <a:t>();</a:t>
+            </a:r>
+          </a:p>
+          <a:p>
+            <a:r>
+              <a:rPr lang="en-US" b="0" dirty="0" err="1">
+                <a:solidFill>
+                  <a:srgbClr val="268BD2"/>
+                </a:solidFill>
+                <a:effectLst/>
+                <a:latin typeface="Consolas" panose="020B0609020204030204" pitchFamily="49" charset="0"/>
+              </a:rPr>
+              <a:t>one</a:t>
+            </a:r>
+            <a:r>
+              <a:rPr lang="en-US" b="0" dirty="0" err="1">
+                <a:solidFill>
+                  <a:srgbClr val="333333"/>
+                </a:solidFill>
+                <a:effectLst/>
+                <a:latin typeface="Consolas" panose="020B0609020204030204" pitchFamily="49" charset="0"/>
+              </a:rPr>
+              <a:t>.</a:t>
+            </a:r>
+            <a:r>
+              <a:rPr lang="en-US" b="0" dirty="0" err="1">
+                <a:solidFill>
+                  <a:srgbClr val="268BD2"/>
+                </a:solidFill>
+                <a:effectLst/>
+                <a:latin typeface="Consolas" panose="020B0609020204030204" pitchFamily="49" charset="0"/>
+              </a:rPr>
+              <a:t>setLength</a:t>
+            </a:r>
+            <a:r>
+              <a:rPr lang="en-US" b="0" dirty="0">
+                <a:solidFill>
+                  <a:srgbClr val="333333"/>
+                </a:solidFill>
+                <a:effectLst/>
+                <a:latin typeface="Consolas" panose="020B0609020204030204" pitchFamily="49" charset="0"/>
+              </a:rPr>
+              <a:t>(</a:t>
+            </a:r>
+            <a:r>
+              <a:rPr lang="en-US" b="0" dirty="0">
+                <a:solidFill>
+                  <a:srgbClr val="D33682"/>
+                </a:solidFill>
+                <a:effectLst/>
+                <a:latin typeface="Consolas" panose="020B0609020204030204" pitchFamily="49" charset="0"/>
+              </a:rPr>
+              <a:t>10</a:t>
+            </a:r>
+            <a:r>
+              <a:rPr lang="en-US" b="0" dirty="0">
+                <a:solidFill>
+                  <a:srgbClr val="333333"/>
+                </a:solidFill>
+                <a:effectLst/>
+                <a:latin typeface="Consolas" panose="020B0609020204030204" pitchFamily="49" charset="0"/>
+              </a:rPr>
+              <a:t>);</a:t>
+            </a:r>
+          </a:p>
+          <a:p>
+            <a:r>
+              <a:rPr lang="en-US" b="0" dirty="0" err="1">
+                <a:solidFill>
+                  <a:srgbClr val="268BD2"/>
+                </a:solidFill>
+                <a:effectLst/>
+                <a:latin typeface="Consolas" panose="020B0609020204030204" pitchFamily="49" charset="0"/>
+              </a:rPr>
+              <a:t>one</a:t>
+            </a:r>
+            <a:r>
+              <a:rPr lang="en-US" b="0" dirty="0" err="1">
+                <a:solidFill>
+                  <a:srgbClr val="333333"/>
+                </a:solidFill>
+                <a:effectLst/>
+                <a:latin typeface="Consolas" panose="020B0609020204030204" pitchFamily="49" charset="0"/>
+              </a:rPr>
+              <a:t>.</a:t>
+            </a:r>
+            <a:r>
+              <a:rPr lang="en-US" b="0" dirty="0" err="1">
+                <a:solidFill>
+                  <a:srgbClr val="268BD2"/>
+                </a:solidFill>
+                <a:effectLst/>
+                <a:latin typeface="Consolas" panose="020B0609020204030204" pitchFamily="49" charset="0"/>
+              </a:rPr>
+              <a:t>setWidth</a:t>
+            </a:r>
+            <a:r>
+              <a:rPr lang="en-US" b="0" dirty="0">
+                <a:solidFill>
+                  <a:srgbClr val="333333"/>
+                </a:solidFill>
+                <a:effectLst/>
+                <a:latin typeface="Consolas" panose="020B0609020204030204" pitchFamily="49" charset="0"/>
+              </a:rPr>
+              <a:t>(</a:t>
+            </a:r>
+            <a:r>
+              <a:rPr lang="en-US" b="0" dirty="0">
+                <a:solidFill>
+                  <a:srgbClr val="D33682"/>
+                </a:solidFill>
+                <a:effectLst/>
+                <a:latin typeface="Consolas" panose="020B0609020204030204" pitchFamily="49" charset="0"/>
+              </a:rPr>
+              <a:t>10</a:t>
+            </a:r>
+            <a:r>
+              <a:rPr lang="en-US" b="0" dirty="0">
+                <a:solidFill>
+                  <a:srgbClr val="333333"/>
+                </a:solidFill>
+                <a:effectLst/>
+                <a:latin typeface="Consolas" panose="020B0609020204030204" pitchFamily="49" charset="0"/>
+              </a:rPr>
+              <a:t>);</a:t>
+            </a:r>
+          </a:p>
+          <a:p>
+            <a:br>
+              <a:rPr lang="en-US" b="0" dirty="0">
+                <a:solidFill>
+                  <a:srgbClr val="333333"/>
+                </a:solidFill>
+                <a:effectLst/>
+                <a:latin typeface="Consolas" panose="020B0609020204030204" pitchFamily="49" charset="0"/>
+              </a:rPr>
+            </a:br>
+            <a:r>
+              <a:rPr lang="en-US" b="1" dirty="0">
+                <a:solidFill>
+                  <a:srgbClr val="268BD2"/>
+                </a:solidFill>
+                <a:effectLst/>
+                <a:latin typeface="Consolas" panose="020B0609020204030204" pitchFamily="49" charset="0"/>
+              </a:rPr>
+              <a:t>Rectangle</a:t>
+            </a:r>
+            <a:r>
+              <a:rPr lang="en-US" b="0" dirty="0">
+                <a:solidFill>
+                  <a:srgbClr val="333333"/>
+                </a:solidFill>
+                <a:effectLst/>
+                <a:latin typeface="Consolas" panose="020B0609020204030204" pitchFamily="49" charset="0"/>
+              </a:rPr>
+              <a:t> </a:t>
+            </a:r>
+            <a:r>
+              <a:rPr lang="en-US" b="0" dirty="0">
+                <a:solidFill>
+                  <a:srgbClr val="268BD2"/>
+                </a:solidFill>
+                <a:effectLst/>
+                <a:latin typeface="Consolas" panose="020B0609020204030204" pitchFamily="49" charset="0"/>
+              </a:rPr>
+              <a:t>two</a:t>
+            </a:r>
+            <a:r>
+              <a:rPr lang="en-US" b="0" dirty="0">
+                <a:solidFill>
+                  <a:srgbClr val="333333"/>
+                </a:solidFill>
+                <a:effectLst/>
+                <a:latin typeface="Consolas" panose="020B0609020204030204" pitchFamily="49" charset="0"/>
+              </a:rPr>
+              <a:t> </a:t>
+            </a:r>
+            <a:r>
+              <a:rPr lang="en-US" b="0" dirty="0">
+                <a:solidFill>
+                  <a:srgbClr val="859900"/>
+                </a:solidFill>
+                <a:effectLst/>
+                <a:latin typeface="Consolas" panose="020B0609020204030204" pitchFamily="49" charset="0"/>
+              </a:rPr>
+              <a:t>=</a:t>
+            </a:r>
+            <a:r>
+              <a:rPr lang="en-US" b="0" dirty="0">
+                <a:solidFill>
+                  <a:srgbClr val="333333"/>
+                </a:solidFill>
+                <a:effectLst/>
+                <a:latin typeface="Consolas" panose="020B0609020204030204" pitchFamily="49" charset="0"/>
+              </a:rPr>
+              <a:t> </a:t>
+            </a:r>
+            <a:r>
+              <a:rPr lang="en-US" b="0" dirty="0">
+                <a:solidFill>
+                  <a:srgbClr val="859900"/>
+                </a:solidFill>
+                <a:effectLst/>
+                <a:latin typeface="Consolas" panose="020B0609020204030204" pitchFamily="49" charset="0"/>
+              </a:rPr>
+              <a:t>new</a:t>
+            </a:r>
+            <a:r>
+              <a:rPr lang="en-US" b="0" dirty="0">
+                <a:solidFill>
+                  <a:srgbClr val="333333"/>
+                </a:solidFill>
+                <a:effectLst/>
+                <a:latin typeface="Consolas" panose="020B0609020204030204" pitchFamily="49" charset="0"/>
+              </a:rPr>
+              <a:t> </a:t>
+            </a:r>
+            <a:r>
+              <a:rPr lang="en-US" b="0" dirty="0">
+                <a:solidFill>
+                  <a:srgbClr val="268BD2"/>
+                </a:solidFill>
+                <a:effectLst/>
+                <a:latin typeface="Consolas" panose="020B0609020204030204" pitchFamily="49" charset="0"/>
+              </a:rPr>
+              <a:t>Rectangle</a:t>
+            </a:r>
+            <a:r>
+              <a:rPr lang="en-US" b="0" dirty="0">
+                <a:solidFill>
+                  <a:srgbClr val="333333"/>
+                </a:solidFill>
+                <a:effectLst/>
+                <a:latin typeface="Consolas" panose="020B0609020204030204" pitchFamily="49" charset="0"/>
+              </a:rPr>
+              <a:t>();</a:t>
+            </a:r>
+          </a:p>
+          <a:p>
+            <a:r>
+              <a:rPr lang="en-US" b="0" dirty="0" err="1">
+                <a:solidFill>
+                  <a:srgbClr val="268BD2"/>
+                </a:solidFill>
+                <a:effectLst/>
+                <a:latin typeface="Consolas" panose="020B0609020204030204" pitchFamily="49" charset="0"/>
+              </a:rPr>
+              <a:t>two</a:t>
+            </a:r>
+            <a:r>
+              <a:rPr lang="en-US" b="0" dirty="0" err="1">
+                <a:solidFill>
+                  <a:srgbClr val="333333"/>
+                </a:solidFill>
+                <a:effectLst/>
+                <a:latin typeface="Consolas" panose="020B0609020204030204" pitchFamily="49" charset="0"/>
+              </a:rPr>
+              <a:t>.</a:t>
+            </a:r>
+            <a:r>
+              <a:rPr lang="en-US" b="0" dirty="0" err="1">
+                <a:solidFill>
+                  <a:srgbClr val="268BD2"/>
+                </a:solidFill>
+                <a:effectLst/>
+                <a:latin typeface="Consolas" panose="020B0609020204030204" pitchFamily="49" charset="0"/>
+              </a:rPr>
+              <a:t>setWidth</a:t>
+            </a:r>
+            <a:r>
+              <a:rPr lang="en-US" b="0" dirty="0">
+                <a:solidFill>
+                  <a:srgbClr val="333333"/>
+                </a:solidFill>
+                <a:effectLst/>
+                <a:latin typeface="Consolas" panose="020B0609020204030204" pitchFamily="49" charset="0"/>
+              </a:rPr>
+              <a:t>(</a:t>
+            </a:r>
+            <a:r>
+              <a:rPr lang="en-US" b="0" dirty="0">
+                <a:solidFill>
+                  <a:srgbClr val="268BD2"/>
+                </a:solidFill>
+                <a:effectLst/>
+                <a:latin typeface="Consolas" panose="020B0609020204030204" pitchFamily="49" charset="0"/>
+              </a:rPr>
+              <a:t>small</a:t>
+            </a:r>
+            <a:r>
+              <a:rPr lang="en-US" b="0" dirty="0">
+                <a:solidFill>
+                  <a:srgbClr val="333333"/>
+                </a:solidFill>
+                <a:effectLst/>
+                <a:latin typeface="Consolas" panose="020B0609020204030204" pitchFamily="49" charset="0"/>
+              </a:rPr>
+              <a:t>);</a:t>
+            </a:r>
+          </a:p>
+          <a:p>
+            <a:endParaRPr lang="en-US" b="0" dirty="0">
+              <a:solidFill>
+                <a:srgbClr val="333333"/>
+              </a:solidFill>
+              <a:effectLst/>
+              <a:latin typeface="Consolas" panose="020B0609020204030204" pitchFamily="49" charset="0"/>
+            </a:endParaRPr>
+          </a:p>
+          <a:p>
+            <a:r>
+              <a:rPr lang="en-US" b="0" dirty="0">
+                <a:solidFill>
+                  <a:srgbClr val="268BD2"/>
+                </a:solidFill>
+                <a:effectLst/>
+                <a:latin typeface="Consolas" panose="020B0609020204030204" pitchFamily="49" charset="0"/>
+              </a:rPr>
+              <a:t>small</a:t>
+            </a:r>
+            <a:r>
+              <a:rPr lang="en-US" b="0" dirty="0">
+                <a:solidFill>
+                  <a:srgbClr val="333333"/>
+                </a:solidFill>
+                <a:effectLst/>
+                <a:latin typeface="Consolas" panose="020B0609020204030204" pitchFamily="49" charset="0"/>
+              </a:rPr>
+              <a:t> </a:t>
+            </a:r>
+            <a:r>
+              <a:rPr lang="en-US" b="0" dirty="0">
+                <a:solidFill>
+                  <a:srgbClr val="859900"/>
+                </a:solidFill>
+                <a:effectLst/>
+                <a:latin typeface="Consolas" panose="020B0609020204030204" pitchFamily="49" charset="0"/>
+              </a:rPr>
+              <a:t>=</a:t>
+            </a:r>
+            <a:r>
+              <a:rPr lang="en-US" b="0" dirty="0">
+                <a:solidFill>
+                  <a:srgbClr val="333333"/>
+                </a:solidFill>
+                <a:effectLst/>
+                <a:latin typeface="Consolas" panose="020B0609020204030204" pitchFamily="49" charset="0"/>
+              </a:rPr>
+              <a:t> </a:t>
+            </a:r>
+            <a:r>
+              <a:rPr lang="en-US" b="0" dirty="0">
+                <a:solidFill>
+                  <a:srgbClr val="D33682"/>
+                </a:solidFill>
+                <a:effectLst/>
+                <a:latin typeface="Consolas" panose="020B0609020204030204" pitchFamily="49" charset="0"/>
+              </a:rPr>
+              <a:t>12</a:t>
+            </a:r>
+            <a:r>
+              <a:rPr lang="en-US" b="0" dirty="0">
+                <a:solidFill>
+                  <a:srgbClr val="333333"/>
+                </a:solidFill>
+                <a:effectLst/>
+                <a:latin typeface="Consolas" panose="020B0609020204030204" pitchFamily="49" charset="0"/>
+              </a:rPr>
+              <a:t>;</a:t>
+            </a:r>
+          </a:p>
+        </p:txBody>
+      </p:sp>
+      <p:graphicFrame>
+        <p:nvGraphicFramePr>
+          <p:cNvPr id="6" name="Table 6">
+            <a:extLst>
+              <a:ext uri="{FF2B5EF4-FFF2-40B4-BE49-F238E27FC236}">
+                <a16:creationId xmlns:a16="http://schemas.microsoft.com/office/drawing/2014/main" id="{A56FD856-8DA4-4BF5-9737-CAB5C98C3AC6}"/>
+              </a:ext>
+            </a:extLst>
+          </p:cNvPr>
+          <p:cNvGraphicFramePr>
+            <a:graphicFrameLocks noGrp="1"/>
+          </p:cNvGraphicFramePr>
+          <p:nvPr>
+            <p:extLst>
+              <p:ext uri="{D42A27DB-BD31-4B8C-83A1-F6EECF244321}">
+                <p14:modId xmlns:p14="http://schemas.microsoft.com/office/powerpoint/2010/main" val="1814260465"/>
+              </p:ext>
+            </p:extLst>
+          </p:nvPr>
+        </p:nvGraphicFramePr>
+        <p:xfrm>
+          <a:off x="7884826" y="405110"/>
+          <a:ext cx="3599860" cy="1602556"/>
+        </p:xfrm>
+        <a:graphic>
+          <a:graphicData uri="http://schemas.openxmlformats.org/drawingml/2006/table">
+            <a:tbl>
+              <a:tblPr firstRow="1" bandRow="1">
+                <a:tableStyleId>{5C22544A-7EE6-4342-B048-85BDC9FD1C3A}</a:tableStyleId>
+              </a:tblPr>
+              <a:tblGrid>
+                <a:gridCol w="1799930">
+                  <a:extLst>
+                    <a:ext uri="{9D8B030D-6E8A-4147-A177-3AD203B41FA5}">
+                      <a16:colId xmlns:a16="http://schemas.microsoft.com/office/drawing/2014/main" val="1698975334"/>
+                    </a:ext>
+                  </a:extLst>
+                </a:gridCol>
+                <a:gridCol w="1799930">
+                  <a:extLst>
+                    <a:ext uri="{9D8B030D-6E8A-4147-A177-3AD203B41FA5}">
+                      <a16:colId xmlns:a16="http://schemas.microsoft.com/office/drawing/2014/main" val="3194149168"/>
+                    </a:ext>
+                  </a:extLst>
+                </a:gridCol>
+              </a:tblGrid>
+              <a:tr h="400639">
+                <a:tc gridSpan="2">
+                  <a:txBody>
+                    <a:bodyPr/>
+                    <a:lstStyle/>
+                    <a:p>
+                      <a:pPr algn="ctr"/>
+                      <a:r>
+                        <a:rPr lang="en-US" sz="2000" dirty="0"/>
+                        <a:t>Current Method</a:t>
+                      </a:r>
+                    </a:p>
+                  </a:txBody>
+                  <a:tcPr/>
+                </a:tc>
+                <a:tc hMerge="1">
+                  <a:txBody>
+                    <a:bodyPr/>
+                    <a:lstStyle/>
+                    <a:p>
+                      <a:endParaRPr lang="en-US" dirty="0"/>
+                    </a:p>
+                  </a:txBody>
+                  <a:tcPr/>
+                </a:tc>
+                <a:extLst>
+                  <a:ext uri="{0D108BD9-81ED-4DB2-BD59-A6C34878D82A}">
+                    <a16:rowId xmlns:a16="http://schemas.microsoft.com/office/drawing/2014/main" val="4190439598"/>
+                  </a:ext>
+                </a:extLst>
+              </a:tr>
+              <a:tr h="400639">
+                <a:tc>
+                  <a:txBody>
+                    <a:bodyPr/>
+                    <a:lstStyle/>
+                    <a:p>
+                      <a:r>
+                        <a:rPr lang="en-US" sz="2000" dirty="0"/>
+                        <a:t>small</a:t>
+                      </a:r>
+                    </a:p>
+                  </a:txBody>
+                  <a:tcPr/>
+                </a:tc>
+                <a:tc>
+                  <a:txBody>
+                    <a:bodyPr/>
+                    <a:lstStyle/>
+                    <a:p>
+                      <a:r>
+                        <a:rPr lang="en-US" sz="2000" dirty="0"/>
+                        <a:t>5</a:t>
+                      </a:r>
+                    </a:p>
+                  </a:txBody>
+                  <a:tcPr/>
+                </a:tc>
+                <a:extLst>
+                  <a:ext uri="{0D108BD9-81ED-4DB2-BD59-A6C34878D82A}">
+                    <a16:rowId xmlns:a16="http://schemas.microsoft.com/office/drawing/2014/main" val="4191653788"/>
+                  </a:ext>
+                </a:extLst>
+              </a:tr>
+              <a:tr h="400639">
+                <a:tc>
+                  <a:txBody>
+                    <a:bodyPr/>
+                    <a:lstStyle/>
+                    <a:p>
+                      <a:r>
+                        <a:rPr lang="en-US" sz="2000" dirty="0"/>
+                        <a:t>one</a:t>
+                      </a:r>
+                    </a:p>
+                  </a:txBody>
+                  <a:tcPr/>
+                </a:tc>
+                <a:tc>
+                  <a:txBody>
+                    <a:bodyPr/>
+                    <a:lstStyle/>
+                    <a:p>
+                      <a:r>
+                        <a:rPr lang="en-US" sz="2000" dirty="0"/>
+                        <a:t>@rec.one</a:t>
+                      </a:r>
+                    </a:p>
+                  </a:txBody>
+                  <a:tcPr/>
+                </a:tc>
+                <a:extLst>
+                  <a:ext uri="{0D108BD9-81ED-4DB2-BD59-A6C34878D82A}">
+                    <a16:rowId xmlns:a16="http://schemas.microsoft.com/office/drawing/2014/main" val="1990734680"/>
+                  </a:ext>
+                </a:extLst>
+              </a:tr>
+              <a:tr h="400639">
+                <a:tc>
+                  <a:txBody>
+                    <a:bodyPr/>
+                    <a:lstStyle/>
+                    <a:p>
+                      <a:r>
+                        <a:rPr lang="en-US" sz="2000" dirty="0"/>
+                        <a:t>two</a:t>
+                      </a:r>
+                    </a:p>
+                  </a:txBody>
+                  <a:tcPr/>
+                </a:tc>
+                <a:tc>
+                  <a:txBody>
+                    <a:bodyPr/>
+                    <a:lstStyle/>
+                    <a:p>
+                      <a:r>
+                        <a:rPr lang="en-US" sz="2000" dirty="0"/>
+                        <a:t>@rec.two</a:t>
+                      </a:r>
+                    </a:p>
+                  </a:txBody>
+                  <a:tcPr/>
+                </a:tc>
+                <a:extLst>
+                  <a:ext uri="{0D108BD9-81ED-4DB2-BD59-A6C34878D82A}">
+                    <a16:rowId xmlns:a16="http://schemas.microsoft.com/office/drawing/2014/main" val="2922615958"/>
+                  </a:ext>
+                </a:extLst>
+              </a:tr>
+            </a:tbl>
+          </a:graphicData>
+        </a:graphic>
+      </p:graphicFrame>
+      <p:graphicFrame>
+        <p:nvGraphicFramePr>
+          <p:cNvPr id="7" name="Table 6">
+            <a:extLst>
+              <a:ext uri="{FF2B5EF4-FFF2-40B4-BE49-F238E27FC236}">
+                <a16:creationId xmlns:a16="http://schemas.microsoft.com/office/drawing/2014/main" id="{F367499E-7E10-43A2-ACBE-0605C34C1EAF}"/>
+              </a:ext>
+            </a:extLst>
+          </p:cNvPr>
+          <p:cNvGraphicFramePr>
+            <a:graphicFrameLocks noGrp="1"/>
+          </p:cNvGraphicFramePr>
+          <p:nvPr>
+            <p:extLst>
+              <p:ext uri="{D42A27DB-BD31-4B8C-83A1-F6EECF244321}">
+                <p14:modId xmlns:p14="http://schemas.microsoft.com/office/powerpoint/2010/main" val="2756470659"/>
+              </p:ext>
+            </p:extLst>
+          </p:nvPr>
+        </p:nvGraphicFramePr>
+        <p:xfrm>
+          <a:off x="7331098" y="2158414"/>
+          <a:ext cx="2082800" cy="1201917"/>
+        </p:xfrm>
+        <a:graphic>
+          <a:graphicData uri="http://schemas.openxmlformats.org/drawingml/2006/table">
+            <a:tbl>
+              <a:tblPr firstRow="1" bandRow="1">
+                <a:tableStyleId>{5C22544A-7EE6-4342-B048-85BDC9FD1C3A}</a:tableStyleId>
+              </a:tblPr>
+              <a:tblGrid>
+                <a:gridCol w="1041400">
+                  <a:extLst>
+                    <a:ext uri="{9D8B030D-6E8A-4147-A177-3AD203B41FA5}">
+                      <a16:colId xmlns:a16="http://schemas.microsoft.com/office/drawing/2014/main" val="1698975334"/>
+                    </a:ext>
+                  </a:extLst>
+                </a:gridCol>
+                <a:gridCol w="1041400">
+                  <a:extLst>
+                    <a:ext uri="{9D8B030D-6E8A-4147-A177-3AD203B41FA5}">
+                      <a16:colId xmlns:a16="http://schemas.microsoft.com/office/drawing/2014/main" val="3194149168"/>
+                    </a:ext>
+                  </a:extLst>
+                </a:gridCol>
+              </a:tblGrid>
+              <a:tr h="400639">
+                <a:tc gridSpan="2">
+                  <a:txBody>
+                    <a:bodyPr/>
+                    <a:lstStyle/>
+                    <a:p>
+                      <a:pPr algn="ctr"/>
+                      <a:r>
+                        <a:rPr lang="en-US" sz="2000" dirty="0"/>
+                        <a:t>@rec.one</a:t>
+                      </a:r>
+                    </a:p>
+                  </a:txBody>
+                  <a:tcPr/>
+                </a:tc>
+                <a:tc hMerge="1">
+                  <a:txBody>
+                    <a:bodyPr/>
+                    <a:lstStyle/>
+                    <a:p>
+                      <a:endParaRPr lang="en-US" dirty="0"/>
+                    </a:p>
+                  </a:txBody>
+                  <a:tcPr/>
+                </a:tc>
+                <a:extLst>
+                  <a:ext uri="{0D108BD9-81ED-4DB2-BD59-A6C34878D82A}">
+                    <a16:rowId xmlns:a16="http://schemas.microsoft.com/office/drawing/2014/main" val="4190439598"/>
+                  </a:ext>
+                </a:extLst>
+              </a:tr>
+              <a:tr h="400639">
+                <a:tc>
+                  <a:txBody>
+                    <a:bodyPr/>
+                    <a:lstStyle/>
+                    <a:p>
+                      <a:r>
+                        <a:rPr lang="en-US" sz="2000" dirty="0"/>
+                        <a:t>length</a:t>
+                      </a:r>
+                    </a:p>
+                  </a:txBody>
+                  <a:tcPr/>
+                </a:tc>
+                <a:tc>
+                  <a:txBody>
+                    <a:bodyPr/>
+                    <a:lstStyle/>
+                    <a:p>
+                      <a:r>
+                        <a:rPr lang="en-US" sz="2000" dirty="0"/>
+                        <a:t>10</a:t>
+                      </a:r>
+                    </a:p>
+                  </a:txBody>
+                  <a:tcPr/>
+                </a:tc>
+                <a:extLst>
+                  <a:ext uri="{0D108BD9-81ED-4DB2-BD59-A6C34878D82A}">
+                    <a16:rowId xmlns:a16="http://schemas.microsoft.com/office/drawing/2014/main" val="4191653788"/>
+                  </a:ext>
+                </a:extLst>
+              </a:tr>
+              <a:tr h="400639">
+                <a:tc>
+                  <a:txBody>
+                    <a:bodyPr/>
+                    <a:lstStyle/>
+                    <a:p>
+                      <a:r>
+                        <a:rPr lang="en-US" sz="2000" dirty="0"/>
+                        <a:t>width</a:t>
+                      </a:r>
+                    </a:p>
+                  </a:txBody>
+                  <a:tcPr/>
+                </a:tc>
+                <a:tc>
+                  <a:txBody>
+                    <a:bodyPr/>
+                    <a:lstStyle/>
+                    <a:p>
+                      <a:r>
+                        <a:rPr lang="en-US" sz="2000" dirty="0"/>
+                        <a:t>10</a:t>
+                      </a:r>
+                    </a:p>
+                  </a:txBody>
+                  <a:tcPr/>
+                </a:tc>
+                <a:extLst>
+                  <a:ext uri="{0D108BD9-81ED-4DB2-BD59-A6C34878D82A}">
+                    <a16:rowId xmlns:a16="http://schemas.microsoft.com/office/drawing/2014/main" val="1990734680"/>
+                  </a:ext>
+                </a:extLst>
+              </a:tr>
+            </a:tbl>
+          </a:graphicData>
+        </a:graphic>
+      </p:graphicFrame>
+      <p:graphicFrame>
+        <p:nvGraphicFramePr>
+          <p:cNvPr id="8" name="Table 7">
+            <a:extLst>
+              <a:ext uri="{FF2B5EF4-FFF2-40B4-BE49-F238E27FC236}">
+                <a16:creationId xmlns:a16="http://schemas.microsoft.com/office/drawing/2014/main" id="{D1B541EB-A169-4505-B911-2AE9C210BC8D}"/>
+              </a:ext>
+            </a:extLst>
+          </p:cNvPr>
+          <p:cNvGraphicFramePr>
+            <a:graphicFrameLocks noGrp="1"/>
+          </p:cNvGraphicFramePr>
+          <p:nvPr>
+            <p:extLst>
+              <p:ext uri="{D42A27DB-BD31-4B8C-83A1-F6EECF244321}">
+                <p14:modId xmlns:p14="http://schemas.microsoft.com/office/powerpoint/2010/main" val="4078021678"/>
+              </p:ext>
+            </p:extLst>
+          </p:nvPr>
+        </p:nvGraphicFramePr>
+        <p:xfrm>
+          <a:off x="9924322" y="2158414"/>
+          <a:ext cx="2082800" cy="1201917"/>
+        </p:xfrm>
+        <a:graphic>
+          <a:graphicData uri="http://schemas.openxmlformats.org/drawingml/2006/table">
+            <a:tbl>
+              <a:tblPr firstRow="1" bandRow="1">
+                <a:tableStyleId>{5C22544A-7EE6-4342-B048-85BDC9FD1C3A}</a:tableStyleId>
+              </a:tblPr>
+              <a:tblGrid>
+                <a:gridCol w="1041400">
+                  <a:extLst>
+                    <a:ext uri="{9D8B030D-6E8A-4147-A177-3AD203B41FA5}">
+                      <a16:colId xmlns:a16="http://schemas.microsoft.com/office/drawing/2014/main" val="1698975334"/>
+                    </a:ext>
+                  </a:extLst>
+                </a:gridCol>
+                <a:gridCol w="1041400">
+                  <a:extLst>
+                    <a:ext uri="{9D8B030D-6E8A-4147-A177-3AD203B41FA5}">
+                      <a16:colId xmlns:a16="http://schemas.microsoft.com/office/drawing/2014/main" val="3194149168"/>
+                    </a:ext>
+                  </a:extLst>
+                </a:gridCol>
+              </a:tblGrid>
+              <a:tr h="400639">
+                <a:tc gridSpan="2">
+                  <a:txBody>
+                    <a:bodyPr/>
+                    <a:lstStyle/>
+                    <a:p>
+                      <a:pPr algn="ctr"/>
+                      <a:r>
+                        <a:rPr lang="en-US" sz="2000" dirty="0"/>
+                        <a:t>@rec.two</a:t>
+                      </a:r>
+                    </a:p>
+                  </a:txBody>
+                  <a:tcPr/>
+                </a:tc>
+                <a:tc hMerge="1">
+                  <a:txBody>
+                    <a:bodyPr/>
+                    <a:lstStyle/>
+                    <a:p>
+                      <a:endParaRPr lang="en-US" dirty="0"/>
+                    </a:p>
+                  </a:txBody>
+                  <a:tcPr/>
+                </a:tc>
+                <a:extLst>
+                  <a:ext uri="{0D108BD9-81ED-4DB2-BD59-A6C34878D82A}">
+                    <a16:rowId xmlns:a16="http://schemas.microsoft.com/office/drawing/2014/main" val="4190439598"/>
+                  </a:ext>
+                </a:extLst>
+              </a:tr>
+              <a:tr h="400639">
+                <a:tc>
+                  <a:txBody>
+                    <a:bodyPr/>
+                    <a:lstStyle/>
+                    <a:p>
+                      <a:r>
+                        <a:rPr lang="en-US" sz="2000" dirty="0"/>
+                        <a:t>length</a:t>
+                      </a:r>
+                    </a:p>
+                  </a:txBody>
+                  <a:tcPr/>
+                </a:tc>
+                <a:tc>
+                  <a:txBody>
+                    <a:bodyPr/>
+                    <a:lstStyle/>
+                    <a:p>
+                      <a:r>
+                        <a:rPr lang="en-US" sz="2000" dirty="0"/>
+                        <a:t>0</a:t>
+                      </a:r>
+                    </a:p>
+                  </a:txBody>
+                  <a:tcPr/>
+                </a:tc>
+                <a:extLst>
+                  <a:ext uri="{0D108BD9-81ED-4DB2-BD59-A6C34878D82A}">
+                    <a16:rowId xmlns:a16="http://schemas.microsoft.com/office/drawing/2014/main" val="4191653788"/>
+                  </a:ext>
+                </a:extLst>
+              </a:tr>
+              <a:tr h="400639">
+                <a:tc>
+                  <a:txBody>
+                    <a:bodyPr/>
+                    <a:lstStyle/>
+                    <a:p>
+                      <a:r>
+                        <a:rPr lang="en-US" sz="2000" dirty="0"/>
+                        <a:t>width</a:t>
+                      </a:r>
+                    </a:p>
+                  </a:txBody>
+                  <a:tcPr/>
+                </a:tc>
+                <a:tc>
+                  <a:txBody>
+                    <a:bodyPr/>
+                    <a:lstStyle/>
+                    <a:p>
+                      <a:r>
+                        <a:rPr lang="en-US" sz="2000" dirty="0"/>
+                        <a:t>5</a:t>
+                      </a:r>
+                    </a:p>
+                  </a:txBody>
+                  <a:tcPr/>
+                </a:tc>
+                <a:extLst>
+                  <a:ext uri="{0D108BD9-81ED-4DB2-BD59-A6C34878D82A}">
+                    <a16:rowId xmlns:a16="http://schemas.microsoft.com/office/drawing/2014/main" val="1990734680"/>
+                  </a:ext>
+                </a:extLst>
+              </a:tr>
+            </a:tbl>
+          </a:graphicData>
+        </a:graphic>
+      </p:graphicFrame>
+      <p:sp>
+        <p:nvSpPr>
+          <p:cNvPr id="9" name="TextBox 8">
+            <a:extLst>
+              <a:ext uri="{FF2B5EF4-FFF2-40B4-BE49-F238E27FC236}">
+                <a16:creationId xmlns:a16="http://schemas.microsoft.com/office/drawing/2014/main" id="{273D659F-076B-4109-AF1D-A0246507503A}"/>
+              </a:ext>
+            </a:extLst>
+          </p:cNvPr>
+          <p:cNvSpPr txBox="1"/>
+          <p:nvPr/>
+        </p:nvSpPr>
+        <p:spPr>
+          <a:xfrm>
+            <a:off x="9684756" y="806278"/>
+            <a:ext cx="792662" cy="400110"/>
+          </a:xfrm>
+          <a:prstGeom prst="rect">
+            <a:avLst/>
+          </a:prstGeom>
+          <a:noFill/>
+        </p:spPr>
+        <p:txBody>
+          <a:bodyPr wrap="square" rtlCol="0">
+            <a:spAutoFit/>
+          </a:bodyPr>
+          <a:lstStyle/>
+          <a:p>
+            <a:r>
+              <a:rPr lang="en-US" dirty="0">
+                <a:solidFill>
+                  <a:srgbClr val="FF0000"/>
+                </a:solidFill>
+              </a:rPr>
+              <a:t>X </a:t>
+            </a:r>
+            <a:r>
+              <a:rPr lang="en-US" dirty="0"/>
+              <a:t> 12</a:t>
+            </a:r>
+          </a:p>
+        </p:txBody>
+      </p:sp>
+    </p:spTree>
+    <p:extLst>
+      <p:ext uri="{BB962C8B-B14F-4D97-AF65-F5344CB8AC3E}">
+        <p14:creationId xmlns:p14="http://schemas.microsoft.com/office/powerpoint/2010/main" val="2539599477"/>
+      </p:ext>
+    </p:extLst>
+  </p:cSld>
+  <p:clrMapOvr>
+    <a:masterClrMapping/>
+  </p:clrMapOvr>
+  <mc:AlternateContent xmlns:mc="http://schemas.openxmlformats.org/markup-compatibility/2006" xmlns:p14="http://schemas.microsoft.com/office/powerpoint/2010/main">
+    <mc:Choice Requires="p14">
+      <p:transition p14:dur="300">
+        <p:fade/>
+      </p:transition>
+    </mc:Choice>
+    <mc:Fallback xmlns="">
+      <p:transition>
+        <p:fade/>
+      </p:transition>
+    </mc:Fallback>
+  </mc:AlternateContent>
+  <p:timing>
+    <p:tnLst>
+      <p:par>
+        <p:cTn id="1" dur="indefinite" restart="never" nodeType="tmRoot">
+          <p:childTnLst>
+            <p:seq concurrent="1" nextAc="seek">
+              <p:cTn id="2" dur="indefinite" nodeType="mainSeq">
+                <p:childTnLst>
+                  <p:par>
+                    <p:cTn id="3" fill="hold">
+                      <p:stCondLst>
+                        <p:cond delay="indefinite"/>
+                      </p:stCondLst>
+                      <p:childTnLst>
+                        <p:par>
+                          <p:cTn id="4" fill="hold">
+                            <p:stCondLst>
+                              <p:cond delay="0"/>
+                            </p:stCondLst>
+                            <p:childTnLst>
+                              <p:par>
+                                <p:cTn id="5" presetID="22" presetClass="entr" presetSubtype="1" fill="hold" nodeType="clickEffect">
+                                  <p:stCondLst>
+                                    <p:cond delay="0"/>
+                                  </p:stCondLst>
+                                  <p:childTnLst>
+                                    <p:set>
+                                      <p:cBhvr>
+                                        <p:cTn id="6" dur="1" fill="hold">
+                                          <p:stCondLst>
+                                            <p:cond delay="0"/>
+                                          </p:stCondLst>
+                                        </p:cTn>
+                                        <p:tgtEl>
+                                          <p:spTgt spid="6"/>
+                                        </p:tgtEl>
+                                        <p:attrNameLst>
+                                          <p:attrName>style.visibility</p:attrName>
+                                        </p:attrNameLst>
+                                      </p:cBhvr>
+                                      <p:to>
+                                        <p:strVal val="visible"/>
+                                      </p:to>
+                                    </p:set>
+                                    <p:animEffect transition="in" filter="wipe(up)">
+                                      <p:cBhvr>
+                                        <p:cTn id="7" dur="500"/>
+                                        <p:tgtEl>
+                                          <p:spTgt spid="6"/>
+                                        </p:tgtEl>
+                                      </p:cBhvr>
+                                    </p:animEffect>
+                                  </p:childTnLst>
+                                </p:cTn>
+                              </p:par>
+                              <p:par>
+                                <p:cTn id="8" presetID="22" presetClass="entr" presetSubtype="1" fill="hold" nodeType="withEffect">
+                                  <p:stCondLst>
+                                    <p:cond delay="0"/>
+                                  </p:stCondLst>
+                                  <p:childTnLst>
+                                    <p:set>
+                                      <p:cBhvr>
+                                        <p:cTn id="9" dur="1" fill="hold">
+                                          <p:stCondLst>
+                                            <p:cond delay="0"/>
+                                          </p:stCondLst>
+                                        </p:cTn>
+                                        <p:tgtEl>
+                                          <p:spTgt spid="7"/>
+                                        </p:tgtEl>
+                                        <p:attrNameLst>
+                                          <p:attrName>style.visibility</p:attrName>
+                                        </p:attrNameLst>
+                                      </p:cBhvr>
+                                      <p:to>
+                                        <p:strVal val="visible"/>
+                                      </p:to>
+                                    </p:set>
+                                    <p:animEffect transition="in" filter="wipe(up)">
+                                      <p:cBhvr>
+                                        <p:cTn id="10" dur="500"/>
+                                        <p:tgtEl>
+                                          <p:spTgt spid="7"/>
+                                        </p:tgtEl>
+                                      </p:cBhvr>
+                                    </p:animEffect>
+                                  </p:childTnLst>
+                                </p:cTn>
+                              </p:par>
+                              <p:par>
+                                <p:cTn id="11" presetID="22" presetClass="entr" presetSubtype="1" fill="hold" nodeType="withEffect">
+                                  <p:stCondLst>
+                                    <p:cond delay="0"/>
+                                  </p:stCondLst>
+                                  <p:childTnLst>
+                                    <p:set>
+                                      <p:cBhvr>
+                                        <p:cTn id="12" dur="1" fill="hold">
+                                          <p:stCondLst>
+                                            <p:cond delay="0"/>
+                                          </p:stCondLst>
+                                        </p:cTn>
+                                        <p:tgtEl>
+                                          <p:spTgt spid="8"/>
+                                        </p:tgtEl>
+                                        <p:attrNameLst>
+                                          <p:attrName>style.visibility</p:attrName>
+                                        </p:attrNameLst>
+                                      </p:cBhvr>
+                                      <p:to>
+                                        <p:strVal val="visible"/>
+                                      </p:to>
+                                    </p:set>
+                                    <p:animEffect transition="in" filter="wipe(up)">
+                                      <p:cBhvr>
+                                        <p:cTn id="13" dur="500"/>
+                                        <p:tgtEl>
+                                          <p:spTgt spid="8"/>
+                                        </p:tgtEl>
+                                      </p:cBhvr>
+                                    </p:animEffect>
+                                  </p:childTnLst>
+                                </p:cTn>
+                              </p:par>
+                            </p:childTnLst>
+                          </p:cTn>
+                        </p:par>
+                      </p:childTnLst>
+                    </p:cTn>
+                  </p:par>
+                  <p:par>
+                    <p:cTn id="14" fill="hold">
+                      <p:stCondLst>
+                        <p:cond delay="indefinite"/>
+                      </p:stCondLst>
+                      <p:childTnLst>
+                        <p:par>
+                          <p:cTn id="15" fill="hold">
+                            <p:stCondLst>
+                              <p:cond delay="0"/>
+                            </p:stCondLst>
+                            <p:childTnLst>
+                              <p:par>
+                                <p:cTn id="16" presetID="22" presetClass="entr" presetSubtype="8" fill="hold" grpId="0" nodeType="clickEffect">
+                                  <p:stCondLst>
+                                    <p:cond delay="0"/>
+                                  </p:stCondLst>
+                                  <p:childTnLst>
+                                    <p:set>
+                                      <p:cBhvr>
+                                        <p:cTn id="17" dur="1" fill="hold">
+                                          <p:stCondLst>
+                                            <p:cond delay="0"/>
+                                          </p:stCondLst>
+                                        </p:cTn>
+                                        <p:tgtEl>
+                                          <p:spTgt spid="9"/>
+                                        </p:tgtEl>
+                                        <p:attrNameLst>
+                                          <p:attrName>style.visibility</p:attrName>
+                                        </p:attrNameLst>
+                                      </p:cBhvr>
+                                      <p:to>
+                                        <p:strVal val="visible"/>
+                                      </p:to>
+                                    </p:set>
+                                    <p:animEffect transition="in" filter="wipe(left)">
+                                      <p:cBhvr>
+                                        <p:cTn id="18" dur="500"/>
+                                        <p:tgtEl>
+                                          <p:spTgt spid="9"/>
+                                        </p:tgtEl>
+                                      </p:cBhvr>
+                                    </p:animEffect>
+                                  </p:childTnLst>
+                                </p:cTn>
+                              </p:par>
+                            </p:childTnLst>
+                          </p:cTn>
+                        </p:par>
+                      </p:childTnLst>
+                    </p:cTn>
+                  </p:par>
+                </p:childTnLst>
+              </p:cTn>
+              <p:prevCondLst>
+                <p:cond evt="onPrev" delay="0">
+                  <p:tgtEl>
+                    <p:sldTgt/>
+                  </p:tgtEl>
+                </p:cond>
+              </p:prevCondLst>
+              <p:nextCondLst>
+                <p:cond evt="onNext" delay="0">
+                  <p:tgtEl>
+                    <p:sldTgt/>
+                  </p:tgtEl>
+                </p:cond>
+              </p:nextCondLst>
+            </p:seq>
+          </p:childTnLst>
+        </p:cTn>
+      </p:par>
+    </p:tnLst>
+    <p:bldLst>
+      <p:bldP spid="9" grpId="0"/>
+    </p:bldLst>
+  </p:timing>
 </p:sld>
 </file>
 

--- a/slides/Online/2020/03a - ObjectsMethods.pptx
+++ b/slides/Online/2020/03a - ObjectsMethods.pptx
@@ -5,19 +5,18 @@
     <p:sldMasterId id="2147483648" r:id="rId1"/>
   </p:sldMasterIdLst>
   <p:notesMasterIdLst>
-    <p:notesMasterId r:id="rId9"/>
+    <p:notesMasterId r:id="rId8"/>
   </p:notesMasterIdLst>
   <p:handoutMasterIdLst>
-    <p:handoutMasterId r:id="rId10"/>
+    <p:handoutMasterId r:id="rId9"/>
   </p:handoutMasterIdLst>
   <p:sldIdLst>
     <p:sldId id="256" r:id="rId2"/>
-    <p:sldId id="257" r:id="rId3"/>
-    <p:sldId id="258" r:id="rId4"/>
-    <p:sldId id="259" r:id="rId5"/>
-    <p:sldId id="261" r:id="rId6"/>
-    <p:sldId id="262" r:id="rId7"/>
-    <p:sldId id="263" r:id="rId8"/>
+    <p:sldId id="258" r:id="rId3"/>
+    <p:sldId id="259" r:id="rId4"/>
+    <p:sldId id="261" r:id="rId5"/>
+    <p:sldId id="262" r:id="rId6"/>
+    <p:sldId id="263" r:id="rId7"/>
   </p:sldIdLst>
   <p:sldSz cx="13817600" cy="7772400"/>
   <p:notesSz cx="6858000" cy="9144000"/>
@@ -6694,14 +6693,14 @@
   <p:clrMapOvr>
     <a:masterClrMapping/>
   </p:clrMapOvr>
-  <mc:AlternateContent xmlns:mc="http://schemas.openxmlformats.org/markup-compatibility/2006" xmlns:p14="http://schemas.microsoft.com/office/powerpoint/2010/main">
-    <mc:Choice Requires="p14">
-      <p:transition p14:dur="300">
+  <mc:AlternateContent xmlns:mc="http://schemas.openxmlformats.org/markup-compatibility/2006">
+    <mc:Choice xmlns:p14="http://schemas.microsoft.com/office/powerpoint/2010/main" Requires="p14">
+      <p:transition p14:dur="300" advTm="124050">
         <p:fade/>
       </p:transition>
     </mc:Choice>
-    <mc:Fallback xmlns="">
-      <p:transition>
+    <mc:Fallback>
+      <p:transition advTm="124050">
         <p:fade/>
       </p:transition>
     </mc:Fallback>
@@ -6710,481 +6709,6 @@
 </file>
 
 <file path=ppt/slides/slide2.xml><?xml version="1.0" encoding="utf-8"?>
-<p:sld xmlns:a="http://schemas.openxmlformats.org/drawingml/2006/main" xmlns:r="http://schemas.openxmlformats.org/officeDocument/2006/relationships" xmlns:p="http://schemas.openxmlformats.org/presentationml/2006/main">
-  <p:cSld>
-    <p:spTree>
-      <p:nvGrpSpPr>
-        <p:cNvPr id="1" name=""/>
-        <p:cNvGrpSpPr/>
-        <p:nvPr/>
-      </p:nvGrpSpPr>
-      <p:grpSpPr>
-        <a:xfrm>
-          <a:off x="0" y="0"/>
-          <a:ext cx="0" cy="0"/>
-          <a:chOff x="0" y="0"/>
-          <a:chExt cx="0" cy="0"/>
-        </a:xfrm>
-      </p:grpSpPr>
-      <p:sp>
-        <p:nvSpPr>
-          <p:cNvPr id="4" name="Title 3">
-            <a:extLst>
-              <a:ext uri="{FF2B5EF4-FFF2-40B4-BE49-F238E27FC236}">
-                <a16:creationId xmlns:a16="http://schemas.microsoft.com/office/drawing/2014/main" id="{B912DD63-04F0-4148-98AD-8E50B5532C91}"/>
-              </a:ext>
-            </a:extLst>
-          </p:cNvPr>
-          <p:cNvSpPr>
-            <a:spLocks noGrp="1"/>
-          </p:cNvSpPr>
-          <p:nvPr>
-            <p:ph type="title"/>
-          </p:nvPr>
-        </p:nvSpPr>
-        <p:spPr>
-          <a:xfrm>
-            <a:off x="628075" y="905259"/>
-            <a:ext cx="12561453" cy="1015663"/>
-          </a:xfrm>
-        </p:spPr>
-        <p:txBody>
-          <a:bodyPr/>
-          <a:lstStyle/>
-          <a:p>
-            <a:r>
-              <a:rPr lang="en-US" dirty="0"/>
-              <a:t>Primitive and Object Types</a:t>
-            </a:r>
-          </a:p>
-        </p:txBody>
-      </p:sp>
-      <p:sp>
-        <p:nvSpPr>
-          <p:cNvPr id="5" name="Text Placeholder 4">
-            <a:extLst>
-              <a:ext uri="{FF2B5EF4-FFF2-40B4-BE49-F238E27FC236}">
-                <a16:creationId xmlns:a16="http://schemas.microsoft.com/office/drawing/2014/main" id="{92F209D4-8AC1-9C4B-967C-B887BDCD13DC}"/>
-              </a:ext>
-            </a:extLst>
-          </p:cNvPr>
-          <p:cNvSpPr>
-            <a:spLocks noGrp="1"/>
-          </p:cNvSpPr>
-          <p:nvPr>
-            <p:ph type="body" sz="quarter" idx="10"/>
-          </p:nvPr>
-        </p:nvSpPr>
-        <p:spPr>
-          <a:xfrm>
-            <a:off x="628075" y="2126639"/>
-            <a:ext cx="6280725" cy="4919552"/>
-          </a:xfrm>
-        </p:spPr>
-        <p:txBody>
-          <a:bodyPr/>
-          <a:lstStyle/>
-          <a:p>
-            <a:r>
-              <a:rPr lang="en-US" dirty="0"/>
-              <a:t>Primitives</a:t>
-            </a:r>
-          </a:p>
-          <a:p>
-            <a:pPr lvl="1"/>
-            <a:r>
-              <a:rPr lang="en-US" dirty="0"/>
-              <a:t>int</a:t>
-            </a:r>
-          </a:p>
-          <a:p>
-            <a:pPr lvl="1"/>
-            <a:r>
-              <a:rPr lang="en-US" dirty="0"/>
-              <a:t>double</a:t>
-            </a:r>
-          </a:p>
-          <a:p>
-            <a:pPr lvl="1"/>
-            <a:r>
-              <a:rPr lang="en-US" dirty="0"/>
-              <a:t>char</a:t>
-            </a:r>
-          </a:p>
-          <a:p>
-            <a:pPr lvl="1"/>
-            <a:r>
-              <a:rPr lang="en-US" dirty="0"/>
-              <a:t>boolean</a:t>
-            </a:r>
-          </a:p>
-          <a:p>
-            <a:r>
-              <a:rPr lang="en-US" dirty="0"/>
-              <a:t>Store numbers only</a:t>
-            </a:r>
-          </a:p>
-          <a:p>
-            <a:pPr lvl="1"/>
-            <a:r>
-              <a:rPr lang="en-US" dirty="0"/>
-              <a:t>char maps </a:t>
-            </a:r>
-            <a:r>
-              <a:rPr lang="en-US" dirty="0" err="1"/>
-              <a:t>ints</a:t>
-            </a:r>
-            <a:r>
-              <a:rPr lang="en-US" dirty="0"/>
-              <a:t> to ASCII table</a:t>
-            </a:r>
-          </a:p>
-          <a:p>
-            <a:pPr lvl="1"/>
-            <a:r>
-              <a:rPr lang="en-US" dirty="0"/>
-              <a:t>boolean maps 0 to false, 1 to true</a:t>
-            </a:r>
-          </a:p>
-          <a:p>
-            <a:r>
-              <a:rPr lang="en-US" dirty="0"/>
-              <a:t>Only contains the values</a:t>
-            </a:r>
-          </a:p>
-          <a:p>
-            <a:pPr lvl="1"/>
-            <a:r>
-              <a:rPr lang="en-US" dirty="0"/>
-              <a:t>No functionality</a:t>
-            </a:r>
-          </a:p>
-          <a:p>
-            <a:pPr lvl="1"/>
-            <a:r>
-              <a:rPr lang="en-US" dirty="0"/>
-              <a:t>Repeat: values only </a:t>
-            </a:r>
-          </a:p>
-          <a:p>
-            <a:endParaRPr lang="en-US" dirty="0"/>
-          </a:p>
-        </p:txBody>
-      </p:sp>
-      <p:sp>
-        <p:nvSpPr>
-          <p:cNvPr id="6" name="Text Placeholder 4">
-            <a:extLst>
-              <a:ext uri="{FF2B5EF4-FFF2-40B4-BE49-F238E27FC236}">
-                <a16:creationId xmlns:a16="http://schemas.microsoft.com/office/drawing/2014/main" id="{50BF289A-FE41-6F43-B27F-9D0F4315E895}"/>
-              </a:ext>
-            </a:extLst>
-          </p:cNvPr>
-          <p:cNvSpPr txBox="1">
-            <a:spLocks/>
-          </p:cNvSpPr>
-          <p:nvPr/>
-        </p:nvSpPr>
-        <p:spPr>
-          <a:xfrm>
-            <a:off x="6908800" y="2126639"/>
-            <a:ext cx="6280725" cy="3202159"/>
-          </a:xfrm>
-          <a:prstGeom prst="rect">
-            <a:avLst/>
-          </a:prstGeom>
-        </p:spPr>
-        <p:txBody>
-          <a:bodyPr vert="horz" lIns="91440" tIns="91440" rIns="91440" bIns="91440" rtlCol="0">
-            <a:spAutoFit/>
-          </a:bodyPr>
-          <a:lstStyle>
-            <a:lvl1pPr marL="524712" indent="-524712" algn="l" defTabSz="699614" rtl="0" eaLnBrk="1" latinLnBrk="0" hangingPunct="1">
-              <a:lnSpc>
-                <a:spcPct val="120000"/>
-              </a:lnSpc>
-              <a:spcBef>
-                <a:spcPts val="600"/>
-              </a:spcBef>
-              <a:spcAft>
-                <a:spcPts val="600"/>
-              </a:spcAft>
-              <a:buFont typeface="Arial"/>
-              <a:buChar char="•"/>
-              <a:defRPr sz="1800" b="0" i="0" kern="1200">
-                <a:solidFill>
-                  <a:srgbClr val="092529"/>
-                </a:solidFill>
-                <a:latin typeface="Proxima Nova" charset="0"/>
-                <a:ea typeface="Proxima Nova" charset="0"/>
-                <a:cs typeface="Proxima Nova" charset="0"/>
-              </a:defRPr>
-            </a:lvl1pPr>
-            <a:lvl2pPr marL="1136875" indent="-437261" algn="l" defTabSz="699614" rtl="0" eaLnBrk="1" latinLnBrk="0" hangingPunct="1">
-              <a:lnSpc>
-                <a:spcPct val="120000"/>
-              </a:lnSpc>
-              <a:spcBef>
-                <a:spcPts val="0"/>
-              </a:spcBef>
-              <a:spcAft>
-                <a:spcPts val="600"/>
-              </a:spcAft>
-              <a:buFont typeface="Arial"/>
-              <a:buChar char="–"/>
-              <a:defRPr sz="1600" b="0" i="0" kern="1200">
-                <a:solidFill>
-                  <a:srgbClr val="092529"/>
-                </a:solidFill>
-                <a:latin typeface="Proxima Nova" charset="0"/>
-                <a:ea typeface="Proxima Nova" charset="0"/>
-                <a:cs typeface="Proxima Nova" charset="0"/>
-              </a:defRPr>
-            </a:lvl2pPr>
-            <a:lvl3pPr marL="1749040" indent="-349807" algn="l" defTabSz="699614" rtl="0" eaLnBrk="1" latinLnBrk="0" hangingPunct="1">
-              <a:lnSpc>
-                <a:spcPct val="120000"/>
-              </a:lnSpc>
-              <a:spcBef>
-                <a:spcPts val="0"/>
-              </a:spcBef>
-              <a:spcAft>
-                <a:spcPts val="600"/>
-              </a:spcAft>
-              <a:buFont typeface="Arial"/>
-              <a:buChar char="•"/>
-              <a:defRPr sz="1600" b="0" i="0" kern="1200">
-                <a:solidFill>
-                  <a:srgbClr val="092529"/>
-                </a:solidFill>
-                <a:latin typeface="Proxima Nova" charset="0"/>
-                <a:ea typeface="Proxima Nova" charset="0"/>
-                <a:cs typeface="Proxima Nova" charset="0"/>
-              </a:defRPr>
-            </a:lvl3pPr>
-            <a:lvl4pPr marL="2448655" indent="-349807" algn="l" defTabSz="699614" rtl="0" eaLnBrk="1" latinLnBrk="0" hangingPunct="1">
-              <a:lnSpc>
-                <a:spcPct val="120000"/>
-              </a:lnSpc>
-              <a:spcBef>
-                <a:spcPts val="0"/>
-              </a:spcBef>
-              <a:spcAft>
-                <a:spcPts val="600"/>
-              </a:spcAft>
-              <a:buFont typeface="Arial"/>
-              <a:buChar char="–"/>
-              <a:defRPr sz="1600" b="0" i="0" kern="1200">
-                <a:solidFill>
-                  <a:srgbClr val="092529"/>
-                </a:solidFill>
-                <a:latin typeface="Proxima Nova" charset="0"/>
-                <a:ea typeface="Proxima Nova" charset="0"/>
-                <a:cs typeface="Proxima Nova" charset="0"/>
-              </a:defRPr>
-            </a:lvl4pPr>
-            <a:lvl5pPr marL="3148272" indent="-349807" algn="l" defTabSz="699614" rtl="0" eaLnBrk="1" latinLnBrk="0" hangingPunct="1">
-              <a:spcBef>
-                <a:spcPct val="20000"/>
-              </a:spcBef>
-              <a:buFont typeface="Arial"/>
-              <a:buChar char="»"/>
-              <a:defRPr sz="1648" b="0" kern="1200">
-                <a:solidFill>
-                  <a:srgbClr val="092529"/>
-                </a:solidFill>
-                <a:latin typeface="Franklin Gothic Book" charset="0"/>
-                <a:ea typeface="Franklin Gothic Book" charset="0"/>
-                <a:cs typeface="Franklin Gothic Book" charset="0"/>
-              </a:defRPr>
-            </a:lvl5pPr>
-            <a:lvl6pPr marL="3847888" indent="-349807" algn="l" defTabSz="699614" rtl="0" eaLnBrk="1" latinLnBrk="0" hangingPunct="1">
-              <a:spcBef>
-                <a:spcPct val="20000"/>
-              </a:spcBef>
-              <a:buFont typeface="Arial"/>
-              <a:buChar char="•"/>
-              <a:defRPr sz="3022" kern="1200">
-                <a:solidFill>
-                  <a:schemeClr val="tx1"/>
-                </a:solidFill>
-                <a:latin typeface="+mn-lt"/>
-                <a:ea typeface="+mn-ea"/>
-                <a:cs typeface="+mn-cs"/>
-              </a:defRPr>
-            </a:lvl6pPr>
-            <a:lvl7pPr marL="4547505" indent="-349807" algn="l" defTabSz="699614" rtl="0" eaLnBrk="1" latinLnBrk="0" hangingPunct="1">
-              <a:spcBef>
-                <a:spcPct val="20000"/>
-              </a:spcBef>
-              <a:buFont typeface="Arial"/>
-              <a:buChar char="•"/>
-              <a:defRPr sz="3022" kern="1200">
-                <a:solidFill>
-                  <a:schemeClr val="tx1"/>
-                </a:solidFill>
-                <a:latin typeface="+mn-lt"/>
-                <a:ea typeface="+mn-ea"/>
-                <a:cs typeface="+mn-cs"/>
-              </a:defRPr>
-            </a:lvl7pPr>
-            <a:lvl8pPr marL="5247119" indent="-349807" algn="l" defTabSz="699614" rtl="0" eaLnBrk="1" latinLnBrk="0" hangingPunct="1">
-              <a:spcBef>
-                <a:spcPct val="20000"/>
-              </a:spcBef>
-              <a:buFont typeface="Arial"/>
-              <a:buChar char="•"/>
-              <a:defRPr sz="3022" kern="1200">
-                <a:solidFill>
-                  <a:schemeClr val="tx1"/>
-                </a:solidFill>
-                <a:latin typeface="+mn-lt"/>
-                <a:ea typeface="+mn-ea"/>
-                <a:cs typeface="+mn-cs"/>
-              </a:defRPr>
-            </a:lvl8pPr>
-            <a:lvl9pPr marL="5946736" indent="-349807" algn="l" defTabSz="699614" rtl="0" eaLnBrk="1" latinLnBrk="0" hangingPunct="1">
-              <a:spcBef>
-                <a:spcPct val="20000"/>
-              </a:spcBef>
-              <a:buFont typeface="Arial"/>
-              <a:buChar char="•"/>
-              <a:defRPr sz="3022" kern="1200">
-                <a:solidFill>
-                  <a:schemeClr val="tx1"/>
-                </a:solidFill>
-                <a:latin typeface="+mn-lt"/>
-                <a:ea typeface="+mn-ea"/>
-                <a:cs typeface="+mn-cs"/>
-              </a:defRPr>
-            </a:lvl9pPr>
-          </a:lstStyle>
-          <a:p>
-            <a:r>
-              <a:rPr lang="en-US" dirty="0"/>
-              <a:t>Objects</a:t>
-            </a:r>
-          </a:p>
-          <a:p>
-            <a:pPr lvl="1"/>
-            <a:r>
-              <a:rPr lang="en-US" dirty="0"/>
-              <a:t>Are “containers” </a:t>
-            </a:r>
-          </a:p>
-          <a:p>
-            <a:pPr lvl="1"/>
-            <a:r>
-              <a:rPr lang="en-US" dirty="0"/>
-              <a:t>Contain multiple primitives </a:t>
-            </a:r>
-          </a:p>
-          <a:p>
-            <a:pPr lvl="1"/>
-            <a:r>
-              <a:rPr lang="en-US" dirty="0"/>
-              <a:t>Related to the same ‘idea’</a:t>
-            </a:r>
-          </a:p>
-          <a:p>
-            <a:pPr lvl="1"/>
-            <a:r>
-              <a:rPr lang="en-US" dirty="0"/>
-              <a:t>Has functionality (methods) </a:t>
-            </a:r>
-          </a:p>
-          <a:p>
-            <a:pPr lvl="1"/>
-            <a:r>
-              <a:rPr lang="en-US" dirty="0"/>
-              <a:t>Extremely key to programming</a:t>
-            </a:r>
-          </a:p>
-          <a:p>
-            <a:pPr lvl="1"/>
-            <a:r>
-              <a:rPr lang="en-US" dirty="0"/>
-              <a:t>They are ‘smart’</a:t>
-            </a:r>
-          </a:p>
-          <a:p>
-            <a:endParaRPr lang="en-US" dirty="0"/>
-          </a:p>
-        </p:txBody>
-      </p:sp>
-      <p:pic>
-        <p:nvPicPr>
-          <p:cNvPr id="1026" name="Picture 2">
-            <a:extLst>
-              <a:ext uri="{FF2B5EF4-FFF2-40B4-BE49-F238E27FC236}">
-                <a16:creationId xmlns:a16="http://schemas.microsoft.com/office/drawing/2014/main" id="{06FF5B60-5DDD-5F45-8D73-5730D2645B7A}"/>
-              </a:ext>
-            </a:extLst>
-          </p:cNvPr>
-          <p:cNvPicPr>
-            <a:picLocks noChangeAspect="1" noChangeArrowheads="1"/>
-          </p:cNvPicPr>
-          <p:nvPr/>
-        </p:nvPicPr>
-        <p:blipFill>
-          <a:blip r:embed="rId2">
-            <a:extLst>
-              <a:ext uri="{28A0092B-C50C-407E-A947-70E740481C1C}">
-                <a14:useLocalDpi xmlns:a14="http://schemas.microsoft.com/office/drawing/2010/main" val="0"/>
-              </a:ext>
-            </a:extLst>
-          </a:blip>
-          <a:srcRect/>
-          <a:stretch>
-            <a:fillRect/>
-          </a:stretch>
-        </p:blipFill>
-        <p:spPr bwMode="auto">
-          <a:xfrm>
-            <a:off x="10508058" y="326595"/>
-            <a:ext cx="3128919" cy="2085946"/>
-          </a:xfrm>
-          <a:prstGeom prst="rect">
-            <a:avLst/>
-          </a:prstGeom>
-          <a:noFill/>
-          <a:extLst>
-            <a:ext uri="{909E8E84-426E-40DD-AFC4-6F175D3DCCD1}">
-              <a14:hiddenFill xmlns:a14="http://schemas.microsoft.com/office/drawing/2010/main">
-                <a:solidFill>
-                  <a:srgbClr val="FFFFFF"/>
-                </a:solidFill>
-              </a14:hiddenFill>
-            </a:ext>
-          </a:extLst>
-        </p:spPr>
-      </p:pic>
-    </p:spTree>
-    <p:extLst>
-      <p:ext uri="{BB962C8B-B14F-4D97-AF65-F5344CB8AC3E}">
-        <p14:creationId xmlns:p14="http://schemas.microsoft.com/office/powerpoint/2010/main" val="2544596636"/>
-      </p:ext>
-    </p:extLst>
-  </p:cSld>
-  <p:clrMapOvr>
-    <a:masterClrMapping/>
-  </p:clrMapOvr>
-  <mc:AlternateContent xmlns:mc="http://schemas.openxmlformats.org/markup-compatibility/2006" xmlns:p14="http://schemas.microsoft.com/office/powerpoint/2010/main">
-    <mc:Choice Requires="p14">
-      <p:transition p14:dur="300">
-        <p:fade/>
-      </p:transition>
-    </mc:Choice>
-    <mc:Fallback xmlns="">
-      <p:transition>
-        <p:fade/>
-      </p:transition>
-    </mc:Fallback>
-  </mc:AlternateContent>
-</p:sld>
-</file>
-
-<file path=ppt/slides/slide3.xml><?xml version="1.0" encoding="utf-8"?>
 <p:sld xmlns:a="http://schemas.openxmlformats.org/drawingml/2006/main" xmlns:r="http://schemas.openxmlformats.org/officeDocument/2006/relationships" xmlns:p="http://schemas.openxmlformats.org/presentationml/2006/main">
   <p:cSld>
     <p:spTree>
@@ -7588,14 +7112,14 @@
   <p:clrMapOvr>
     <a:masterClrMapping/>
   </p:clrMapOvr>
-  <mc:AlternateContent xmlns:mc="http://schemas.openxmlformats.org/markup-compatibility/2006" xmlns:p14="http://schemas.microsoft.com/office/powerpoint/2010/main">
-    <mc:Choice Requires="p14">
-      <p:transition p14:dur="300">
+  <mc:AlternateContent xmlns:mc="http://schemas.openxmlformats.org/markup-compatibility/2006">
+    <mc:Choice xmlns:p14="http://schemas.microsoft.com/office/powerpoint/2010/main" Requires="p14">
+      <p:transition p14:dur="300" advTm="61612">
         <p:fade/>
       </p:transition>
     </mc:Choice>
-    <mc:Fallback xmlns="">
-      <p:transition>
+    <mc:Fallback>
+      <p:transition advTm="61612">
         <p:fade/>
       </p:transition>
     </mc:Fallback>
@@ -7603,7 +7127,7 @@
 </p:sld>
 </file>
 
-<file path=ppt/slides/slide4.xml><?xml version="1.0" encoding="utf-8"?>
+<file path=ppt/slides/slide3.xml><?xml version="1.0" encoding="utf-8"?>
 <p:sld xmlns:a="http://schemas.openxmlformats.org/drawingml/2006/main" xmlns:r="http://schemas.openxmlformats.org/officeDocument/2006/relationships" xmlns:p="http://schemas.openxmlformats.org/presentationml/2006/main">
   <p:cSld>
     <p:spTree>
@@ -9730,6 +9254,9 @@
         </p:txBody>
       </p:sp>
     </p:spTree>
+    <p:custDataLst>
+      <p:tags r:id="rId1"/>
+    </p:custDataLst>
     <p:extLst>
       <p:ext uri="{BB962C8B-B14F-4D97-AF65-F5344CB8AC3E}">
         <p14:creationId xmlns:p14="http://schemas.microsoft.com/office/powerpoint/2010/main" val="945460295"/>
@@ -9739,14 +9266,14 @@
   <p:clrMapOvr>
     <a:masterClrMapping/>
   </p:clrMapOvr>
-  <mc:AlternateContent xmlns:mc="http://schemas.openxmlformats.org/markup-compatibility/2006" xmlns:p14="http://schemas.microsoft.com/office/powerpoint/2010/main">
-    <mc:Choice Requires="p14">
-      <p:transition p14:dur="300">
+  <mc:AlternateContent xmlns:mc="http://schemas.openxmlformats.org/markup-compatibility/2006">
+    <mc:Choice xmlns:p14="http://schemas.microsoft.com/office/powerpoint/2010/main" Requires="p14">
+      <p:transition p14:dur="300" advTm="135521">
         <p:fade/>
       </p:transition>
     </mc:Choice>
-    <mc:Fallback xmlns="">
-      <p:transition>
+    <mc:Fallback>
+      <p:transition advTm="135521">
         <p:fade/>
       </p:transition>
     </mc:Fallback>
@@ -10415,7 +9942,7 @@
 </p:sld>
 </file>
 
-<file path=ppt/slides/slide5.xml><?xml version="1.0" encoding="utf-8"?>
+<file path=ppt/slides/slide4.xml><?xml version="1.0" encoding="utf-8"?>
 <p:sld xmlns:a="http://schemas.openxmlformats.org/drawingml/2006/main" xmlns:r="http://schemas.openxmlformats.org/officeDocument/2006/relationships" xmlns:p="http://schemas.openxmlformats.org/presentationml/2006/main">
   <p:cSld>
     <p:spTree>
@@ -10548,7 +10075,7 @@
         </p:nvSpPr>
         <p:spPr>
           <a:xfrm>
-            <a:off x="142407" y="1518819"/>
+            <a:off x="628075" y="1546168"/>
             <a:ext cx="6910464" cy="5016758"/>
           </a:xfrm>
           <a:prstGeom prst="rect">
@@ -11390,14 +10917,14 @@
   <p:clrMapOvr>
     <a:masterClrMapping/>
   </p:clrMapOvr>
-  <mc:AlternateContent xmlns:mc="http://schemas.openxmlformats.org/markup-compatibility/2006" xmlns:p14="http://schemas.microsoft.com/office/powerpoint/2010/main">
-    <mc:Choice Requires="p14">
-      <p:transition p14:dur="300">
+  <mc:AlternateContent xmlns:mc="http://schemas.openxmlformats.org/markup-compatibility/2006">
+    <mc:Choice xmlns:p14="http://schemas.microsoft.com/office/powerpoint/2010/main" Requires="p14">
+      <p:transition p14:dur="300" advTm="193872">
         <p:fade/>
       </p:transition>
     </mc:Choice>
-    <mc:Fallback xmlns="">
-      <p:transition>
+    <mc:Fallback>
+      <p:transition advTm="193872">
         <p:fade/>
       </p:transition>
     </mc:Fallback>
@@ -11405,7 +10932,7 @@
 </p:sld>
 </file>
 
-<file path=ppt/slides/slide6.xml><?xml version="1.0" encoding="utf-8"?>
+<file path=ppt/slides/slide5.xml><?xml version="1.0" encoding="utf-8"?>
 <p:sld xmlns:a="http://schemas.openxmlformats.org/drawingml/2006/main" xmlns:r="http://schemas.openxmlformats.org/officeDocument/2006/relationships" xmlns:p="http://schemas.openxmlformats.org/presentationml/2006/main">
   <p:cSld>
     <p:spTree>
@@ -12100,14 +11627,14 @@
   <p:clrMapOvr>
     <a:masterClrMapping/>
   </p:clrMapOvr>
-  <mc:AlternateContent xmlns:mc="http://schemas.openxmlformats.org/markup-compatibility/2006" xmlns:p14="http://schemas.microsoft.com/office/powerpoint/2010/main">
-    <mc:Choice Requires="p14">
-      <p:transition p14:dur="300">
+  <mc:AlternateContent xmlns:mc="http://schemas.openxmlformats.org/markup-compatibility/2006">
+    <mc:Choice xmlns:p14="http://schemas.microsoft.com/office/powerpoint/2010/main" Requires="p14">
+      <p:transition p14:dur="300" advTm="69576">
         <p:fade/>
       </p:transition>
     </mc:Choice>
-    <mc:Fallback xmlns="">
-      <p:transition>
+    <mc:Fallback>
+      <p:transition advTm="69576">
         <p:fade/>
       </p:transition>
     </mc:Fallback>
@@ -12115,7 +11642,7 @@
 </p:sld>
 </file>
 
-<file path=ppt/slides/slide7.xml><?xml version="1.0" encoding="utf-8"?>
+<file path=ppt/slides/slide6.xml><?xml version="1.0" encoding="utf-8"?>
 <p:sld xmlns:a="http://schemas.openxmlformats.org/drawingml/2006/main" xmlns:r="http://schemas.openxmlformats.org/officeDocument/2006/relationships" xmlns:p="http://schemas.openxmlformats.org/presentationml/2006/main">
   <p:cSld>
     <p:spTree>
@@ -13325,6 +12852,9 @@
         </p:txBody>
       </p:sp>
     </p:spTree>
+    <p:custDataLst>
+      <p:tags r:id="rId1"/>
+    </p:custDataLst>
     <p:extLst>
       <p:ext uri="{BB962C8B-B14F-4D97-AF65-F5344CB8AC3E}">
         <p14:creationId xmlns:p14="http://schemas.microsoft.com/office/powerpoint/2010/main" val="2539599477"/>
@@ -13334,14 +12864,14 @@
   <p:clrMapOvr>
     <a:masterClrMapping/>
   </p:clrMapOvr>
-  <mc:AlternateContent xmlns:mc="http://schemas.openxmlformats.org/markup-compatibility/2006" xmlns:p14="http://schemas.microsoft.com/office/powerpoint/2010/main">
-    <mc:Choice Requires="p14">
-      <p:transition p14:dur="300">
+  <mc:AlternateContent xmlns:mc="http://schemas.openxmlformats.org/markup-compatibility/2006">
+    <mc:Choice xmlns:p14="http://schemas.microsoft.com/office/powerpoint/2010/main" Requires="p14">
+      <p:transition p14:dur="300" advTm="133879">
         <p:fade/>
       </p:transition>
     </mc:Choice>
-    <mc:Fallback xmlns="">
-      <p:transition>
+    <mc:Fallback>
+      <p:transition advTm="133879">
         <p:fade/>
       </p:transition>
     </mc:Fallback>
@@ -13556,6 +13086,18 @@
     </p:bldLst>
   </p:timing>
 </p:sld>
+</file>
+
+<file path=ppt/tags/tag1.xml><?xml version="1.0" encoding="utf-8"?>
+<p:tagLst xmlns:a="http://schemas.openxmlformats.org/drawingml/2006/main" xmlns:r="http://schemas.openxmlformats.org/officeDocument/2006/relationships" xmlns:p="http://schemas.openxmlformats.org/presentationml/2006/main">
+  <p:tag name="TIMING" val="|43.2|6.7|16.5|29.7"/>
+</p:tagLst>
+</file>
+
+<file path=ppt/tags/tag2.xml><?xml version="1.0" encoding="utf-8"?>
+<p:tagLst xmlns:a="http://schemas.openxmlformats.org/drawingml/2006/main" xmlns:r="http://schemas.openxmlformats.org/officeDocument/2006/relationships" xmlns:p="http://schemas.openxmlformats.org/presentationml/2006/main">
+  <p:tag name="TIMING" val="|28.5|45.9"/>
+</p:tagLst>
 </file>
 
 <file path=ppt/theme/theme1.xml><?xml version="1.0" encoding="utf-8"?>
